--- a/Logger.pptx
+++ b/Logger.pptx
@@ -4469,18 +4469,139 @@
           </a:p>
         </p:txBody>
       </p:sp>
+      <p:sp>
+        <p:nvSpPr>
+          <p:cNvPr id="5" name="TextBox 4"/>
+          <p:cNvSpPr txBox="1"/>
+          <p:nvPr/>
+        </p:nvSpPr>
+        <p:spPr>
+          <a:xfrm>
+            <a:off x="940125" y="2465973"/>
+            <a:ext cx="7035800" cy="3662541"/>
+          </a:xfrm>
+          <a:prstGeom prst="rect">
+            <a:avLst/>
+          </a:prstGeom>
+          <a:noFill/>
+        </p:spPr>
+        <p:txBody>
+          <a:bodyPr wrap="square" rtlCol="0">
+            <a:spAutoFit/>
+          </a:bodyPr>
+          <a:lstStyle/>
+          <a:p>
+            <a:pPr marL="285750" indent="-285750">
+              <a:buFont typeface="Arial" panose="020B0604020202020204" pitchFamily="34" charset="0"/>
+              <a:buChar char="•"/>
+            </a:pPr>
+            <a:r>
+              <a:rPr lang="en-US" sz="2800" dirty="0" smtClean="0"/>
+              <a:t>Saving the logs directly on the server</a:t>
+            </a:r>
+          </a:p>
+          <a:p>
+            <a:pPr marL="285750" indent="-285750">
+              <a:buFont typeface="Arial" panose="020B0604020202020204" pitchFamily="34" charset="0"/>
+              <a:buChar char="•"/>
+            </a:pPr>
+            <a:r>
+              <a:rPr lang="en-US" sz="2800" dirty="0" smtClean="0"/>
+              <a:t>Set maximum number of recorded events</a:t>
+            </a:r>
+          </a:p>
+          <a:p>
+            <a:pPr marL="285750" indent="-285750">
+              <a:buFont typeface="Arial" panose="020B0604020202020204" pitchFamily="34" charset="0"/>
+              <a:buChar char="•"/>
+            </a:pPr>
+            <a:r>
+              <a:rPr lang="en-US" sz="2800" dirty="0" smtClean="0"/>
+              <a:t>Customize the generated file name</a:t>
+            </a:r>
+          </a:p>
+          <a:p>
+            <a:pPr marL="285750" indent="-285750">
+              <a:buFont typeface="Arial" panose="020B0604020202020204" pitchFamily="34" charset="0"/>
+              <a:buChar char="•"/>
+            </a:pPr>
+            <a:r>
+              <a:rPr lang="en-US" sz="2800" dirty="0" smtClean="0"/>
+              <a:t>Add </a:t>
+            </a:r>
+            <a:r>
+              <a:rPr lang="en-US" sz="2800" dirty="0" err="1" smtClean="0"/>
+              <a:t>stacktrace</a:t>
+            </a:r>
+            <a:endParaRPr lang="en-US" sz="2800" dirty="0" smtClean="0"/>
+          </a:p>
+          <a:p>
+            <a:pPr marL="285750" indent="-285750">
+              <a:buFont typeface="Arial" panose="020B0604020202020204" pitchFamily="34" charset="0"/>
+              <a:buChar char="•"/>
+            </a:pPr>
+            <a:r>
+              <a:rPr lang="en-US" sz="2800" dirty="0" smtClean="0"/>
+              <a:t>Use </a:t>
+            </a:r>
+            <a:r>
+              <a:rPr lang="en-US" sz="2800" dirty="0" err="1" smtClean="0"/>
+              <a:t>websockets</a:t>
+            </a:r>
+            <a:r>
+              <a:rPr lang="en-US" sz="2800" dirty="0" smtClean="0"/>
+              <a:t> to “supervise” </a:t>
+            </a:r>
+            <a:r>
+              <a:rPr lang="en-US" sz="2800" dirty="0" smtClean="0">
+                <a:sym typeface="Wingdings" panose="05000000000000000000" pitchFamily="2" charset="2"/>
+              </a:rPr>
+              <a:t></a:t>
+            </a:r>
+            <a:r>
+              <a:rPr lang="en-US" sz="2800" dirty="0" smtClean="0"/>
+              <a:t> your clients</a:t>
+            </a:r>
+          </a:p>
+          <a:p>
+            <a:pPr marL="285750" indent="-285750">
+              <a:buFont typeface="Arial" panose="020B0604020202020204" pitchFamily="34" charset="0"/>
+              <a:buChar char="•"/>
+            </a:pPr>
+            <a:r>
+              <a:rPr lang="en-US" sz="2800" dirty="0" smtClean="0"/>
+              <a:t>Feel free to contribute on </a:t>
+            </a:r>
+            <a:r>
+              <a:rPr lang="en-US" sz="2800" dirty="0" smtClean="0">
+                <a:hlinkClick r:id="rId2"/>
+              </a:rPr>
+              <a:t>https://github.com/bogdan-cornianu/logger</a:t>
+            </a:r>
+            <a:endParaRPr lang="en-US" sz="2800" dirty="0" smtClean="0"/>
+          </a:p>
+          <a:p>
+            <a:pPr marL="285750" indent="-285750">
+              <a:buFont typeface="Arial" panose="020B0604020202020204" pitchFamily="34" charset="0"/>
+              <a:buChar char="•"/>
+            </a:pPr>
+            <a:endParaRPr lang="en-US" dirty="0" smtClean="0"/>
+          </a:p>
+          <a:p>
+            <a:endParaRPr lang="en-US" dirty="0"/>
+          </a:p>
+        </p:txBody>
+      </p:sp>
       <p:pic>
         <p:nvPicPr>
-          <p:cNvPr id="4" name="Content Placeholder 3"/>
+          <p:cNvPr id="6" name="Picture 5"/>
           <p:cNvPicPr>
-            <a:picLocks noGrp="1" noChangeAspect="1"/>
+            <a:picLocks noChangeAspect="1"/>
           </p:cNvPicPr>
-          <p:nvPr>
-            <p:ph idx="1"/>
-          </p:nvPr>
+          <p:nvPr/>
         </p:nvPicPr>
         <p:blipFill>
-          <a:blip r:embed="rId2">
+          <a:blip r:embed="rId3">
             <a:extLst>
               <a:ext uri="{28A0092B-C50C-407E-A947-70E740481C1C}">
                 <a14:useLocalDpi xmlns:a14="http://schemas.microsoft.com/office/drawing/2010/main" val="0"/>
@@ -4493,114 +4614,30 @@
         </p:blipFill>
         <p:spPr>
           <a:xfrm>
-            <a:off x="8077850" y="1690688"/>
-            <a:ext cx="3275950" cy="4351338"/>
-          </a:xfrm>
-        </p:spPr>
-      </p:pic>
-      <p:sp>
-        <p:nvSpPr>
-          <p:cNvPr id="5" name="TextBox 4"/>
-          <p:cNvSpPr txBox="1"/>
-          <p:nvPr/>
-        </p:nvSpPr>
-        <p:spPr>
-          <a:xfrm>
-            <a:off x="940125" y="2465973"/>
-            <a:ext cx="7035800" cy="2800767"/>
+            <a:off x="8145625" y="1690688"/>
+            <a:ext cx="3208175" cy="4437826"/>
           </a:xfrm>
           <a:prstGeom prst="rect">
             <a:avLst/>
           </a:prstGeom>
-          <a:noFill/>
         </p:spPr>
-        <p:txBody>
-          <a:bodyPr wrap="square" rtlCol="0">
-            <a:spAutoFit/>
-          </a:bodyPr>
-          <a:lstStyle/>
-          <a:p>
-            <a:pPr marL="285750" indent="-285750">
-              <a:buFont typeface="Arial" panose="020B0604020202020204" pitchFamily="34" charset="0"/>
-              <a:buChar char="•"/>
-            </a:pPr>
-            <a:r>
-              <a:rPr lang="en-US" sz="2800" dirty="0" smtClean="0"/>
-              <a:t>Saving the logs directly on the server</a:t>
-            </a:r>
-          </a:p>
-          <a:p>
-            <a:pPr marL="285750" indent="-285750">
-              <a:buFont typeface="Arial" panose="020B0604020202020204" pitchFamily="34" charset="0"/>
-              <a:buChar char="•"/>
-            </a:pPr>
-            <a:r>
-              <a:rPr lang="en-US" sz="2800" dirty="0" smtClean="0"/>
-              <a:t>Set maximum number of recorded events</a:t>
-            </a:r>
-          </a:p>
-          <a:p>
-            <a:pPr marL="285750" indent="-285750">
-              <a:buFont typeface="Arial" panose="020B0604020202020204" pitchFamily="34" charset="0"/>
-              <a:buChar char="•"/>
-            </a:pPr>
-            <a:r>
-              <a:rPr lang="en-US" sz="2800" dirty="0" smtClean="0"/>
-              <a:t>Customize the generated file name</a:t>
-            </a:r>
-          </a:p>
-          <a:p>
-            <a:pPr marL="285750" indent="-285750">
-              <a:buFont typeface="Arial" panose="020B0604020202020204" pitchFamily="34" charset="0"/>
-              <a:buChar char="•"/>
-            </a:pPr>
-            <a:r>
-              <a:rPr lang="en-US" sz="2800" dirty="0" smtClean="0"/>
-              <a:t>Add </a:t>
-            </a:r>
-            <a:r>
-              <a:rPr lang="en-US" sz="2800" dirty="0" err="1" smtClean="0"/>
-              <a:t>stacktrace</a:t>
-            </a:r>
-            <a:endParaRPr lang="en-US" sz="2800" dirty="0" smtClean="0"/>
-          </a:p>
-          <a:p>
-            <a:pPr marL="285750" indent="-285750">
-              <a:buFont typeface="Arial" panose="020B0604020202020204" pitchFamily="34" charset="0"/>
-              <a:buChar char="•"/>
-            </a:pPr>
-            <a:r>
-              <a:rPr lang="en-US" sz="2800" dirty="0" smtClean="0"/>
-              <a:t>Use </a:t>
-            </a:r>
-            <a:r>
-              <a:rPr lang="en-US" sz="2800" dirty="0" err="1" smtClean="0"/>
-              <a:t>websockets</a:t>
-            </a:r>
-            <a:r>
-              <a:rPr lang="en-US" sz="2800" dirty="0" smtClean="0"/>
-              <a:t> to “supervise” </a:t>
-            </a:r>
-            <a:r>
-              <a:rPr lang="en-US" sz="2800" dirty="0" smtClean="0">
-                <a:sym typeface="Wingdings" panose="05000000000000000000" pitchFamily="2" charset="2"/>
-              </a:rPr>
-              <a:t></a:t>
-            </a:r>
-            <a:r>
-              <a:rPr lang="en-US" sz="2800" dirty="0" smtClean="0"/>
-              <a:t> your clients</a:t>
-            </a:r>
-          </a:p>
-          <a:p>
-            <a:pPr marL="285750" indent="-285750">
-              <a:buFont typeface="Arial" panose="020B0604020202020204" pitchFamily="34" charset="0"/>
-              <a:buChar char="•"/>
-            </a:pPr>
-            <a:endParaRPr lang="en-US" dirty="0" smtClean="0"/>
-          </a:p>
-          <a:p>
-            <a:endParaRPr lang="en-US" dirty="0"/>
+      </p:pic>
+      <p:sp>
+        <p:nvSpPr>
+          <p:cNvPr id="7" name="Content Placeholder 6"/>
+          <p:cNvSpPr>
+            <a:spLocks noGrp="1"/>
+          </p:cNvSpPr>
+          <p:nvPr>
+            <p:ph idx="1"/>
+          </p:nvPr>
+        </p:nvSpPr>
+        <p:spPr/>
+        <p:txBody>
+          <a:bodyPr/>
+          <a:lstStyle/>
+          <a:p>
+            <a:endParaRPr lang="en-US"/>
           </a:p>
         </p:txBody>
       </p:sp>

--- a/Logger.pptx
+++ b/Logger.pptx
@@ -122,6 +122,11 @@
       </a:defRPr>
     </a:lvl9pPr>
   </p:defaultTextStyle>
+  <p:extLst>
+    <p:ext uri="{EFAFB233-063F-42B5-8137-9DF3F51BA10A}">
+      <p15:sldGuideLst xmlns:p15="http://schemas.microsoft.com/office/powerpoint/2012/main"/>
+    </p:ext>
+  </p:extLst>
 </p:presentation>
 </file>
 
@@ -207,7 +212,7 @@
           <a:p>
             <a:fld id="{B1EE312A-1FB5-48B6-B547-17021D7C4B84}" type="datetimeFigureOut">
               <a:rPr lang="en-US" smtClean="0"/>
-              <a:t>3/20/2014</a:t>
+              <a:t>3/21/2014</a:t>
             </a:fld>
             <a:endParaRPr lang="en-US"/>
           </a:p>
@@ -690,7 +695,7 @@
           <a:p>
             <a:fld id="{1B06E501-5D52-415D-AAFC-40279CA9FC0A}" type="datetimeFigureOut">
               <a:rPr lang="en-US" smtClean="0"/>
-              <a:t>3/20/2014</a:t>
+              <a:t>3/21/2014</a:t>
             </a:fld>
             <a:endParaRPr lang="en-US"/>
           </a:p>
@@ -860,7 +865,7 @@
           <a:p>
             <a:fld id="{1B06E501-5D52-415D-AAFC-40279CA9FC0A}" type="datetimeFigureOut">
               <a:rPr lang="en-US" smtClean="0"/>
-              <a:t>3/20/2014</a:t>
+              <a:t>3/21/2014</a:t>
             </a:fld>
             <a:endParaRPr lang="en-US"/>
           </a:p>
@@ -1040,7 +1045,7 @@
           <a:p>
             <a:fld id="{1B06E501-5D52-415D-AAFC-40279CA9FC0A}" type="datetimeFigureOut">
               <a:rPr lang="en-US" smtClean="0"/>
-              <a:t>3/20/2014</a:t>
+              <a:t>3/21/2014</a:t>
             </a:fld>
             <a:endParaRPr lang="en-US"/>
           </a:p>
@@ -1210,7 +1215,7 @@
           <a:p>
             <a:fld id="{1B06E501-5D52-415D-AAFC-40279CA9FC0A}" type="datetimeFigureOut">
               <a:rPr lang="en-US" smtClean="0"/>
-              <a:t>3/20/2014</a:t>
+              <a:t>3/21/2014</a:t>
             </a:fld>
             <a:endParaRPr lang="en-US"/>
           </a:p>
@@ -1456,7 +1461,7 @@
           <a:p>
             <a:fld id="{1B06E501-5D52-415D-AAFC-40279CA9FC0A}" type="datetimeFigureOut">
               <a:rPr lang="en-US" smtClean="0"/>
-              <a:t>3/20/2014</a:t>
+              <a:t>3/21/2014</a:t>
             </a:fld>
             <a:endParaRPr lang="en-US"/>
           </a:p>
@@ -1688,7 +1693,7 @@
           <a:p>
             <a:fld id="{1B06E501-5D52-415D-AAFC-40279CA9FC0A}" type="datetimeFigureOut">
               <a:rPr lang="en-US" smtClean="0"/>
-              <a:t>3/20/2014</a:t>
+              <a:t>3/21/2014</a:t>
             </a:fld>
             <a:endParaRPr lang="en-US"/>
           </a:p>
@@ -2055,7 +2060,7 @@
           <a:p>
             <a:fld id="{1B06E501-5D52-415D-AAFC-40279CA9FC0A}" type="datetimeFigureOut">
               <a:rPr lang="en-US" smtClean="0"/>
-              <a:t>3/20/2014</a:t>
+              <a:t>3/21/2014</a:t>
             </a:fld>
             <a:endParaRPr lang="en-US"/>
           </a:p>
@@ -2173,7 +2178,7 @@
           <a:p>
             <a:fld id="{1B06E501-5D52-415D-AAFC-40279CA9FC0A}" type="datetimeFigureOut">
               <a:rPr lang="en-US" smtClean="0"/>
-              <a:t>3/20/2014</a:t>
+              <a:t>3/21/2014</a:t>
             </a:fld>
             <a:endParaRPr lang="en-US"/>
           </a:p>
@@ -2268,7 +2273,7 @@
           <a:p>
             <a:fld id="{1B06E501-5D52-415D-AAFC-40279CA9FC0A}" type="datetimeFigureOut">
               <a:rPr lang="en-US" smtClean="0"/>
-              <a:t>3/20/2014</a:t>
+              <a:t>3/21/2014</a:t>
             </a:fld>
             <a:endParaRPr lang="en-US"/>
           </a:p>
@@ -2545,7 +2550,7 @@
           <a:p>
             <a:fld id="{1B06E501-5D52-415D-AAFC-40279CA9FC0A}" type="datetimeFigureOut">
               <a:rPr lang="en-US" smtClean="0"/>
-              <a:t>3/20/2014</a:t>
+              <a:t>3/21/2014</a:t>
             </a:fld>
             <a:endParaRPr lang="en-US"/>
           </a:p>
@@ -2798,7 +2803,7 @@
           <a:p>
             <a:fld id="{1B06E501-5D52-415D-AAFC-40279CA9FC0A}" type="datetimeFigureOut">
               <a:rPr lang="en-US" smtClean="0"/>
-              <a:t>3/20/2014</a:t>
+              <a:t>3/21/2014</a:t>
             </a:fld>
             <a:endParaRPr lang="en-US"/>
           </a:p>
@@ -3011,7 +3016,7 @@
           <a:p>
             <a:fld id="{1B06E501-5D52-415D-AAFC-40279CA9FC0A}" type="datetimeFigureOut">
               <a:rPr lang="en-US" smtClean="0"/>
-              <a:t>3/20/2014</a:t>
+              <a:t>3/21/2014</a:t>
             </a:fld>
             <a:endParaRPr lang="en-US"/>
           </a:p>
@@ -3986,7 +3991,9 @@
         </p:nvSpPr>
         <p:spPr/>
         <p:txBody>
-          <a:bodyPr/>
+          <a:bodyPr>
+            <a:normAutofit fontScale="32500" lnSpcReduction="20000"/>
+          </a:bodyPr>
           <a:lstStyle/>
           <a:p>
             <a:r>
@@ -3999,12 +4006,126 @@
               <a:buNone/>
             </a:pPr>
             <a:r>
-              <a:rPr lang="en-US" dirty="0" err="1" smtClean="0"/>
+              <a:rPr lang="en-US" dirty="0" err="1"/>
+              <a:t>onError</a:t>
+            </a:r>
+            <a:r>
+              <a:rPr lang="en-US" dirty="0"/>
+              <a:t>: function(</a:t>
+            </a:r>
+            <a:r>
+              <a:rPr lang="en-US" dirty="0" err="1"/>
+              <a:t>exportLog</a:t>
+            </a:r>
+            <a:r>
+              <a:rPr lang="en-US" dirty="0"/>
+              <a:t>, </a:t>
+            </a:r>
+            <a:r>
+              <a:rPr lang="en-US" dirty="0" err="1"/>
+              <a:t>suppressErrorAlerts</a:t>
+            </a:r>
+            <a:r>
+              <a:rPr lang="en-US" dirty="0"/>
+              <a:t>, </a:t>
+            </a:r>
+            <a:r>
+              <a:rPr lang="en-US" dirty="0" err="1"/>
+              <a:t>errorCallback</a:t>
+            </a:r>
+            <a:r>
+              <a:rPr lang="en-US" dirty="0"/>
+              <a:t>) {</a:t>
+            </a:r>
+          </a:p>
+          <a:p>
+            <a:pPr marL="0" indent="0">
+              <a:buNone/>
+            </a:pPr>
+            <a:r>
+              <a:rPr lang="en-US" dirty="0"/>
+              <a:t>            </a:t>
+            </a:r>
+            <a:r>
+              <a:rPr lang="en-US" dirty="0" err="1"/>
+              <a:t>var</a:t>
+            </a:r>
+            <a:r>
+              <a:rPr lang="en-US" dirty="0"/>
+              <a:t> me = this,</a:t>
+            </a:r>
+          </a:p>
+          <a:p>
+            <a:pPr marL="0" indent="0">
+              <a:buNone/>
+            </a:pPr>
+            <a:r>
+              <a:rPr lang="en-US" dirty="0"/>
+              <a:t>                </a:t>
+            </a:r>
+            <a:r>
+              <a:rPr lang="en-US" dirty="0" err="1"/>
+              <a:t>errorMessage</a:t>
+            </a:r>
+            <a:r>
+              <a:rPr lang="en-US" dirty="0"/>
+              <a:t> = '';</a:t>
+            </a:r>
+          </a:p>
+          <a:p>
+            <a:pPr marL="0" indent="0">
+              <a:buNone/>
+            </a:pPr>
+            <a:endParaRPr lang="en-US" dirty="0"/>
+          </a:p>
+          <a:p>
+            <a:pPr marL="0" indent="0">
+              <a:buNone/>
+            </a:pPr>
+            <a:r>
+              <a:rPr lang="en-US" dirty="0"/>
+              <a:t>            if (</a:t>
+            </a:r>
+            <a:r>
+              <a:rPr lang="en-US" dirty="0" err="1"/>
+              <a:t>typeof</a:t>
+            </a:r>
+            <a:r>
+              <a:rPr lang="en-US" dirty="0"/>
+              <a:t> </a:t>
+            </a:r>
+            <a:r>
+              <a:rPr lang="en-US" dirty="0" err="1"/>
+              <a:t>errorCallback</a:t>
+            </a:r>
+            <a:r>
+              <a:rPr lang="en-US" dirty="0"/>
+              <a:t> !== 'undefined') {</a:t>
+            </a:r>
+          </a:p>
+          <a:p>
+            <a:pPr marL="0" indent="0">
+              <a:buNone/>
+            </a:pPr>
+            <a:r>
+              <a:rPr lang="en-US" dirty="0"/>
+              <a:t>                </a:t>
+            </a:r>
+            <a:r>
+              <a:rPr lang="en-US" dirty="0" err="1"/>
               <a:t>window.onerror</a:t>
             </a:r>
             <a:r>
-              <a:rPr lang="en-US" dirty="0" smtClean="0"/>
-              <a:t> = function () {</a:t>
+              <a:rPr lang="en-US" dirty="0"/>
+              <a:t> = </a:t>
+            </a:r>
+            <a:r>
+              <a:rPr lang="en-US" dirty="0" err="1"/>
+              <a:t>errorCallback</a:t>
+            </a:r>
+            <a:r>
+              <a:rPr lang="en-US" dirty="0"/>
+              <a:t>;</a:t>
             </a:r>
           </a:p>
           <a:p>
@@ -4013,14 +4134,162 @@
             </a:pPr>
             <a:r>
               <a:rPr lang="en-US" dirty="0"/>
-              <a:t>	</a:t>
-            </a:r>
-            <a:r>
-              <a:rPr lang="en-US" dirty="0" err="1" smtClean="0"/>
+              <a:t>            } else if (</a:t>
+            </a:r>
+            <a:r>
+              <a:rPr lang="en-US" dirty="0" err="1"/>
+              <a:t>exportLog</a:t>
+            </a:r>
+            <a:r>
+              <a:rPr lang="en-US" dirty="0"/>
+              <a:t> &amp;&amp; </a:t>
+            </a:r>
+            <a:r>
+              <a:rPr lang="en-US" dirty="0" err="1"/>
+              <a:t>typeof</a:t>
+            </a:r>
+            <a:r>
+              <a:rPr lang="en-US" dirty="0"/>
+              <a:t> </a:t>
+            </a:r>
+            <a:r>
+              <a:rPr lang="en-US" dirty="0" err="1"/>
+              <a:t>errorCallback</a:t>
+            </a:r>
+            <a:r>
+              <a:rPr lang="en-US" dirty="0"/>
+              <a:t> === 'undefined') {</a:t>
+            </a:r>
+          </a:p>
+          <a:p>
+            <a:pPr marL="0" indent="0">
+              <a:buNone/>
+            </a:pPr>
+            <a:r>
+              <a:rPr lang="en-US" dirty="0"/>
+              <a:t>                </a:t>
+            </a:r>
+            <a:r>
+              <a:rPr lang="en-US" dirty="0" err="1"/>
+              <a:t>window.onerror</a:t>
+            </a:r>
+            <a:r>
+              <a:rPr lang="en-US" dirty="0"/>
+              <a:t> = function (</a:t>
+            </a:r>
+            <a:r>
+              <a:rPr lang="en-US" dirty="0" err="1"/>
+              <a:t>errorMsg</a:t>
+            </a:r>
+            <a:r>
+              <a:rPr lang="en-US" dirty="0"/>
+              <a:t>, </a:t>
+            </a:r>
+            <a:r>
+              <a:rPr lang="en-US" dirty="0" err="1"/>
+              <a:t>url</a:t>
+            </a:r>
+            <a:r>
+              <a:rPr lang="en-US" dirty="0"/>
+              <a:t>, </a:t>
+            </a:r>
+            <a:r>
+              <a:rPr lang="en-US" dirty="0" err="1"/>
+              <a:t>lineNumber</a:t>
+            </a:r>
+            <a:r>
+              <a:rPr lang="en-US" dirty="0"/>
+              <a:t>) {</a:t>
+            </a:r>
+          </a:p>
+          <a:p>
+            <a:pPr marL="0" indent="0">
+              <a:buNone/>
+            </a:pPr>
+            <a:r>
+              <a:rPr lang="en-US" dirty="0"/>
+              <a:t>                    </a:t>
+            </a:r>
+            <a:r>
+              <a:rPr lang="en-US" dirty="0" err="1"/>
+              <a:t>errorMessage</a:t>
+            </a:r>
+            <a:r>
+              <a:rPr lang="en-US" dirty="0"/>
+              <a:t> = </a:t>
+            </a:r>
+            <a:r>
+              <a:rPr lang="en-US" dirty="0" err="1"/>
+              <a:t>errorMsg</a:t>
+            </a:r>
+            <a:r>
+              <a:rPr lang="en-US" dirty="0"/>
+              <a:t> + ' at line: ' + </a:t>
+            </a:r>
+            <a:r>
+              <a:rPr lang="en-US" dirty="0" err="1"/>
+              <a:t>lineNumber</a:t>
+            </a:r>
+            <a:r>
+              <a:rPr lang="en-US" dirty="0"/>
+              <a:t> + ' in ' + </a:t>
+            </a:r>
+            <a:r>
+              <a:rPr lang="en-US" dirty="0" err="1"/>
+              <a:t>url</a:t>
+            </a:r>
+            <a:r>
+              <a:rPr lang="en-US" dirty="0"/>
+              <a:t>;</a:t>
+            </a:r>
+          </a:p>
+          <a:p>
+            <a:pPr marL="0" indent="0">
+              <a:buNone/>
+            </a:pPr>
+            <a:r>
+              <a:rPr lang="en-US" dirty="0"/>
+              <a:t>                    me.log(</a:t>
+            </a:r>
+            <a:r>
+              <a:rPr lang="en-US" dirty="0" err="1"/>
+              <a:t>me.level.Error</a:t>
+            </a:r>
+            <a:r>
+              <a:rPr lang="en-US" dirty="0"/>
+              <a:t>, </a:t>
+            </a:r>
+            <a:r>
+              <a:rPr lang="en-US" dirty="0" err="1"/>
+              <a:t>errorMessage</a:t>
+            </a:r>
+            <a:r>
+              <a:rPr lang="en-US" dirty="0"/>
+              <a:t>, </a:t>
+            </a:r>
+            <a:r>
+              <a:rPr lang="en-US" dirty="0" err="1"/>
+              <a:t>me.location.All</a:t>
+            </a:r>
+            <a:r>
+              <a:rPr lang="en-US" dirty="0"/>
+              <a:t>);</a:t>
+            </a:r>
+          </a:p>
+          <a:p>
+            <a:pPr marL="0" indent="0">
+              <a:buNone/>
+            </a:pPr>
+            <a:r>
+              <a:rPr lang="en-US" dirty="0"/>
+              <a:t>                    </a:t>
+            </a:r>
+            <a:r>
+              <a:rPr lang="en-US" dirty="0" err="1"/>
               <a:t>me.exportLog</a:t>
             </a:r>
             <a:r>
-              <a:rPr lang="en-US" dirty="0" smtClean="0"/>
+              <a:rPr lang="en-US" dirty="0"/>
               <a:t>();</a:t>
             </a:r>
           </a:p>
@@ -4029,8 +4298,16 @@
               <a:buNone/>
             </a:pPr>
             <a:r>
-              <a:rPr lang="en-US" dirty="0" smtClean="0"/>
-              <a:t>	return true; //When the function returns true, this prevents the 			//firing of the default event handler</a:t>
+              <a:rPr lang="en-US" dirty="0"/>
+              <a:t>					return </a:t>
+            </a:r>
+            <a:r>
+              <a:rPr lang="en-US" dirty="0" err="1"/>
+              <a:t>suppressErrorAlerts</a:t>
+            </a:r>
+            <a:r>
+              <a:rPr lang="en-US" dirty="0"/>
+              <a:t>;</a:t>
             </a:r>
           </a:p>
           <a:p>
@@ -4038,10 +4315,53 @@
               <a:buNone/>
             </a:pPr>
             <a:r>
-              <a:rPr lang="en-US" dirty="0" smtClean="0"/>
-              <a:t>}</a:t>
-            </a:r>
-            <a:endParaRPr lang="en-US" dirty="0"/>
+              <a:rPr lang="en-US" dirty="0"/>
+              <a:t>                }</a:t>
+            </a:r>
+          </a:p>
+          <a:p>
+            <a:pPr marL="0" indent="0">
+              <a:buNone/>
+            </a:pPr>
+            <a:r>
+              <a:rPr lang="en-US" dirty="0"/>
+              <a:t>            } else {</a:t>
+            </a:r>
+          </a:p>
+          <a:p>
+            <a:pPr marL="0" indent="0">
+              <a:buNone/>
+            </a:pPr>
+            <a:r>
+              <a:rPr lang="en-US" dirty="0"/>
+              <a:t>                </a:t>
+            </a:r>
+            <a:r>
+              <a:rPr lang="en-US" dirty="0" err="1"/>
+              <a:t>me.resetWindowErrorHandler</a:t>
+            </a:r>
+            <a:r>
+              <a:rPr lang="en-US" dirty="0"/>
+              <a:t>();</a:t>
+            </a:r>
+          </a:p>
+          <a:p>
+            <a:pPr marL="0" indent="0">
+              <a:buNone/>
+            </a:pPr>
+            <a:r>
+              <a:rPr lang="en-US" dirty="0"/>
+              <a:t>            }</a:t>
+            </a:r>
+          </a:p>
+          <a:p>
+            <a:pPr marL="0" indent="0">
+              <a:buNone/>
+            </a:pPr>
+            <a:r>
+              <a:rPr lang="en-US" dirty="0"/>
+              <a:t>        }</a:t>
+            </a:r>
           </a:p>
         </p:txBody>
       </p:sp>

--- a/Logger.pptx
+++ b/Logger.pptx
@@ -5,25 +5,26 @@
     <p:sldMasterId id="2147483648" r:id="rId1"/>
   </p:sldMasterIdLst>
   <p:notesMasterIdLst>
-    <p:notesMasterId r:id="rId18"/>
+    <p:notesMasterId r:id="rId19"/>
   </p:notesMasterIdLst>
   <p:sldIdLst>
-    <p:sldId id="256" r:id="rId2"/>
-    <p:sldId id="257" r:id="rId3"/>
-    <p:sldId id="258" r:id="rId4"/>
-    <p:sldId id="259" r:id="rId5"/>
-    <p:sldId id="260" r:id="rId6"/>
-    <p:sldId id="261" r:id="rId7"/>
-    <p:sldId id="262" r:id="rId8"/>
-    <p:sldId id="263" r:id="rId9"/>
-    <p:sldId id="264" r:id="rId10"/>
-    <p:sldId id="265" r:id="rId11"/>
-    <p:sldId id="266" r:id="rId12"/>
-    <p:sldId id="268" r:id="rId13"/>
-    <p:sldId id="267" r:id="rId14"/>
-    <p:sldId id="269" r:id="rId15"/>
-    <p:sldId id="270" r:id="rId16"/>
-    <p:sldId id="271" r:id="rId17"/>
+    <p:sldId id="289" r:id="rId2"/>
+    <p:sldId id="273" r:id="rId3"/>
+    <p:sldId id="274" r:id="rId4"/>
+    <p:sldId id="275" r:id="rId5"/>
+    <p:sldId id="276" r:id="rId6"/>
+    <p:sldId id="277" r:id="rId7"/>
+    <p:sldId id="278" r:id="rId8"/>
+    <p:sldId id="279" r:id="rId9"/>
+    <p:sldId id="280" r:id="rId10"/>
+    <p:sldId id="281" r:id="rId11"/>
+    <p:sldId id="282" r:id="rId12"/>
+    <p:sldId id="283" r:id="rId13"/>
+    <p:sldId id="284" r:id="rId14"/>
+    <p:sldId id="285" r:id="rId15"/>
+    <p:sldId id="286" r:id="rId16"/>
+    <p:sldId id="287" r:id="rId17"/>
+    <p:sldId id="288" r:id="rId18"/>
   </p:sldIdLst>
   <p:sldSz cx="12192000" cy="6858000"/>
   <p:notesSz cx="6858000" cy="9144000"/>
@@ -212,7 +213,7 @@
           <a:p>
             <a:fld id="{B1EE312A-1FB5-48B6-B547-17021D7C4B84}" type="datetimeFigureOut">
               <a:rPr lang="en-US" smtClean="0"/>
-              <a:t>3/21/2014</a:t>
+              <a:t>3/22/2014</a:t>
             </a:fld>
             <a:endParaRPr lang="en-US"/>
           </a:p>
@@ -480,90 +481,6 @@
 </p:notesMaster>
 </file>
 
-<file path=ppt/notesSlides/notesSlide1.xml><?xml version="1.0" encoding="utf-8"?>
-<p:notes xmlns:a="http://schemas.openxmlformats.org/drawingml/2006/main" xmlns:r="http://schemas.openxmlformats.org/officeDocument/2006/relationships" xmlns:p="http://schemas.openxmlformats.org/presentationml/2006/main">
-  <p:cSld>
-    <p:spTree>
-      <p:nvGrpSpPr>
-        <p:cNvPr id="1" name=""/>
-        <p:cNvGrpSpPr/>
-        <p:nvPr/>
-      </p:nvGrpSpPr>
-      <p:grpSpPr>
-        <a:xfrm>
-          <a:off x="0" y="0"/>
-          <a:ext cx="0" cy="0"/>
-          <a:chOff x="0" y="0"/>
-          <a:chExt cx="0" cy="0"/>
-        </a:xfrm>
-      </p:grpSpPr>
-      <p:sp>
-        <p:nvSpPr>
-          <p:cNvPr id="2" name="Slide Image Placeholder 1"/>
-          <p:cNvSpPr>
-            <a:spLocks noGrp="1" noRot="1" noChangeAspect="1"/>
-          </p:cNvSpPr>
-          <p:nvPr>
-            <p:ph type="sldImg"/>
-          </p:nvPr>
-        </p:nvSpPr>
-        <p:spPr/>
-      </p:sp>
-      <p:sp>
-        <p:nvSpPr>
-          <p:cNvPr id="3" name="Notes Placeholder 2"/>
-          <p:cNvSpPr>
-            <a:spLocks noGrp="1"/>
-          </p:cNvSpPr>
-          <p:nvPr>
-            <p:ph type="body" idx="1"/>
-          </p:nvPr>
-        </p:nvSpPr>
-        <p:spPr/>
-        <p:txBody>
-          <a:bodyPr/>
-          <a:lstStyle/>
-          <a:p>
-            <a:endParaRPr lang="en-US"/>
-          </a:p>
-        </p:txBody>
-      </p:sp>
-      <p:sp>
-        <p:nvSpPr>
-          <p:cNvPr id="4" name="Slide Number Placeholder 3"/>
-          <p:cNvSpPr>
-            <a:spLocks noGrp="1"/>
-          </p:cNvSpPr>
-          <p:nvPr>
-            <p:ph type="sldNum" sz="quarter" idx="10"/>
-          </p:nvPr>
-        </p:nvSpPr>
-        <p:spPr/>
-        <p:txBody>
-          <a:bodyPr/>
-          <a:lstStyle/>
-          <a:p>
-            <a:fld id="{9533CBFB-939C-4364-BFEC-B2A849A2EAA9}" type="slidenum">
-              <a:rPr lang="en-US" smtClean="0"/>
-              <a:t>1</a:t>
-            </a:fld>
-            <a:endParaRPr lang="en-US"/>
-          </a:p>
-        </p:txBody>
-      </p:sp>
-    </p:spTree>
-    <p:extLst>
-      <p:ext uri="{BB962C8B-B14F-4D97-AF65-F5344CB8AC3E}">
-        <p14:creationId xmlns:p14="http://schemas.microsoft.com/office/powerpoint/2010/main" val="4232944706"/>
-      </p:ext>
-    </p:extLst>
-  </p:cSld>
-  <p:clrMapOvr>
-    <a:masterClrMapping/>
-  </p:clrMapOvr>
-</p:notes>
-</file>
-
 <file path=ppt/slideLayouts/slideLayout1.xml><?xml version="1.0" encoding="utf-8"?>
 <p:sldLayout xmlns:a="http://schemas.openxmlformats.org/drawingml/2006/main" xmlns:r="http://schemas.openxmlformats.org/officeDocument/2006/relationships" xmlns:p="http://schemas.openxmlformats.org/presentationml/2006/main" type="title" preserve="1">
   <p:cSld name="Title Slide">
@@ -695,7 +612,7 @@
           <a:p>
             <a:fld id="{1B06E501-5D52-415D-AAFC-40279CA9FC0A}" type="datetimeFigureOut">
               <a:rPr lang="en-US" smtClean="0"/>
-              <a:t>3/21/2014</a:t>
+              <a:t>3/22/2014</a:t>
             </a:fld>
             <a:endParaRPr lang="en-US"/>
           </a:p>
@@ -865,7 +782,7 @@
           <a:p>
             <a:fld id="{1B06E501-5D52-415D-AAFC-40279CA9FC0A}" type="datetimeFigureOut">
               <a:rPr lang="en-US" smtClean="0"/>
-              <a:t>3/21/2014</a:t>
+              <a:t>3/22/2014</a:t>
             </a:fld>
             <a:endParaRPr lang="en-US"/>
           </a:p>
@@ -1045,7 +962,7 @@
           <a:p>
             <a:fld id="{1B06E501-5D52-415D-AAFC-40279CA9FC0A}" type="datetimeFigureOut">
               <a:rPr lang="en-US" smtClean="0"/>
-              <a:t>3/21/2014</a:t>
+              <a:t>3/22/2014</a:t>
             </a:fld>
             <a:endParaRPr lang="en-US"/>
           </a:p>
@@ -1097,6 +1014,151 @@
     <p:extLst>
       <p:ext uri="{BB962C8B-B14F-4D97-AF65-F5344CB8AC3E}">
         <p14:creationId xmlns:p14="http://schemas.microsoft.com/office/powerpoint/2010/main" val="302187702"/>
+      </p:ext>
+    </p:extLst>
+  </p:cSld>
+  <p:clrMapOvr>
+    <a:masterClrMapping/>
+  </p:clrMapOvr>
+</p:sldLayout>
+</file>
+
+<file path=ppt/slideLayouts/slideLayout12.xml><?xml version="1.0" encoding="utf-8"?>
+<p:sldLayout xmlns:a="http://schemas.openxmlformats.org/drawingml/2006/main" xmlns:r="http://schemas.openxmlformats.org/officeDocument/2006/relationships" xmlns:p="http://schemas.openxmlformats.org/presentationml/2006/main" userDrawn="1">
+  <p:cSld name="9_Custom Layout">
+    <p:spTree>
+      <p:nvGrpSpPr>
+        <p:cNvPr id="1" name=""/>
+        <p:cNvGrpSpPr/>
+        <p:nvPr/>
+      </p:nvGrpSpPr>
+      <p:grpSpPr>
+        <a:xfrm>
+          <a:off x="0" y="0"/>
+          <a:ext cx="0" cy="0"/>
+          <a:chOff x="0" y="0"/>
+          <a:chExt cx="0" cy="0"/>
+        </a:xfrm>
+      </p:grpSpPr>
+      <p:pic>
+        <p:nvPicPr>
+          <p:cNvPr id="3" name="Picture 2" descr="FooterBar.pdf"/>
+          <p:cNvPicPr>
+            <a:picLocks noChangeAspect="1"/>
+          </p:cNvPicPr>
+          <p:nvPr userDrawn="1"/>
+        </p:nvPicPr>
+        <p:blipFill>
+          <a:blip r:embed="rId2" cstate="screen">
+            <a:extLst>
+              <a:ext uri="{28A0092B-C50C-407E-A947-70E740481C1C}">
+                <a14:useLocalDpi xmlns:a14="http://schemas.microsoft.com/office/drawing/2010/main"/>
+              </a:ext>
+            </a:extLst>
+          </a:blip>
+          <a:stretch>
+            <a:fillRect/>
+          </a:stretch>
+        </p:blipFill>
+        <p:spPr>
+          <a:xfrm>
+            <a:off x="-52032" y="5913438"/>
+            <a:ext cx="12296064" cy="944562"/>
+          </a:xfrm>
+          <a:prstGeom prst="rect">
+            <a:avLst/>
+          </a:prstGeom>
+        </p:spPr>
+      </p:pic>
+      <p:sp>
+        <p:nvSpPr>
+          <p:cNvPr id="4" name="TextBox 3"/>
+          <p:cNvSpPr txBox="1"/>
+          <p:nvPr userDrawn="1"/>
+        </p:nvSpPr>
+        <p:spPr>
+          <a:xfrm>
+            <a:off x="11273368" y="6667180"/>
+            <a:ext cx="918633" cy="190821"/>
+          </a:xfrm>
+          <a:prstGeom prst="rect">
+            <a:avLst/>
+          </a:prstGeom>
+          <a:noFill/>
+        </p:spPr>
+        <p:txBody>
+          <a:bodyPr wrap="square" lIns="0" tIns="0" rIns="91440" bIns="36576" rtlCol="0">
+            <a:spAutoFit/>
+          </a:bodyPr>
+          <a:lstStyle/>
+          <a:p>
+            <a:pPr algn="r"/>
+            <a:fld id="{834A3E0D-1022-2149-99AA-6C469F5A4E50}" type="slidenum">
+              <a:rPr lang="en-US" sz="1000" smtClean="0">
+                <a:solidFill>
+                  <a:schemeClr val="tx1"/>
+                </a:solidFill>
+                <a:latin typeface="Lato Light"/>
+                <a:cs typeface="Lato Light"/>
+              </a:rPr>
+              <a:pPr algn="r"/>
+              <a:t>‹#›</a:t>
+            </a:fld>
+            <a:endParaRPr lang="en-US" sz="1000" dirty="0">
+              <a:solidFill>
+                <a:schemeClr val="tx1"/>
+              </a:solidFill>
+              <a:latin typeface="Lato Light"/>
+              <a:cs typeface="Lato Light"/>
+            </a:endParaRPr>
+          </a:p>
+        </p:txBody>
+      </p:sp>
+      <p:sp>
+        <p:nvSpPr>
+          <p:cNvPr id="5" name="Footer Placeholder 3"/>
+          <p:cNvSpPr>
+            <a:spLocks noGrp="1"/>
+          </p:cNvSpPr>
+          <p:nvPr>
+            <p:ph type="ftr" sz="quarter" idx="13"/>
+          </p:nvPr>
+        </p:nvSpPr>
+        <p:spPr>
+          <a:xfrm>
+            <a:off x="0" y="6623116"/>
+            <a:ext cx="6782664" cy="247094"/>
+          </a:xfrm>
+          <a:prstGeom prst="rect">
+            <a:avLst/>
+          </a:prstGeom>
+        </p:spPr>
+        <p:txBody>
+          <a:bodyPr/>
+          <a:lstStyle>
+            <a:lvl1pPr>
+              <a:defRPr sz="1000"/>
+            </a:lvl1pPr>
+          </a:lstStyle>
+          <a:p>
+            <a:r>
+              <a:rPr lang="en-US" smtClean="0">
+                <a:latin typeface="Lato Light"/>
+                <a:cs typeface="Lato Light"/>
+              </a:rPr>
+              <a:t>© Copyright 2014.   3Pillar |  All rights reserved  Strictly Confidential</a:t>
+            </a:r>
+            <a:endParaRPr lang="en-US" dirty="0">
+              <a:latin typeface="Lato Light"/>
+              <a:cs typeface="Lato Light"/>
+            </a:endParaRPr>
+          </a:p>
+        </p:txBody>
+      </p:sp>
+    </p:spTree>
+    <p:extLst>
+      <p:ext uri="{BB962C8B-B14F-4D97-AF65-F5344CB8AC3E}">
+        <p14:creationId xmlns:p14="http://schemas.microsoft.com/office/powerpoint/2010/main" val="3034104600"/>
       </p:ext>
     </p:extLst>
   </p:cSld>
@@ -1215,7 +1277,7 @@
           <a:p>
             <a:fld id="{1B06E501-5D52-415D-AAFC-40279CA9FC0A}" type="datetimeFigureOut">
               <a:rPr lang="en-US" smtClean="0"/>
-              <a:t>3/21/2014</a:t>
+              <a:t>3/22/2014</a:t>
             </a:fld>
             <a:endParaRPr lang="en-US"/>
           </a:p>
@@ -1461,7 +1523,7 @@
           <a:p>
             <a:fld id="{1B06E501-5D52-415D-AAFC-40279CA9FC0A}" type="datetimeFigureOut">
               <a:rPr lang="en-US" smtClean="0"/>
-              <a:t>3/21/2014</a:t>
+              <a:t>3/22/2014</a:t>
             </a:fld>
             <a:endParaRPr lang="en-US"/>
           </a:p>
@@ -1693,7 +1755,7 @@
           <a:p>
             <a:fld id="{1B06E501-5D52-415D-AAFC-40279CA9FC0A}" type="datetimeFigureOut">
               <a:rPr lang="en-US" smtClean="0"/>
-              <a:t>3/21/2014</a:t>
+              <a:t>3/22/2014</a:t>
             </a:fld>
             <a:endParaRPr lang="en-US"/>
           </a:p>
@@ -2060,7 +2122,7 @@
           <a:p>
             <a:fld id="{1B06E501-5D52-415D-AAFC-40279CA9FC0A}" type="datetimeFigureOut">
               <a:rPr lang="en-US" smtClean="0"/>
-              <a:t>3/21/2014</a:t>
+              <a:t>3/22/2014</a:t>
             </a:fld>
             <a:endParaRPr lang="en-US"/>
           </a:p>
@@ -2178,7 +2240,7 @@
           <a:p>
             <a:fld id="{1B06E501-5D52-415D-AAFC-40279CA9FC0A}" type="datetimeFigureOut">
               <a:rPr lang="en-US" smtClean="0"/>
-              <a:t>3/21/2014</a:t>
+              <a:t>3/22/2014</a:t>
             </a:fld>
             <a:endParaRPr lang="en-US"/>
           </a:p>
@@ -2273,7 +2335,7 @@
           <a:p>
             <a:fld id="{1B06E501-5D52-415D-AAFC-40279CA9FC0A}" type="datetimeFigureOut">
               <a:rPr lang="en-US" smtClean="0"/>
-              <a:t>3/21/2014</a:t>
+              <a:t>3/22/2014</a:t>
             </a:fld>
             <a:endParaRPr lang="en-US"/>
           </a:p>
@@ -2550,7 +2612,7 @@
           <a:p>
             <a:fld id="{1B06E501-5D52-415D-AAFC-40279CA9FC0A}" type="datetimeFigureOut">
               <a:rPr lang="en-US" smtClean="0"/>
-              <a:t>3/21/2014</a:t>
+              <a:t>3/22/2014</a:t>
             </a:fld>
             <a:endParaRPr lang="en-US"/>
           </a:p>
@@ -2803,7 +2865,7 @@
           <a:p>
             <a:fld id="{1B06E501-5D52-415D-AAFC-40279CA9FC0A}" type="datetimeFigureOut">
               <a:rPr lang="en-US" smtClean="0"/>
-              <a:t>3/21/2014</a:t>
+              <a:t>3/22/2014</a:t>
             </a:fld>
             <a:endParaRPr lang="en-US"/>
           </a:p>
@@ -3016,7 +3078,7 @@
           <a:p>
             <a:fld id="{1B06E501-5D52-415D-AAFC-40279CA9FC0A}" type="datetimeFigureOut">
               <a:rPr lang="en-US" smtClean="0"/>
-              <a:t>3/21/2014</a:t>
+              <a:t>3/22/2014</a:t>
             </a:fld>
             <a:endParaRPr lang="en-US"/>
           </a:p>
@@ -3120,6 +3182,7 @@
     <p:sldLayoutId id="2147483657" r:id="rId9"/>
     <p:sldLayoutId id="2147483658" r:id="rId10"/>
     <p:sldLayoutId id="2147483659" r:id="rId11"/>
+    <p:sldLayoutId id="2147483661" r:id="rId12"/>
   </p:sldLayoutIdLst>
   <p:txStyles>
     <p:titleStyle>
@@ -3421,44 +3484,14 @@
           <a:chExt cx="0" cy="0"/>
         </a:xfrm>
       </p:grpSpPr>
-      <p:pic>
-        <p:nvPicPr>
-          <p:cNvPr id="4" name="Picture 3"/>
-          <p:cNvPicPr>
-            <a:picLocks noChangeAspect="1"/>
-          </p:cNvPicPr>
-          <p:nvPr/>
-        </p:nvPicPr>
-        <p:blipFill>
-          <a:blip r:embed="rId3">
-            <a:extLst>
-              <a:ext uri="{28A0092B-C50C-407E-A947-70E740481C1C}">
-                <a14:useLocalDpi xmlns:a14="http://schemas.microsoft.com/office/drawing/2010/main" val="0"/>
-              </a:ext>
-            </a:extLst>
-          </a:blip>
-          <a:stretch>
-            <a:fillRect/>
-          </a:stretch>
-        </p:blipFill>
-        <p:spPr>
-          <a:xfrm>
-            <a:off x="3406775" y="1511300"/>
-            <a:ext cx="5067300" cy="4514850"/>
-          </a:xfrm>
-          <a:prstGeom prst="rect">
-            <a:avLst/>
-          </a:prstGeom>
-        </p:spPr>
-      </p:pic>
-      <p:sp>
-        <p:nvSpPr>
-          <p:cNvPr id="6" name="Footer Placeholder 5"/>
+      <p:sp>
+        <p:nvSpPr>
+          <p:cNvPr id="2" name="Title 1"/>
           <p:cNvSpPr>
             <a:spLocks noGrp="1"/>
           </p:cNvSpPr>
           <p:nvPr>
-            <p:ph type="ftr" sz="quarter" idx="11"/>
+            <p:ph type="ctrTitle"/>
           </p:nvPr>
         </p:nvSpPr>
         <p:spPr/>
@@ -3468,7 +3501,7 @@
           <a:p>
             <a:r>
               <a:rPr lang="en-US" dirty="0" smtClean="0"/>
-              <a:t>Bogdan Cornianu                        3PillarGlobal</a:t>
+              <a:t>Logger.js</a:t>
             </a:r>
             <a:endParaRPr lang="en-US" dirty="0"/>
           </a:p>
@@ -3476,52 +3509,43 @@
       </p:sp>
       <p:sp>
         <p:nvSpPr>
-          <p:cNvPr id="7" name="TextBox 6"/>
-          <p:cNvSpPr txBox="1"/>
-          <p:nvPr/>
-        </p:nvSpPr>
-        <p:spPr>
-          <a:xfrm>
-            <a:off x="987425" y="411659"/>
-            <a:ext cx="9906000" cy="769441"/>
-          </a:xfrm>
-          <a:prstGeom prst="rect">
-            <a:avLst/>
-          </a:prstGeom>
-          <a:noFill/>
-        </p:spPr>
-        <p:txBody>
-          <a:bodyPr wrap="square" rtlCol="0">
-            <a:spAutoFit/>
-          </a:bodyPr>
+          <p:cNvPr id="3" name="Subtitle 2"/>
+          <p:cNvSpPr>
+            <a:spLocks noGrp="1"/>
+          </p:cNvSpPr>
+          <p:nvPr>
+            <p:ph type="subTitle" idx="1"/>
+          </p:nvPr>
+        </p:nvSpPr>
+        <p:spPr/>
+        <p:txBody>
+          <a:bodyPr/>
           <a:lstStyle/>
           <a:p>
-            <a:pPr algn="ctr"/>
-            <a:r>
-              <a:rPr lang="en-US" sz="4400" dirty="0" smtClean="0"/>
-              <a:t>Why?</a:t>
-            </a:r>
-            <a:endParaRPr lang="en-US" sz="4400" dirty="0"/>
+            <a:r>
+              <a:rPr lang="en-US" dirty="0" smtClean="0"/>
+              <a:t>Bogdan Cornianu, Java Developer</a:t>
+            </a:r>
+          </a:p>
+          <a:p>
+            <a:r>
+              <a:rPr lang="en-US" dirty="0" smtClean="0"/>
+              <a:t>3Pillar Global</a:t>
+            </a:r>
+            <a:endParaRPr lang="en-US" dirty="0"/>
           </a:p>
         </p:txBody>
       </p:sp>
     </p:spTree>
     <p:extLst>
       <p:ext uri="{BB962C8B-B14F-4D97-AF65-F5344CB8AC3E}">
-        <p14:creationId xmlns:p14="http://schemas.microsoft.com/office/powerpoint/2010/main" val="2816002923"/>
+        <p14:creationId xmlns:p14="http://schemas.microsoft.com/office/powerpoint/2010/main" val="3058409101"/>
       </p:ext>
     </p:extLst>
   </p:cSld>
   <p:clrMapOvr>
     <a:masterClrMapping/>
   </p:clrMapOvr>
-  <p:timing>
-    <p:tnLst>
-      <p:par>
-        <p:cTn id="1" dur="indefinite" restart="never" nodeType="tmRoot"/>
-      </p:par>
-    </p:tnLst>
-  </p:timing>
 </p:sld>
 </file>
 
@@ -3544,217 +3568,191 @@
       </p:grpSpPr>
       <p:sp>
         <p:nvSpPr>
-          <p:cNvPr id="3" name="Content Placeholder 2"/>
-          <p:cNvSpPr>
-            <a:spLocks noGrp="1"/>
-          </p:cNvSpPr>
-          <p:nvPr>
-            <p:ph idx="1"/>
-          </p:nvPr>
-        </p:nvSpPr>
-        <p:spPr/>
-        <p:txBody>
-          <a:bodyPr>
-            <a:normAutofit fontScale="77500" lnSpcReduction="20000"/>
-          </a:bodyPr>
-          <a:lstStyle/>
-          <a:p>
-            <a:pPr marL="0" indent="0">
-              <a:buNone/>
-            </a:pPr>
-            <a:r>
-              <a:rPr lang="en-US" dirty="0" err="1" smtClean="0"/>
-              <a:t>Logger.onError</a:t>
-            </a:r>
-            <a:r>
-              <a:rPr lang="en-US" dirty="0" smtClean="0"/>
-              <a:t>(true, true, function(</a:t>
-            </a:r>
-            <a:r>
-              <a:rPr lang="en-US" dirty="0" err="1" smtClean="0"/>
-              <a:t>errorMsg</a:t>
-            </a:r>
-            <a:r>
-              <a:rPr lang="en-US" dirty="0" smtClean="0"/>
-              <a:t>, </a:t>
-            </a:r>
-            <a:r>
-              <a:rPr lang="en-US" dirty="0" err="1" smtClean="0"/>
-              <a:t>url</a:t>
-            </a:r>
-            <a:r>
-              <a:rPr lang="en-US" dirty="0" smtClean="0"/>
-              <a:t>, </a:t>
-            </a:r>
-            <a:r>
-              <a:rPr lang="en-US" dirty="0" err="1" smtClean="0"/>
-              <a:t>lineNumber</a:t>
-            </a:r>
-            <a:r>
-              <a:rPr lang="en-US" dirty="0" smtClean="0"/>
-              <a:t>) {</a:t>
-            </a:r>
-          </a:p>
-          <a:p>
-            <a:pPr marL="0" indent="0">
-              <a:buNone/>
-            </a:pPr>
-            <a:r>
-              <a:rPr lang="en-US" dirty="0" smtClean="0"/>
-              <a:t>	</a:t>
-            </a:r>
-            <a:r>
-              <a:rPr lang="en-US" dirty="0" err="1" smtClean="0"/>
-              <a:t>var</a:t>
-            </a:r>
-            <a:r>
-              <a:rPr lang="en-US" dirty="0" smtClean="0"/>
-              <a:t> </a:t>
-            </a:r>
-            <a:r>
-              <a:rPr lang="en-US" dirty="0" err="1" smtClean="0"/>
-              <a:t>errorMessage</a:t>
-            </a:r>
-            <a:r>
-              <a:rPr lang="en-US" dirty="0" smtClean="0"/>
-              <a:t> = </a:t>
-            </a:r>
-            <a:r>
-              <a:rPr lang="en-US" dirty="0" err="1" smtClean="0"/>
-              <a:t>errorMsg</a:t>
-            </a:r>
-            <a:r>
-              <a:rPr lang="en-US" dirty="0" smtClean="0"/>
-              <a:t> + ' at line ' + </a:t>
-            </a:r>
-            <a:r>
-              <a:rPr lang="en-US" dirty="0" err="1" smtClean="0"/>
-              <a:t>lineNumber</a:t>
-            </a:r>
-            <a:r>
-              <a:rPr lang="en-US" dirty="0" smtClean="0"/>
-              <a:t> + ' in ' + </a:t>
-            </a:r>
-            <a:r>
-              <a:rPr lang="en-US" dirty="0" err="1" smtClean="0"/>
-              <a:t>url</a:t>
-            </a:r>
-            <a:r>
-              <a:rPr lang="en-US" dirty="0" smtClean="0"/>
-              <a:t>,</a:t>
-            </a:r>
-          </a:p>
-          <a:p>
-            <a:pPr marL="0" indent="0">
-              <a:buNone/>
-            </a:pPr>
-            <a:r>
-              <a:rPr lang="en-US" dirty="0" smtClean="0"/>
-              <a:t>			       response = '';</a:t>
-            </a:r>
-          </a:p>
-          <a:p>
-            <a:pPr marL="0" indent="0">
-              <a:buNone/>
-            </a:pPr>
-            <a:r>
-              <a:rPr lang="en-US" dirty="0" smtClean="0"/>
-              <a:t>	</a:t>
-            </a:r>
-            <a:r>
-              <a:rPr lang="en-US" dirty="0" err="1" smtClean="0"/>
-              <a:t>Logger.error</a:t>
-            </a:r>
-            <a:r>
-              <a:rPr lang="en-US" dirty="0" smtClean="0"/>
-              <a:t>(</a:t>
-            </a:r>
-            <a:r>
-              <a:rPr lang="en-US" dirty="0" err="1" smtClean="0"/>
-              <a:t>errorMessage</a:t>
-            </a:r>
-            <a:r>
-              <a:rPr lang="en-US" dirty="0" smtClean="0"/>
-              <a:t>, </a:t>
-            </a:r>
-            <a:r>
-              <a:rPr lang="en-US" dirty="0" err="1" smtClean="0"/>
-              <a:t>Logger.location.LocalStorage</a:t>
-            </a:r>
-            <a:r>
-              <a:rPr lang="en-US" dirty="0" smtClean="0"/>
-              <a:t>);</a:t>
-            </a:r>
-          </a:p>
-          <a:p>
-            <a:pPr marL="0" indent="0">
-              <a:buNone/>
-            </a:pPr>
-            <a:r>
-              <a:rPr lang="en-US" dirty="0" smtClean="0"/>
-              <a:t>		</a:t>
-            </a:r>
-          </a:p>
-          <a:p>
-            <a:pPr marL="0" indent="0">
-              <a:buNone/>
-            </a:pPr>
-            <a:r>
-              <a:rPr lang="en-US" dirty="0" smtClean="0"/>
-              <a:t>	response = confirm("An error occurred. Would you like to export the log events to 				a text file?");</a:t>
-            </a:r>
-          </a:p>
-          <a:p>
-            <a:pPr marL="0" indent="0">
-              <a:buNone/>
-            </a:pPr>
-            <a:r>
-              <a:rPr lang="en-US" dirty="0" smtClean="0"/>
-              <a:t>	if (response === true) {</a:t>
-            </a:r>
-          </a:p>
-          <a:p>
-            <a:pPr marL="0" indent="0">
-              <a:buNone/>
-            </a:pPr>
-            <a:r>
-              <a:rPr lang="en-US" dirty="0" smtClean="0"/>
-              <a:t>		</a:t>
-            </a:r>
-            <a:r>
-              <a:rPr lang="en-US" dirty="0" err="1" smtClean="0"/>
-              <a:t>Logger.exportLog</a:t>
-            </a:r>
-            <a:r>
-              <a:rPr lang="en-US" dirty="0" smtClean="0"/>
-              <a:t>();</a:t>
-            </a:r>
-          </a:p>
-          <a:p>
-            <a:pPr marL="0" indent="0">
-              <a:buNone/>
-            </a:pPr>
-            <a:r>
-              <a:rPr lang="en-US" dirty="0" smtClean="0"/>
-              <a:t>	}</a:t>
-            </a:r>
-          </a:p>
-          <a:p>
-            <a:pPr marL="0" indent="0">
-              <a:buNone/>
-            </a:pPr>
-            <a:r>
-              <a:rPr lang="en-US" dirty="0" smtClean="0"/>
-              <a:t>	return true;//suppress errors on console</a:t>
-            </a:r>
-          </a:p>
-          <a:p>
-            <a:pPr marL="0" indent="0">
-              <a:buNone/>
-            </a:pPr>
-            <a:r>
-              <a:rPr lang="en-US" dirty="0" smtClean="0"/>
-              <a:t>});</a:t>
+          <p:cNvPr id="4" name="Content Placeholder 2"/>
+          <p:cNvSpPr txBox="1">
+            <a:spLocks/>
+          </p:cNvSpPr>
+          <p:nvPr/>
+        </p:nvSpPr>
+        <p:spPr>
+          <a:xfrm>
+            <a:off x="838200" y="1825625"/>
+            <a:ext cx="8382000" cy="1311275"/>
+          </a:xfrm>
+          <a:prstGeom prst="rect">
+            <a:avLst/>
+          </a:prstGeom>
+        </p:spPr>
+        <p:txBody>
+          <a:bodyPr/>
+          <a:lstStyle>
+            <a:lvl1pPr marL="228600" indent="-228600" algn="l" defTabSz="914400" rtl="0" eaLnBrk="1" latinLnBrk="0" hangingPunct="1">
+              <a:lnSpc>
+                <a:spcPct val="90000"/>
+              </a:lnSpc>
+              <a:spcBef>
+                <a:spcPts val="1000"/>
+              </a:spcBef>
+              <a:buFont typeface="Arial" panose="020B0604020202020204" pitchFamily="34" charset="0"/>
+              <a:buChar char="•"/>
+              <a:defRPr sz="2800" kern="1200">
+                <a:solidFill>
+                  <a:schemeClr val="tx1"/>
+                </a:solidFill>
+                <a:latin typeface="+mn-lt"/>
+                <a:ea typeface="+mn-ea"/>
+                <a:cs typeface="+mn-cs"/>
+              </a:defRPr>
+            </a:lvl1pPr>
+            <a:lvl2pPr marL="685800" indent="-228600" algn="l" defTabSz="914400" rtl="0" eaLnBrk="1" latinLnBrk="0" hangingPunct="1">
+              <a:lnSpc>
+                <a:spcPct val="90000"/>
+              </a:lnSpc>
+              <a:spcBef>
+                <a:spcPts val="500"/>
+              </a:spcBef>
+              <a:buFont typeface="Arial" panose="020B0604020202020204" pitchFamily="34" charset="0"/>
+              <a:buChar char="•"/>
+              <a:defRPr sz="2400" kern="1200">
+                <a:solidFill>
+                  <a:schemeClr val="tx1"/>
+                </a:solidFill>
+                <a:latin typeface="+mn-lt"/>
+                <a:ea typeface="+mn-ea"/>
+                <a:cs typeface="+mn-cs"/>
+              </a:defRPr>
+            </a:lvl2pPr>
+            <a:lvl3pPr marL="1143000" indent="-228600" algn="l" defTabSz="914400" rtl="0" eaLnBrk="1" latinLnBrk="0" hangingPunct="1">
+              <a:lnSpc>
+                <a:spcPct val="90000"/>
+              </a:lnSpc>
+              <a:spcBef>
+                <a:spcPts val="500"/>
+              </a:spcBef>
+              <a:buFont typeface="Arial" panose="020B0604020202020204" pitchFamily="34" charset="0"/>
+              <a:buChar char="•"/>
+              <a:defRPr sz="2000" kern="1200">
+                <a:solidFill>
+                  <a:schemeClr val="tx1"/>
+                </a:solidFill>
+                <a:latin typeface="+mn-lt"/>
+                <a:ea typeface="+mn-ea"/>
+                <a:cs typeface="+mn-cs"/>
+              </a:defRPr>
+            </a:lvl3pPr>
+            <a:lvl4pPr marL="1600200" indent="-228600" algn="l" defTabSz="914400" rtl="0" eaLnBrk="1" latinLnBrk="0" hangingPunct="1">
+              <a:lnSpc>
+                <a:spcPct val="90000"/>
+              </a:lnSpc>
+              <a:spcBef>
+                <a:spcPts val="500"/>
+              </a:spcBef>
+              <a:buFont typeface="Arial" panose="020B0604020202020204" pitchFamily="34" charset="0"/>
+              <a:buChar char="•"/>
+              <a:defRPr sz="1800" kern="1200">
+                <a:solidFill>
+                  <a:schemeClr val="tx1"/>
+                </a:solidFill>
+                <a:latin typeface="+mn-lt"/>
+                <a:ea typeface="+mn-ea"/>
+                <a:cs typeface="+mn-cs"/>
+              </a:defRPr>
+            </a:lvl4pPr>
+            <a:lvl5pPr marL="2057400" indent="-228600" algn="l" defTabSz="914400" rtl="0" eaLnBrk="1" latinLnBrk="0" hangingPunct="1">
+              <a:lnSpc>
+                <a:spcPct val="90000"/>
+              </a:lnSpc>
+              <a:spcBef>
+                <a:spcPts val="500"/>
+              </a:spcBef>
+              <a:buFont typeface="Arial" panose="020B0604020202020204" pitchFamily="34" charset="0"/>
+              <a:buChar char="•"/>
+              <a:defRPr sz="1800" kern="1200">
+                <a:solidFill>
+                  <a:schemeClr val="tx1"/>
+                </a:solidFill>
+                <a:latin typeface="+mn-lt"/>
+                <a:ea typeface="+mn-ea"/>
+                <a:cs typeface="+mn-cs"/>
+              </a:defRPr>
+            </a:lvl5pPr>
+            <a:lvl6pPr marL="2514600" indent="-228600" algn="l" defTabSz="914400" rtl="0" eaLnBrk="1" latinLnBrk="0" hangingPunct="1">
+              <a:lnSpc>
+                <a:spcPct val="90000"/>
+              </a:lnSpc>
+              <a:spcBef>
+                <a:spcPts val="500"/>
+              </a:spcBef>
+              <a:buFont typeface="Arial" panose="020B0604020202020204" pitchFamily="34" charset="0"/>
+              <a:buChar char="•"/>
+              <a:defRPr sz="1800" kern="1200">
+                <a:solidFill>
+                  <a:schemeClr val="tx1"/>
+                </a:solidFill>
+                <a:latin typeface="+mn-lt"/>
+                <a:ea typeface="+mn-ea"/>
+                <a:cs typeface="+mn-cs"/>
+              </a:defRPr>
+            </a:lvl6pPr>
+            <a:lvl7pPr marL="2971800" indent="-228600" algn="l" defTabSz="914400" rtl="0" eaLnBrk="1" latinLnBrk="0" hangingPunct="1">
+              <a:lnSpc>
+                <a:spcPct val="90000"/>
+              </a:lnSpc>
+              <a:spcBef>
+                <a:spcPts val="500"/>
+              </a:spcBef>
+              <a:buFont typeface="Arial" panose="020B0604020202020204" pitchFamily="34" charset="0"/>
+              <a:buChar char="•"/>
+              <a:defRPr sz="1800" kern="1200">
+                <a:solidFill>
+                  <a:schemeClr val="tx1"/>
+                </a:solidFill>
+                <a:latin typeface="+mn-lt"/>
+                <a:ea typeface="+mn-ea"/>
+                <a:cs typeface="+mn-cs"/>
+              </a:defRPr>
+            </a:lvl7pPr>
+            <a:lvl8pPr marL="3429000" indent="-228600" algn="l" defTabSz="914400" rtl="0" eaLnBrk="1" latinLnBrk="0" hangingPunct="1">
+              <a:lnSpc>
+                <a:spcPct val="90000"/>
+              </a:lnSpc>
+              <a:spcBef>
+                <a:spcPts val="500"/>
+              </a:spcBef>
+              <a:buFont typeface="Arial" panose="020B0604020202020204" pitchFamily="34" charset="0"/>
+              <a:buChar char="•"/>
+              <a:defRPr sz="1800" kern="1200">
+                <a:solidFill>
+                  <a:schemeClr val="tx1"/>
+                </a:solidFill>
+                <a:latin typeface="+mn-lt"/>
+                <a:ea typeface="+mn-ea"/>
+                <a:cs typeface="+mn-cs"/>
+              </a:defRPr>
+            </a:lvl8pPr>
+            <a:lvl9pPr marL="3886200" indent="-228600" algn="l" defTabSz="914400" rtl="0" eaLnBrk="1" latinLnBrk="0" hangingPunct="1">
+              <a:lnSpc>
+                <a:spcPct val="90000"/>
+              </a:lnSpc>
+              <a:spcBef>
+                <a:spcPts val="500"/>
+              </a:spcBef>
+              <a:buFont typeface="Arial" panose="020B0604020202020204" pitchFamily="34" charset="0"/>
+              <a:buChar char="•"/>
+              <a:defRPr sz="1800" kern="1200">
+                <a:solidFill>
+                  <a:schemeClr val="tx1"/>
+                </a:solidFill>
+                <a:latin typeface="+mn-lt"/>
+                <a:ea typeface="+mn-ea"/>
+                <a:cs typeface="+mn-cs"/>
+              </a:defRPr>
+            </a:lvl9pPr>
+          </a:lstStyle>
+          <a:p>
+            <a:r>
+              <a:rPr lang="en-US" smtClean="0"/>
+              <a:t>Logger.getEvents(Logger.level.All);</a:t>
             </a:r>
           </a:p>
           <a:p>
@@ -3764,21 +3762,45 @@
       </p:sp>
       <p:sp>
         <p:nvSpPr>
-          <p:cNvPr id="4" name="Title 1"/>
-          <p:cNvSpPr>
-            <a:spLocks noGrp="1"/>
-          </p:cNvSpPr>
-          <p:nvPr>
-            <p:ph type="title"/>
-          </p:nvPr>
-        </p:nvSpPr>
-        <p:spPr/>
+          <p:cNvPr id="5" name="Title 1"/>
+          <p:cNvSpPr txBox="1">
+            <a:spLocks/>
+          </p:cNvSpPr>
+          <p:nvPr/>
+        </p:nvSpPr>
+        <p:spPr>
+          <a:xfrm>
+            <a:off x="838200" y="365125"/>
+            <a:ext cx="10515600" cy="1325563"/>
+          </a:xfrm>
+          <a:prstGeom prst="rect">
+            <a:avLst/>
+          </a:prstGeom>
+        </p:spPr>
         <p:txBody>
           <a:bodyPr/>
-          <a:lstStyle/>
-          <a:p>
-            <a:r>
-              <a:rPr lang="en-US" dirty="0" smtClean="0"/>
+          <a:lstStyle>
+            <a:lvl1pPr algn="l" defTabSz="914400" rtl="0" eaLnBrk="1" latinLnBrk="0" hangingPunct="1">
+              <a:lnSpc>
+                <a:spcPct val="90000"/>
+              </a:lnSpc>
+              <a:spcBef>
+                <a:spcPct val="0"/>
+              </a:spcBef>
+              <a:buNone/>
+              <a:defRPr sz="4400" kern="1200">
+                <a:solidFill>
+                  <a:schemeClr val="tx1"/>
+                </a:solidFill>
+                <a:latin typeface="+mj-lt"/>
+                <a:ea typeface="+mj-ea"/>
+                <a:cs typeface="+mj-cs"/>
+              </a:defRPr>
+            </a:lvl1pPr>
+          </a:lstStyle>
+          <a:p>
+            <a:r>
+              <a:rPr lang="en-US" smtClean="0"/>
               <a:t>How to use it</a:t>
             </a:r>
             <a:endParaRPr lang="en-US" dirty="0"/>
@@ -3786,11 +3808,6 @@
         </p:txBody>
       </p:sp>
     </p:spTree>
-    <p:extLst>
-      <p:ext uri="{BB962C8B-B14F-4D97-AF65-F5344CB8AC3E}">
-        <p14:creationId xmlns:p14="http://schemas.microsoft.com/office/powerpoint/2010/main" val="4207726186"/>
-      </p:ext>
-    </p:extLst>
   </p:cSld>
   <p:clrMapOvr>
     <a:masterClrMapping/>
@@ -3824,22 +3841,192 @@
       </p:grpSpPr>
       <p:sp>
         <p:nvSpPr>
-          <p:cNvPr id="3" name="Content Placeholder 2"/>
-          <p:cNvSpPr>
-            <a:spLocks noGrp="1"/>
-          </p:cNvSpPr>
-          <p:nvPr>
-            <p:ph idx="1"/>
-          </p:nvPr>
-        </p:nvSpPr>
-        <p:spPr/>
+          <p:cNvPr id="4" name="Content Placeholder 2"/>
+          <p:cNvSpPr txBox="1">
+            <a:spLocks/>
+          </p:cNvSpPr>
+          <p:nvPr/>
+        </p:nvSpPr>
+        <p:spPr>
+          <a:xfrm>
+            <a:off x="819150" y="1047750"/>
+            <a:ext cx="10515600" cy="4900613"/>
+          </a:xfrm>
+          <a:prstGeom prst="rect">
+            <a:avLst/>
+          </a:prstGeom>
+        </p:spPr>
         <p:txBody>
           <a:bodyPr>
-            <a:normAutofit/>
+            <a:normAutofit fontScale="92500" lnSpcReduction="20000"/>
           </a:bodyPr>
-          <a:lstStyle/>
+          <a:lstStyle>
+            <a:lvl1pPr marL="228600" indent="-228600" algn="l" defTabSz="914400" rtl="0" eaLnBrk="1" latinLnBrk="0" hangingPunct="1">
+              <a:lnSpc>
+                <a:spcPct val="90000"/>
+              </a:lnSpc>
+              <a:spcBef>
+                <a:spcPts val="1000"/>
+              </a:spcBef>
+              <a:buFont typeface="Arial" panose="020B0604020202020204" pitchFamily="34" charset="0"/>
+              <a:buChar char="•"/>
+              <a:defRPr sz="2800" kern="1200">
+                <a:solidFill>
+                  <a:schemeClr val="tx1"/>
+                </a:solidFill>
+                <a:latin typeface="+mn-lt"/>
+                <a:ea typeface="+mn-ea"/>
+                <a:cs typeface="+mn-cs"/>
+              </a:defRPr>
+            </a:lvl1pPr>
+            <a:lvl2pPr marL="685800" indent="-228600" algn="l" defTabSz="914400" rtl="0" eaLnBrk="1" latinLnBrk="0" hangingPunct="1">
+              <a:lnSpc>
+                <a:spcPct val="90000"/>
+              </a:lnSpc>
+              <a:spcBef>
+                <a:spcPts val="500"/>
+              </a:spcBef>
+              <a:buFont typeface="Arial" panose="020B0604020202020204" pitchFamily="34" charset="0"/>
+              <a:buChar char="•"/>
+              <a:defRPr sz="2400" kern="1200">
+                <a:solidFill>
+                  <a:schemeClr val="tx1"/>
+                </a:solidFill>
+                <a:latin typeface="+mn-lt"/>
+                <a:ea typeface="+mn-ea"/>
+                <a:cs typeface="+mn-cs"/>
+              </a:defRPr>
+            </a:lvl2pPr>
+            <a:lvl3pPr marL="1143000" indent="-228600" algn="l" defTabSz="914400" rtl="0" eaLnBrk="1" latinLnBrk="0" hangingPunct="1">
+              <a:lnSpc>
+                <a:spcPct val="90000"/>
+              </a:lnSpc>
+              <a:spcBef>
+                <a:spcPts val="500"/>
+              </a:spcBef>
+              <a:buFont typeface="Arial" panose="020B0604020202020204" pitchFamily="34" charset="0"/>
+              <a:buChar char="•"/>
+              <a:defRPr sz="2000" kern="1200">
+                <a:solidFill>
+                  <a:schemeClr val="tx1"/>
+                </a:solidFill>
+                <a:latin typeface="+mn-lt"/>
+                <a:ea typeface="+mn-ea"/>
+                <a:cs typeface="+mn-cs"/>
+              </a:defRPr>
+            </a:lvl3pPr>
+            <a:lvl4pPr marL="1600200" indent="-228600" algn="l" defTabSz="914400" rtl="0" eaLnBrk="1" latinLnBrk="0" hangingPunct="1">
+              <a:lnSpc>
+                <a:spcPct val="90000"/>
+              </a:lnSpc>
+              <a:spcBef>
+                <a:spcPts val="500"/>
+              </a:spcBef>
+              <a:buFont typeface="Arial" panose="020B0604020202020204" pitchFamily="34" charset="0"/>
+              <a:buChar char="•"/>
+              <a:defRPr sz="1800" kern="1200">
+                <a:solidFill>
+                  <a:schemeClr val="tx1"/>
+                </a:solidFill>
+                <a:latin typeface="+mn-lt"/>
+                <a:ea typeface="+mn-ea"/>
+                <a:cs typeface="+mn-cs"/>
+              </a:defRPr>
+            </a:lvl4pPr>
+            <a:lvl5pPr marL="2057400" indent="-228600" algn="l" defTabSz="914400" rtl="0" eaLnBrk="1" latinLnBrk="0" hangingPunct="1">
+              <a:lnSpc>
+                <a:spcPct val="90000"/>
+              </a:lnSpc>
+              <a:spcBef>
+                <a:spcPts val="500"/>
+              </a:spcBef>
+              <a:buFont typeface="Arial" panose="020B0604020202020204" pitchFamily="34" charset="0"/>
+              <a:buChar char="•"/>
+              <a:defRPr sz="1800" kern="1200">
+                <a:solidFill>
+                  <a:schemeClr val="tx1"/>
+                </a:solidFill>
+                <a:latin typeface="+mn-lt"/>
+                <a:ea typeface="+mn-ea"/>
+                <a:cs typeface="+mn-cs"/>
+              </a:defRPr>
+            </a:lvl5pPr>
+            <a:lvl6pPr marL="2514600" indent="-228600" algn="l" defTabSz="914400" rtl="0" eaLnBrk="1" latinLnBrk="0" hangingPunct="1">
+              <a:lnSpc>
+                <a:spcPct val="90000"/>
+              </a:lnSpc>
+              <a:spcBef>
+                <a:spcPts val="500"/>
+              </a:spcBef>
+              <a:buFont typeface="Arial" panose="020B0604020202020204" pitchFamily="34" charset="0"/>
+              <a:buChar char="•"/>
+              <a:defRPr sz="1800" kern="1200">
+                <a:solidFill>
+                  <a:schemeClr val="tx1"/>
+                </a:solidFill>
+                <a:latin typeface="+mn-lt"/>
+                <a:ea typeface="+mn-ea"/>
+                <a:cs typeface="+mn-cs"/>
+              </a:defRPr>
+            </a:lvl6pPr>
+            <a:lvl7pPr marL="2971800" indent="-228600" algn="l" defTabSz="914400" rtl="0" eaLnBrk="1" latinLnBrk="0" hangingPunct="1">
+              <a:lnSpc>
+                <a:spcPct val="90000"/>
+              </a:lnSpc>
+              <a:spcBef>
+                <a:spcPts val="500"/>
+              </a:spcBef>
+              <a:buFont typeface="Arial" panose="020B0604020202020204" pitchFamily="34" charset="0"/>
+              <a:buChar char="•"/>
+              <a:defRPr sz="1800" kern="1200">
+                <a:solidFill>
+                  <a:schemeClr val="tx1"/>
+                </a:solidFill>
+                <a:latin typeface="+mn-lt"/>
+                <a:ea typeface="+mn-ea"/>
+                <a:cs typeface="+mn-cs"/>
+              </a:defRPr>
+            </a:lvl7pPr>
+            <a:lvl8pPr marL="3429000" indent="-228600" algn="l" defTabSz="914400" rtl="0" eaLnBrk="1" latinLnBrk="0" hangingPunct="1">
+              <a:lnSpc>
+                <a:spcPct val="90000"/>
+              </a:lnSpc>
+              <a:spcBef>
+                <a:spcPts val="500"/>
+              </a:spcBef>
+              <a:buFont typeface="Arial" panose="020B0604020202020204" pitchFamily="34" charset="0"/>
+              <a:buChar char="•"/>
+              <a:defRPr sz="1800" kern="1200">
+                <a:solidFill>
+                  <a:schemeClr val="tx1"/>
+                </a:solidFill>
+                <a:latin typeface="+mn-lt"/>
+                <a:ea typeface="+mn-ea"/>
+                <a:cs typeface="+mn-cs"/>
+              </a:defRPr>
+            </a:lvl8pPr>
+            <a:lvl9pPr marL="3886200" indent="-228600" algn="l" defTabSz="914400" rtl="0" eaLnBrk="1" latinLnBrk="0" hangingPunct="1">
+              <a:lnSpc>
+                <a:spcPct val="90000"/>
+              </a:lnSpc>
+              <a:spcBef>
+                <a:spcPts val="500"/>
+              </a:spcBef>
+              <a:buFont typeface="Arial" panose="020B0604020202020204" pitchFamily="34" charset="0"/>
+              <a:buChar char="•"/>
+              <a:defRPr sz="1800" kern="1200">
+                <a:solidFill>
+                  <a:schemeClr val="tx1"/>
+                </a:solidFill>
+                <a:latin typeface="+mn-lt"/>
+                <a:ea typeface="+mn-ea"/>
+                <a:cs typeface="+mn-cs"/>
+              </a:defRPr>
+            </a:lvl9pPr>
+          </a:lstStyle>
           <a:p>
             <a:pPr marL="0" indent="0">
+              <a:buFont typeface="Arial" panose="020B0604020202020204" pitchFamily="34" charset="0"/>
               <a:buNone/>
             </a:pPr>
             <a:r>
@@ -3877,11 +4064,136 @@
           </a:p>
           <a:p>
             <a:pPr marL="0" indent="0">
+              <a:buFont typeface="Arial" panose="020B0604020202020204" pitchFamily="34" charset="0"/>
               <a:buNone/>
             </a:pPr>
             <a:r>
-              <a:rPr lang="en-US" dirty="0"/>
+              <a:rPr lang="en-US" dirty="0" smtClean="0"/>
               <a:t>	</a:t>
+            </a:r>
+            <a:r>
+              <a:rPr lang="en-US" dirty="0" err="1" smtClean="0"/>
+              <a:t>var</a:t>
+            </a:r>
+            <a:r>
+              <a:rPr lang="en-US" dirty="0" smtClean="0"/>
+              <a:t> </a:t>
+            </a:r>
+            <a:r>
+              <a:rPr lang="en-US" dirty="0" err="1" smtClean="0"/>
+              <a:t>errorMessage</a:t>
+            </a:r>
+            <a:r>
+              <a:rPr lang="en-US" dirty="0" smtClean="0"/>
+              <a:t> = </a:t>
+            </a:r>
+            <a:r>
+              <a:rPr lang="en-US" dirty="0" err="1" smtClean="0"/>
+              <a:t>errorMsg</a:t>
+            </a:r>
+            <a:r>
+              <a:rPr lang="en-US" dirty="0" smtClean="0"/>
+              <a:t> + ' at line ' + </a:t>
+            </a:r>
+            <a:r>
+              <a:rPr lang="en-US" dirty="0" err="1" smtClean="0"/>
+              <a:t>lineNumber</a:t>
+            </a:r>
+            <a:r>
+              <a:rPr lang="en-US" dirty="0" smtClean="0"/>
+              <a:t> + ' in ' + </a:t>
+            </a:r>
+            <a:r>
+              <a:rPr lang="en-US" dirty="0" err="1" smtClean="0"/>
+              <a:t>url</a:t>
+            </a:r>
+            <a:r>
+              <a:rPr lang="en-US" dirty="0" smtClean="0"/>
+              <a:t>,</a:t>
+            </a:r>
+          </a:p>
+          <a:p>
+            <a:pPr marL="0" indent="0">
+              <a:buFont typeface="Arial" panose="020B0604020202020204" pitchFamily="34" charset="0"/>
+              <a:buNone/>
+            </a:pPr>
+            <a:r>
+              <a:rPr lang="en-US" dirty="0" smtClean="0"/>
+              <a:t>			       response = '';</a:t>
+            </a:r>
+          </a:p>
+          <a:p>
+            <a:pPr marL="0" indent="0">
+              <a:buFont typeface="Arial" panose="020B0604020202020204" pitchFamily="34" charset="0"/>
+              <a:buNone/>
+            </a:pPr>
+            <a:r>
+              <a:rPr lang="en-US" dirty="0" smtClean="0"/>
+              <a:t>	</a:t>
+            </a:r>
+            <a:r>
+              <a:rPr lang="en-US" dirty="0" err="1" smtClean="0"/>
+              <a:t>Logger.error</a:t>
+            </a:r>
+            <a:r>
+              <a:rPr lang="en-US" dirty="0" smtClean="0"/>
+              <a:t>(</a:t>
+            </a:r>
+            <a:r>
+              <a:rPr lang="en-US" dirty="0" err="1" smtClean="0"/>
+              <a:t>errorMessage</a:t>
+            </a:r>
+            <a:r>
+              <a:rPr lang="en-US" dirty="0" smtClean="0"/>
+              <a:t>, </a:t>
+            </a:r>
+            <a:r>
+              <a:rPr lang="en-US" dirty="0" err="1" smtClean="0"/>
+              <a:t>Logger.location.LocalStorage</a:t>
+            </a:r>
+            <a:r>
+              <a:rPr lang="en-US" dirty="0" smtClean="0"/>
+              <a:t>);</a:t>
+            </a:r>
+          </a:p>
+          <a:p>
+            <a:pPr marL="0" indent="0">
+              <a:buFont typeface="Arial" panose="020B0604020202020204" pitchFamily="34" charset="0"/>
+              <a:buNone/>
+            </a:pPr>
+            <a:r>
+              <a:rPr lang="en-US" dirty="0" smtClean="0"/>
+              <a:t>		</a:t>
+            </a:r>
+          </a:p>
+          <a:p>
+            <a:pPr marL="0" indent="0">
+              <a:buFont typeface="Arial" panose="020B0604020202020204" pitchFamily="34" charset="0"/>
+              <a:buNone/>
+            </a:pPr>
+            <a:r>
+              <a:rPr lang="en-US" dirty="0" smtClean="0"/>
+              <a:t>	response = confirm("An error occurred. Would you like to export the 				log events to a text file?");</a:t>
+            </a:r>
+          </a:p>
+          <a:p>
+            <a:pPr marL="0" indent="0">
+              <a:buFont typeface="Arial" panose="020B0604020202020204" pitchFamily="34" charset="0"/>
+              <a:buNone/>
+            </a:pPr>
+            <a:r>
+              <a:rPr lang="en-US" dirty="0" smtClean="0"/>
+              <a:t>	if (response === true) {</a:t>
+            </a:r>
+          </a:p>
+          <a:p>
+            <a:pPr marL="0" indent="0">
+              <a:buFont typeface="Arial" panose="020B0604020202020204" pitchFamily="34" charset="0"/>
+              <a:buNone/>
+            </a:pPr>
+            <a:r>
+              <a:rPr lang="en-US" dirty="0" smtClean="0"/>
+              <a:t>		</a:t>
             </a:r>
             <a:r>
               <a:rPr lang="en-US" dirty="0" err="1" smtClean="0"/>
@@ -3889,24 +4201,32 @@
             </a:r>
             <a:r>
               <a:rPr lang="en-US" dirty="0" smtClean="0"/>
-              <a:t>(); 	</a:t>
+              <a:t>();</a:t>
             </a:r>
           </a:p>
           <a:p>
             <a:pPr marL="0" indent="0">
+              <a:buFont typeface="Arial" panose="020B0604020202020204" pitchFamily="34" charset="0"/>
               <a:buNone/>
             </a:pPr>
             <a:r>
-              <a:rPr lang="en-US" dirty="0"/>
-              <a:t>	</a:t>
-            </a:r>
-            <a:r>
               <a:rPr lang="en-US" dirty="0" smtClean="0"/>
-              <a:t>return true;//suppress errors on console</a:t>
+              <a:t>	}</a:t>
             </a:r>
           </a:p>
           <a:p>
             <a:pPr marL="0" indent="0">
+              <a:buFont typeface="Arial" panose="020B0604020202020204" pitchFamily="34" charset="0"/>
+              <a:buNone/>
+            </a:pPr>
+            <a:r>
+              <a:rPr lang="en-US" dirty="0" smtClean="0"/>
+              <a:t>	return true;//suppress errors on console</a:t>
+            </a:r>
+          </a:p>
+          <a:p>
+            <a:pPr marL="0" indent="0">
+              <a:buFont typeface="Arial" panose="020B0604020202020204" pitchFamily="34" charset="0"/>
               <a:buNone/>
             </a:pPr>
             <a:r>
@@ -3921,21 +4241,45 @@
       </p:sp>
       <p:sp>
         <p:nvSpPr>
-          <p:cNvPr id="4" name="Title 1"/>
-          <p:cNvSpPr>
-            <a:spLocks noGrp="1"/>
-          </p:cNvSpPr>
-          <p:nvPr>
-            <p:ph type="title"/>
-          </p:nvPr>
-        </p:nvSpPr>
-        <p:spPr/>
+          <p:cNvPr id="5" name="Title 1"/>
+          <p:cNvSpPr txBox="1">
+            <a:spLocks/>
+          </p:cNvSpPr>
+          <p:nvPr/>
+        </p:nvSpPr>
+        <p:spPr>
+          <a:xfrm>
+            <a:off x="819150" y="136525"/>
+            <a:ext cx="10515600" cy="739775"/>
+          </a:xfrm>
+          <a:prstGeom prst="rect">
+            <a:avLst/>
+          </a:prstGeom>
+        </p:spPr>
         <p:txBody>
           <a:bodyPr/>
-          <a:lstStyle/>
-          <a:p>
-            <a:r>
-              <a:rPr lang="en-US" dirty="0" smtClean="0"/>
+          <a:lstStyle>
+            <a:lvl1pPr algn="l" defTabSz="914400" rtl="0" eaLnBrk="1" latinLnBrk="0" hangingPunct="1">
+              <a:lnSpc>
+                <a:spcPct val="90000"/>
+              </a:lnSpc>
+              <a:spcBef>
+                <a:spcPct val="0"/>
+              </a:spcBef>
+              <a:buNone/>
+              <a:defRPr sz="4400" kern="1200">
+                <a:solidFill>
+                  <a:schemeClr val="tx1"/>
+                </a:solidFill>
+                <a:latin typeface="+mj-lt"/>
+                <a:ea typeface="+mj-ea"/>
+                <a:cs typeface="+mj-cs"/>
+              </a:defRPr>
+            </a:lvl1pPr>
+          </a:lstStyle>
+          <a:p>
+            <a:r>
+              <a:rPr lang="en-US" smtClean="0"/>
               <a:t>How to use it</a:t>
             </a:r>
             <a:endParaRPr lang="en-US" dirty="0"/>
@@ -3943,11 +4287,6 @@
         </p:txBody>
       </p:sp>
     </p:spTree>
-    <p:extLst>
-      <p:ext uri="{BB962C8B-B14F-4D97-AF65-F5344CB8AC3E}">
-        <p14:creationId xmlns:p14="http://schemas.microsoft.com/office/powerpoint/2010/main" val="1688223016"/>
-      </p:ext>
-    </p:extLst>
   </p:cSld>
   <p:clrMapOvr>
     <a:masterClrMapping/>
@@ -3981,419 +4320,282 @@
       </p:grpSpPr>
       <p:sp>
         <p:nvSpPr>
-          <p:cNvPr id="3" name="Content Placeholder 2"/>
-          <p:cNvSpPr>
-            <a:spLocks noGrp="1"/>
-          </p:cNvSpPr>
-          <p:nvPr>
-            <p:ph idx="1"/>
-          </p:nvPr>
-        </p:nvSpPr>
-        <p:spPr/>
+          <p:cNvPr id="4" name="Content Placeholder 2"/>
+          <p:cNvSpPr txBox="1">
+            <a:spLocks/>
+          </p:cNvSpPr>
+          <p:nvPr/>
+        </p:nvSpPr>
+        <p:spPr>
+          <a:xfrm>
+            <a:off x="838200" y="1825625"/>
+            <a:ext cx="10515600" cy="3956050"/>
+          </a:xfrm>
+          <a:prstGeom prst="rect">
+            <a:avLst/>
+          </a:prstGeom>
+        </p:spPr>
         <p:txBody>
           <a:bodyPr>
-            <a:normAutofit fontScale="32500" lnSpcReduction="20000"/>
+            <a:normAutofit/>
           </a:bodyPr>
-          <a:lstStyle/>
-          <a:p>
-            <a:r>
-              <a:rPr lang="en-US" dirty="0" smtClean="0"/>
-              <a:t>Automatic export of log file on error:</a:t>
-            </a:r>
-          </a:p>
+          <a:lstStyle>
+            <a:lvl1pPr marL="228600" indent="-228600" algn="l" defTabSz="914400" rtl="0" eaLnBrk="1" latinLnBrk="0" hangingPunct="1">
+              <a:lnSpc>
+                <a:spcPct val="90000"/>
+              </a:lnSpc>
+              <a:spcBef>
+                <a:spcPts val="1000"/>
+              </a:spcBef>
+              <a:buFont typeface="Arial" panose="020B0604020202020204" pitchFamily="34" charset="0"/>
+              <a:buChar char="•"/>
+              <a:defRPr sz="2800" kern="1200">
+                <a:solidFill>
+                  <a:schemeClr val="tx1"/>
+                </a:solidFill>
+                <a:latin typeface="+mn-lt"/>
+                <a:ea typeface="+mn-ea"/>
+                <a:cs typeface="+mn-cs"/>
+              </a:defRPr>
+            </a:lvl1pPr>
+            <a:lvl2pPr marL="685800" indent="-228600" algn="l" defTabSz="914400" rtl="0" eaLnBrk="1" latinLnBrk="0" hangingPunct="1">
+              <a:lnSpc>
+                <a:spcPct val="90000"/>
+              </a:lnSpc>
+              <a:spcBef>
+                <a:spcPts val="500"/>
+              </a:spcBef>
+              <a:buFont typeface="Arial" panose="020B0604020202020204" pitchFamily="34" charset="0"/>
+              <a:buChar char="•"/>
+              <a:defRPr sz="2400" kern="1200">
+                <a:solidFill>
+                  <a:schemeClr val="tx1"/>
+                </a:solidFill>
+                <a:latin typeface="+mn-lt"/>
+                <a:ea typeface="+mn-ea"/>
+                <a:cs typeface="+mn-cs"/>
+              </a:defRPr>
+            </a:lvl2pPr>
+            <a:lvl3pPr marL="1143000" indent="-228600" algn="l" defTabSz="914400" rtl="0" eaLnBrk="1" latinLnBrk="0" hangingPunct="1">
+              <a:lnSpc>
+                <a:spcPct val="90000"/>
+              </a:lnSpc>
+              <a:spcBef>
+                <a:spcPts val="500"/>
+              </a:spcBef>
+              <a:buFont typeface="Arial" panose="020B0604020202020204" pitchFamily="34" charset="0"/>
+              <a:buChar char="•"/>
+              <a:defRPr sz="2000" kern="1200">
+                <a:solidFill>
+                  <a:schemeClr val="tx1"/>
+                </a:solidFill>
+                <a:latin typeface="+mn-lt"/>
+                <a:ea typeface="+mn-ea"/>
+                <a:cs typeface="+mn-cs"/>
+              </a:defRPr>
+            </a:lvl3pPr>
+            <a:lvl4pPr marL="1600200" indent="-228600" algn="l" defTabSz="914400" rtl="0" eaLnBrk="1" latinLnBrk="0" hangingPunct="1">
+              <a:lnSpc>
+                <a:spcPct val="90000"/>
+              </a:lnSpc>
+              <a:spcBef>
+                <a:spcPts val="500"/>
+              </a:spcBef>
+              <a:buFont typeface="Arial" panose="020B0604020202020204" pitchFamily="34" charset="0"/>
+              <a:buChar char="•"/>
+              <a:defRPr sz="1800" kern="1200">
+                <a:solidFill>
+                  <a:schemeClr val="tx1"/>
+                </a:solidFill>
+                <a:latin typeface="+mn-lt"/>
+                <a:ea typeface="+mn-ea"/>
+                <a:cs typeface="+mn-cs"/>
+              </a:defRPr>
+            </a:lvl4pPr>
+            <a:lvl5pPr marL="2057400" indent="-228600" algn="l" defTabSz="914400" rtl="0" eaLnBrk="1" latinLnBrk="0" hangingPunct="1">
+              <a:lnSpc>
+                <a:spcPct val="90000"/>
+              </a:lnSpc>
+              <a:spcBef>
+                <a:spcPts val="500"/>
+              </a:spcBef>
+              <a:buFont typeface="Arial" panose="020B0604020202020204" pitchFamily="34" charset="0"/>
+              <a:buChar char="•"/>
+              <a:defRPr sz="1800" kern="1200">
+                <a:solidFill>
+                  <a:schemeClr val="tx1"/>
+                </a:solidFill>
+                <a:latin typeface="+mn-lt"/>
+                <a:ea typeface="+mn-ea"/>
+                <a:cs typeface="+mn-cs"/>
+              </a:defRPr>
+            </a:lvl5pPr>
+            <a:lvl6pPr marL="2514600" indent="-228600" algn="l" defTabSz="914400" rtl="0" eaLnBrk="1" latinLnBrk="0" hangingPunct="1">
+              <a:lnSpc>
+                <a:spcPct val="90000"/>
+              </a:lnSpc>
+              <a:spcBef>
+                <a:spcPts val="500"/>
+              </a:spcBef>
+              <a:buFont typeface="Arial" panose="020B0604020202020204" pitchFamily="34" charset="0"/>
+              <a:buChar char="•"/>
+              <a:defRPr sz="1800" kern="1200">
+                <a:solidFill>
+                  <a:schemeClr val="tx1"/>
+                </a:solidFill>
+                <a:latin typeface="+mn-lt"/>
+                <a:ea typeface="+mn-ea"/>
+                <a:cs typeface="+mn-cs"/>
+              </a:defRPr>
+            </a:lvl6pPr>
+            <a:lvl7pPr marL="2971800" indent="-228600" algn="l" defTabSz="914400" rtl="0" eaLnBrk="1" latinLnBrk="0" hangingPunct="1">
+              <a:lnSpc>
+                <a:spcPct val="90000"/>
+              </a:lnSpc>
+              <a:spcBef>
+                <a:spcPts val="500"/>
+              </a:spcBef>
+              <a:buFont typeface="Arial" panose="020B0604020202020204" pitchFamily="34" charset="0"/>
+              <a:buChar char="•"/>
+              <a:defRPr sz="1800" kern="1200">
+                <a:solidFill>
+                  <a:schemeClr val="tx1"/>
+                </a:solidFill>
+                <a:latin typeface="+mn-lt"/>
+                <a:ea typeface="+mn-ea"/>
+                <a:cs typeface="+mn-cs"/>
+              </a:defRPr>
+            </a:lvl7pPr>
+            <a:lvl8pPr marL="3429000" indent="-228600" algn="l" defTabSz="914400" rtl="0" eaLnBrk="1" latinLnBrk="0" hangingPunct="1">
+              <a:lnSpc>
+                <a:spcPct val="90000"/>
+              </a:lnSpc>
+              <a:spcBef>
+                <a:spcPts val="500"/>
+              </a:spcBef>
+              <a:buFont typeface="Arial" panose="020B0604020202020204" pitchFamily="34" charset="0"/>
+              <a:buChar char="•"/>
+              <a:defRPr sz="1800" kern="1200">
+                <a:solidFill>
+                  <a:schemeClr val="tx1"/>
+                </a:solidFill>
+                <a:latin typeface="+mn-lt"/>
+                <a:ea typeface="+mn-ea"/>
+                <a:cs typeface="+mn-cs"/>
+              </a:defRPr>
+            </a:lvl8pPr>
+            <a:lvl9pPr marL="3886200" indent="-228600" algn="l" defTabSz="914400" rtl="0" eaLnBrk="1" latinLnBrk="0" hangingPunct="1">
+              <a:lnSpc>
+                <a:spcPct val="90000"/>
+              </a:lnSpc>
+              <a:spcBef>
+                <a:spcPts val="500"/>
+              </a:spcBef>
+              <a:buFont typeface="Arial" panose="020B0604020202020204" pitchFamily="34" charset="0"/>
+              <a:buChar char="•"/>
+              <a:defRPr sz="1800" kern="1200">
+                <a:solidFill>
+                  <a:schemeClr val="tx1"/>
+                </a:solidFill>
+                <a:latin typeface="+mn-lt"/>
+                <a:ea typeface="+mn-ea"/>
+                <a:cs typeface="+mn-cs"/>
+              </a:defRPr>
+            </a:lvl9pPr>
+          </a:lstStyle>
           <a:p>
             <a:pPr marL="0" indent="0">
+              <a:buFont typeface="Arial" panose="020B0604020202020204" pitchFamily="34" charset="0"/>
               <a:buNone/>
             </a:pPr>
             <a:r>
-              <a:rPr lang="en-US" dirty="0" err="1"/>
-              <a:t>onError</a:t>
-            </a:r>
-            <a:r>
-              <a:rPr lang="en-US" dirty="0"/>
-              <a:t>: function(</a:t>
-            </a:r>
-            <a:r>
-              <a:rPr lang="en-US" dirty="0" err="1"/>
-              <a:t>exportLog</a:t>
-            </a:r>
-            <a:r>
-              <a:rPr lang="en-US" dirty="0"/>
-              <a:t>, </a:t>
-            </a:r>
-            <a:r>
-              <a:rPr lang="en-US" dirty="0" err="1"/>
-              <a:t>suppressErrorAlerts</a:t>
-            </a:r>
-            <a:r>
-              <a:rPr lang="en-US" dirty="0"/>
-              <a:t>, </a:t>
-            </a:r>
-            <a:r>
-              <a:rPr lang="en-US" dirty="0" err="1"/>
-              <a:t>errorCallback</a:t>
-            </a:r>
-            <a:r>
-              <a:rPr lang="en-US" dirty="0"/>
-              <a:t>) {</a:t>
+              <a:rPr lang="en-US" smtClean="0"/>
+              <a:t>Logger.onError(true, true, function(errorMsg, url, lineNumber) {</a:t>
             </a:r>
           </a:p>
           <a:p>
             <a:pPr marL="0" indent="0">
+              <a:buFont typeface="Arial" panose="020B0604020202020204" pitchFamily="34" charset="0"/>
               <a:buNone/>
             </a:pPr>
             <a:r>
-              <a:rPr lang="en-US" dirty="0"/>
-              <a:t>            </a:t>
-            </a:r>
-            <a:r>
-              <a:rPr lang="en-US" dirty="0" err="1"/>
-              <a:t>var</a:t>
-            </a:r>
-            <a:r>
-              <a:rPr lang="en-US" dirty="0"/>
-              <a:t> me = this,</a:t>
+              <a:rPr lang="en-US" smtClean="0"/>
+              <a:t>	Logger.exportLog(); 	</a:t>
             </a:r>
           </a:p>
           <a:p>
             <a:pPr marL="0" indent="0">
+              <a:buFont typeface="Arial" panose="020B0604020202020204" pitchFamily="34" charset="0"/>
               <a:buNone/>
             </a:pPr>
             <a:r>
-              <a:rPr lang="en-US" dirty="0"/>
-              <a:t>                </a:t>
-            </a:r>
-            <a:r>
-              <a:rPr lang="en-US" dirty="0" err="1"/>
-              <a:t>errorMessage</a:t>
-            </a:r>
-            <a:r>
-              <a:rPr lang="en-US" dirty="0"/>
-              <a:t> = '';</a:t>
+              <a:rPr lang="en-US" smtClean="0"/>
+              <a:t>	return true;//suppress errors on console</a:t>
             </a:r>
           </a:p>
           <a:p>
             <a:pPr marL="0" indent="0">
+              <a:buFont typeface="Arial" panose="020B0604020202020204" pitchFamily="34" charset="0"/>
               <a:buNone/>
             </a:pPr>
+            <a:r>
+              <a:rPr lang="en-US" smtClean="0"/>
+              <a:t>});</a:t>
+            </a:r>
+          </a:p>
+          <a:p>
             <a:endParaRPr lang="en-US" dirty="0"/>
           </a:p>
-          <a:p>
-            <a:pPr marL="0" indent="0">
-              <a:buNone/>
-            </a:pPr>
-            <a:r>
-              <a:rPr lang="en-US" dirty="0"/>
-              <a:t>            if (</a:t>
-            </a:r>
-            <a:r>
-              <a:rPr lang="en-US" dirty="0" err="1"/>
-              <a:t>typeof</a:t>
-            </a:r>
-            <a:r>
-              <a:rPr lang="en-US" dirty="0"/>
-              <a:t> </a:t>
-            </a:r>
-            <a:r>
-              <a:rPr lang="en-US" dirty="0" err="1"/>
-              <a:t>errorCallback</a:t>
-            </a:r>
-            <a:r>
-              <a:rPr lang="en-US" dirty="0"/>
-              <a:t> !== 'undefined') {</a:t>
-            </a:r>
-          </a:p>
-          <a:p>
-            <a:pPr marL="0" indent="0">
-              <a:buNone/>
-            </a:pPr>
-            <a:r>
-              <a:rPr lang="en-US" dirty="0"/>
-              <a:t>                </a:t>
-            </a:r>
-            <a:r>
-              <a:rPr lang="en-US" dirty="0" err="1"/>
-              <a:t>window.onerror</a:t>
-            </a:r>
-            <a:r>
-              <a:rPr lang="en-US" dirty="0"/>
-              <a:t> = </a:t>
-            </a:r>
-            <a:r>
-              <a:rPr lang="en-US" dirty="0" err="1"/>
-              <a:t>errorCallback</a:t>
-            </a:r>
-            <a:r>
-              <a:rPr lang="en-US" dirty="0"/>
-              <a:t>;</a:t>
-            </a:r>
-          </a:p>
-          <a:p>
-            <a:pPr marL="0" indent="0">
-              <a:buNone/>
-            </a:pPr>
-            <a:r>
-              <a:rPr lang="en-US" dirty="0"/>
-              <a:t>            } else if (</a:t>
-            </a:r>
-            <a:r>
-              <a:rPr lang="en-US" dirty="0" err="1"/>
-              <a:t>exportLog</a:t>
-            </a:r>
-            <a:r>
-              <a:rPr lang="en-US" dirty="0"/>
-              <a:t> &amp;&amp; </a:t>
-            </a:r>
-            <a:r>
-              <a:rPr lang="en-US" dirty="0" err="1"/>
-              <a:t>typeof</a:t>
-            </a:r>
-            <a:r>
-              <a:rPr lang="en-US" dirty="0"/>
-              <a:t> </a:t>
-            </a:r>
-            <a:r>
-              <a:rPr lang="en-US" dirty="0" err="1"/>
-              <a:t>errorCallback</a:t>
-            </a:r>
-            <a:r>
-              <a:rPr lang="en-US" dirty="0"/>
-              <a:t> === 'undefined') {</a:t>
-            </a:r>
-          </a:p>
-          <a:p>
-            <a:pPr marL="0" indent="0">
-              <a:buNone/>
-            </a:pPr>
-            <a:r>
-              <a:rPr lang="en-US" dirty="0"/>
-              <a:t>                </a:t>
-            </a:r>
-            <a:r>
-              <a:rPr lang="en-US" dirty="0" err="1"/>
-              <a:t>window.onerror</a:t>
-            </a:r>
-            <a:r>
-              <a:rPr lang="en-US" dirty="0"/>
-              <a:t> = function (</a:t>
-            </a:r>
-            <a:r>
-              <a:rPr lang="en-US" dirty="0" err="1"/>
-              <a:t>errorMsg</a:t>
-            </a:r>
-            <a:r>
-              <a:rPr lang="en-US" dirty="0"/>
-              <a:t>, </a:t>
-            </a:r>
-            <a:r>
-              <a:rPr lang="en-US" dirty="0" err="1"/>
-              <a:t>url</a:t>
-            </a:r>
-            <a:r>
-              <a:rPr lang="en-US" dirty="0"/>
-              <a:t>, </a:t>
-            </a:r>
-            <a:r>
-              <a:rPr lang="en-US" dirty="0" err="1"/>
-              <a:t>lineNumber</a:t>
-            </a:r>
-            <a:r>
-              <a:rPr lang="en-US" dirty="0"/>
-              <a:t>) {</a:t>
-            </a:r>
-          </a:p>
-          <a:p>
-            <a:pPr marL="0" indent="0">
-              <a:buNone/>
-            </a:pPr>
-            <a:r>
-              <a:rPr lang="en-US" dirty="0"/>
-              <a:t>                    </a:t>
-            </a:r>
-            <a:r>
-              <a:rPr lang="en-US" dirty="0" err="1"/>
-              <a:t>errorMessage</a:t>
-            </a:r>
-            <a:r>
-              <a:rPr lang="en-US" dirty="0"/>
-              <a:t> = </a:t>
-            </a:r>
-            <a:r>
-              <a:rPr lang="en-US" dirty="0" err="1"/>
-              <a:t>errorMsg</a:t>
-            </a:r>
-            <a:r>
-              <a:rPr lang="en-US" dirty="0"/>
-              <a:t> + ' at line: ' + </a:t>
-            </a:r>
-            <a:r>
-              <a:rPr lang="en-US" dirty="0" err="1"/>
-              <a:t>lineNumber</a:t>
-            </a:r>
-            <a:r>
-              <a:rPr lang="en-US" dirty="0"/>
-              <a:t> + ' in ' + </a:t>
-            </a:r>
-            <a:r>
-              <a:rPr lang="en-US" dirty="0" err="1"/>
-              <a:t>url</a:t>
-            </a:r>
-            <a:r>
-              <a:rPr lang="en-US" dirty="0"/>
-              <a:t>;</a:t>
-            </a:r>
-          </a:p>
-          <a:p>
-            <a:pPr marL="0" indent="0">
-              <a:buNone/>
-            </a:pPr>
-            <a:r>
-              <a:rPr lang="en-US" dirty="0"/>
-              <a:t>                    me.log(</a:t>
-            </a:r>
-            <a:r>
-              <a:rPr lang="en-US" dirty="0" err="1"/>
-              <a:t>me.level.Error</a:t>
-            </a:r>
-            <a:r>
-              <a:rPr lang="en-US" dirty="0"/>
-              <a:t>, </a:t>
-            </a:r>
-            <a:r>
-              <a:rPr lang="en-US" dirty="0" err="1"/>
-              <a:t>errorMessage</a:t>
-            </a:r>
-            <a:r>
-              <a:rPr lang="en-US" dirty="0"/>
-              <a:t>, </a:t>
-            </a:r>
-            <a:r>
-              <a:rPr lang="en-US" dirty="0" err="1"/>
-              <a:t>me.location.All</a:t>
-            </a:r>
-            <a:r>
-              <a:rPr lang="en-US" dirty="0"/>
-              <a:t>);</a:t>
-            </a:r>
-          </a:p>
-          <a:p>
-            <a:pPr marL="0" indent="0">
-              <a:buNone/>
-            </a:pPr>
-            <a:r>
-              <a:rPr lang="en-US" dirty="0"/>
-              <a:t>                    </a:t>
-            </a:r>
-            <a:r>
-              <a:rPr lang="en-US" dirty="0" err="1"/>
-              <a:t>me.exportLog</a:t>
-            </a:r>
-            <a:r>
-              <a:rPr lang="en-US" dirty="0"/>
-              <a:t>();</a:t>
-            </a:r>
-          </a:p>
-          <a:p>
-            <a:pPr marL="0" indent="0">
-              <a:buNone/>
-            </a:pPr>
-            <a:r>
-              <a:rPr lang="en-US" dirty="0"/>
-              <a:t>					return </a:t>
-            </a:r>
-            <a:r>
-              <a:rPr lang="en-US" dirty="0" err="1"/>
-              <a:t>suppressErrorAlerts</a:t>
-            </a:r>
-            <a:r>
-              <a:rPr lang="en-US" dirty="0"/>
-              <a:t>;</a:t>
-            </a:r>
-          </a:p>
-          <a:p>
-            <a:pPr marL="0" indent="0">
-              <a:buNone/>
-            </a:pPr>
-            <a:r>
-              <a:rPr lang="en-US" dirty="0"/>
-              <a:t>                }</a:t>
-            </a:r>
-          </a:p>
-          <a:p>
-            <a:pPr marL="0" indent="0">
-              <a:buNone/>
-            </a:pPr>
-            <a:r>
-              <a:rPr lang="en-US" dirty="0"/>
-              <a:t>            } else {</a:t>
-            </a:r>
-          </a:p>
-          <a:p>
-            <a:pPr marL="0" indent="0">
-              <a:buNone/>
-            </a:pPr>
-            <a:r>
-              <a:rPr lang="en-US" dirty="0"/>
-              <a:t>                </a:t>
-            </a:r>
-            <a:r>
-              <a:rPr lang="en-US" dirty="0" err="1"/>
-              <a:t>me.resetWindowErrorHandler</a:t>
-            </a:r>
-            <a:r>
-              <a:rPr lang="en-US" dirty="0"/>
-              <a:t>();</a:t>
-            </a:r>
-          </a:p>
-          <a:p>
-            <a:pPr marL="0" indent="0">
-              <a:buNone/>
-            </a:pPr>
-            <a:r>
-              <a:rPr lang="en-US" dirty="0"/>
-              <a:t>            }</a:t>
-            </a:r>
-          </a:p>
-          <a:p>
-            <a:pPr marL="0" indent="0">
-              <a:buNone/>
-            </a:pPr>
-            <a:r>
-              <a:rPr lang="en-US" dirty="0"/>
-              <a:t>        }</a:t>
-            </a:r>
-          </a:p>
-        </p:txBody>
-      </p:sp>
-      <p:sp>
-        <p:nvSpPr>
-          <p:cNvPr id="4" name="Title 1"/>
-          <p:cNvSpPr>
-            <a:spLocks noGrp="1"/>
-          </p:cNvSpPr>
-          <p:nvPr>
-            <p:ph type="title"/>
-          </p:nvPr>
-        </p:nvSpPr>
-        <p:spPr/>
+        </p:txBody>
+      </p:sp>
+      <p:sp>
+        <p:nvSpPr>
+          <p:cNvPr id="5" name="Title 1"/>
+          <p:cNvSpPr txBox="1">
+            <a:spLocks/>
+          </p:cNvSpPr>
+          <p:nvPr/>
+        </p:nvSpPr>
+        <p:spPr>
+          <a:xfrm>
+            <a:off x="838200" y="365125"/>
+            <a:ext cx="10515600" cy="1205145"/>
+          </a:xfrm>
+          <a:prstGeom prst="rect">
+            <a:avLst/>
+          </a:prstGeom>
+        </p:spPr>
         <p:txBody>
           <a:bodyPr/>
-          <a:lstStyle/>
-          <a:p>
-            <a:r>
-              <a:rPr lang="en-US" dirty="0" smtClean="0"/>
-              <a:t>Implementation highlights</a:t>
+          <a:lstStyle>
+            <a:lvl1pPr algn="l" defTabSz="914400" rtl="0" eaLnBrk="1" latinLnBrk="0" hangingPunct="1">
+              <a:lnSpc>
+                <a:spcPct val="90000"/>
+              </a:lnSpc>
+              <a:spcBef>
+                <a:spcPct val="0"/>
+              </a:spcBef>
+              <a:buNone/>
+              <a:defRPr sz="4400" kern="1200">
+                <a:solidFill>
+                  <a:schemeClr val="tx1"/>
+                </a:solidFill>
+                <a:latin typeface="+mj-lt"/>
+                <a:ea typeface="+mj-ea"/>
+                <a:cs typeface="+mj-cs"/>
+              </a:defRPr>
+            </a:lvl1pPr>
+          </a:lstStyle>
+          <a:p>
+            <a:r>
+              <a:rPr lang="en-US" smtClean="0"/>
+              <a:t>How to use it</a:t>
             </a:r>
             <a:endParaRPr lang="en-US" dirty="0"/>
           </a:p>
         </p:txBody>
       </p:sp>
     </p:spTree>
-    <p:extLst>
-      <p:ext uri="{BB962C8B-B14F-4D97-AF65-F5344CB8AC3E}">
-        <p14:creationId xmlns:p14="http://schemas.microsoft.com/office/powerpoint/2010/main" val="1666261190"/>
-      </p:ext>
-    </p:extLst>
   </p:cSld>
   <p:clrMapOvr>
     <a:masterClrMapping/>
@@ -4427,195 +4629,406 @@
       </p:grpSpPr>
       <p:sp>
         <p:nvSpPr>
-          <p:cNvPr id="2" name="Title 1"/>
-          <p:cNvSpPr>
-            <a:spLocks noGrp="1"/>
-          </p:cNvSpPr>
-          <p:nvPr>
-            <p:ph type="title"/>
-          </p:nvPr>
-        </p:nvSpPr>
-        <p:spPr/>
+          <p:cNvPr id="4" name="Content Placeholder 2"/>
+          <p:cNvSpPr txBox="1">
+            <a:spLocks/>
+          </p:cNvSpPr>
+          <p:nvPr/>
+        </p:nvSpPr>
+        <p:spPr>
+          <a:xfrm>
+            <a:off x="847725" y="1228726"/>
+            <a:ext cx="10515600" cy="4610100"/>
+          </a:xfrm>
+          <a:prstGeom prst="rect">
+            <a:avLst/>
+          </a:prstGeom>
+        </p:spPr>
+        <p:txBody>
+          <a:bodyPr>
+            <a:normAutofit fontScale="47500" lnSpcReduction="20000"/>
+          </a:bodyPr>
+          <a:lstStyle>
+            <a:lvl1pPr marL="228600" indent="-228600" algn="l" defTabSz="914400" rtl="0" eaLnBrk="1" latinLnBrk="0" hangingPunct="1">
+              <a:lnSpc>
+                <a:spcPct val="90000"/>
+              </a:lnSpc>
+              <a:spcBef>
+                <a:spcPts val="1000"/>
+              </a:spcBef>
+              <a:buFont typeface="Arial" panose="020B0604020202020204" pitchFamily="34" charset="0"/>
+              <a:buChar char="•"/>
+              <a:defRPr sz="2800" kern="1200">
+                <a:solidFill>
+                  <a:schemeClr val="tx1"/>
+                </a:solidFill>
+                <a:latin typeface="+mn-lt"/>
+                <a:ea typeface="+mn-ea"/>
+                <a:cs typeface="+mn-cs"/>
+              </a:defRPr>
+            </a:lvl1pPr>
+            <a:lvl2pPr marL="685800" indent="-228600" algn="l" defTabSz="914400" rtl="0" eaLnBrk="1" latinLnBrk="0" hangingPunct="1">
+              <a:lnSpc>
+                <a:spcPct val="90000"/>
+              </a:lnSpc>
+              <a:spcBef>
+                <a:spcPts val="500"/>
+              </a:spcBef>
+              <a:buFont typeface="Arial" panose="020B0604020202020204" pitchFamily="34" charset="0"/>
+              <a:buChar char="•"/>
+              <a:defRPr sz="2400" kern="1200">
+                <a:solidFill>
+                  <a:schemeClr val="tx1"/>
+                </a:solidFill>
+                <a:latin typeface="+mn-lt"/>
+                <a:ea typeface="+mn-ea"/>
+                <a:cs typeface="+mn-cs"/>
+              </a:defRPr>
+            </a:lvl2pPr>
+            <a:lvl3pPr marL="1143000" indent="-228600" algn="l" defTabSz="914400" rtl="0" eaLnBrk="1" latinLnBrk="0" hangingPunct="1">
+              <a:lnSpc>
+                <a:spcPct val="90000"/>
+              </a:lnSpc>
+              <a:spcBef>
+                <a:spcPts val="500"/>
+              </a:spcBef>
+              <a:buFont typeface="Arial" panose="020B0604020202020204" pitchFamily="34" charset="0"/>
+              <a:buChar char="•"/>
+              <a:defRPr sz="2000" kern="1200">
+                <a:solidFill>
+                  <a:schemeClr val="tx1"/>
+                </a:solidFill>
+                <a:latin typeface="+mn-lt"/>
+                <a:ea typeface="+mn-ea"/>
+                <a:cs typeface="+mn-cs"/>
+              </a:defRPr>
+            </a:lvl3pPr>
+            <a:lvl4pPr marL="1600200" indent="-228600" algn="l" defTabSz="914400" rtl="0" eaLnBrk="1" latinLnBrk="0" hangingPunct="1">
+              <a:lnSpc>
+                <a:spcPct val="90000"/>
+              </a:lnSpc>
+              <a:spcBef>
+                <a:spcPts val="500"/>
+              </a:spcBef>
+              <a:buFont typeface="Arial" panose="020B0604020202020204" pitchFamily="34" charset="0"/>
+              <a:buChar char="•"/>
+              <a:defRPr sz="1800" kern="1200">
+                <a:solidFill>
+                  <a:schemeClr val="tx1"/>
+                </a:solidFill>
+                <a:latin typeface="+mn-lt"/>
+                <a:ea typeface="+mn-ea"/>
+                <a:cs typeface="+mn-cs"/>
+              </a:defRPr>
+            </a:lvl4pPr>
+            <a:lvl5pPr marL="2057400" indent="-228600" algn="l" defTabSz="914400" rtl="0" eaLnBrk="1" latinLnBrk="0" hangingPunct="1">
+              <a:lnSpc>
+                <a:spcPct val="90000"/>
+              </a:lnSpc>
+              <a:spcBef>
+                <a:spcPts val="500"/>
+              </a:spcBef>
+              <a:buFont typeface="Arial" panose="020B0604020202020204" pitchFamily="34" charset="0"/>
+              <a:buChar char="•"/>
+              <a:defRPr sz="1800" kern="1200">
+                <a:solidFill>
+                  <a:schemeClr val="tx1"/>
+                </a:solidFill>
+                <a:latin typeface="+mn-lt"/>
+                <a:ea typeface="+mn-ea"/>
+                <a:cs typeface="+mn-cs"/>
+              </a:defRPr>
+            </a:lvl5pPr>
+            <a:lvl6pPr marL="2514600" indent="-228600" algn="l" defTabSz="914400" rtl="0" eaLnBrk="1" latinLnBrk="0" hangingPunct="1">
+              <a:lnSpc>
+                <a:spcPct val="90000"/>
+              </a:lnSpc>
+              <a:spcBef>
+                <a:spcPts val="500"/>
+              </a:spcBef>
+              <a:buFont typeface="Arial" panose="020B0604020202020204" pitchFamily="34" charset="0"/>
+              <a:buChar char="•"/>
+              <a:defRPr sz="1800" kern="1200">
+                <a:solidFill>
+                  <a:schemeClr val="tx1"/>
+                </a:solidFill>
+                <a:latin typeface="+mn-lt"/>
+                <a:ea typeface="+mn-ea"/>
+                <a:cs typeface="+mn-cs"/>
+              </a:defRPr>
+            </a:lvl6pPr>
+            <a:lvl7pPr marL="2971800" indent="-228600" algn="l" defTabSz="914400" rtl="0" eaLnBrk="1" latinLnBrk="0" hangingPunct="1">
+              <a:lnSpc>
+                <a:spcPct val="90000"/>
+              </a:lnSpc>
+              <a:spcBef>
+                <a:spcPts val="500"/>
+              </a:spcBef>
+              <a:buFont typeface="Arial" panose="020B0604020202020204" pitchFamily="34" charset="0"/>
+              <a:buChar char="•"/>
+              <a:defRPr sz="1800" kern="1200">
+                <a:solidFill>
+                  <a:schemeClr val="tx1"/>
+                </a:solidFill>
+                <a:latin typeface="+mn-lt"/>
+                <a:ea typeface="+mn-ea"/>
+                <a:cs typeface="+mn-cs"/>
+              </a:defRPr>
+            </a:lvl7pPr>
+            <a:lvl8pPr marL="3429000" indent="-228600" algn="l" defTabSz="914400" rtl="0" eaLnBrk="1" latinLnBrk="0" hangingPunct="1">
+              <a:lnSpc>
+                <a:spcPct val="90000"/>
+              </a:lnSpc>
+              <a:spcBef>
+                <a:spcPts val="500"/>
+              </a:spcBef>
+              <a:buFont typeface="Arial" panose="020B0604020202020204" pitchFamily="34" charset="0"/>
+              <a:buChar char="•"/>
+              <a:defRPr sz="1800" kern="1200">
+                <a:solidFill>
+                  <a:schemeClr val="tx1"/>
+                </a:solidFill>
+                <a:latin typeface="+mn-lt"/>
+                <a:ea typeface="+mn-ea"/>
+                <a:cs typeface="+mn-cs"/>
+              </a:defRPr>
+            </a:lvl8pPr>
+            <a:lvl9pPr marL="3886200" indent="-228600" algn="l" defTabSz="914400" rtl="0" eaLnBrk="1" latinLnBrk="0" hangingPunct="1">
+              <a:lnSpc>
+                <a:spcPct val="90000"/>
+              </a:lnSpc>
+              <a:spcBef>
+                <a:spcPts val="500"/>
+              </a:spcBef>
+              <a:buFont typeface="Arial" panose="020B0604020202020204" pitchFamily="34" charset="0"/>
+              <a:buChar char="•"/>
+              <a:defRPr sz="1800" kern="1200">
+                <a:solidFill>
+                  <a:schemeClr val="tx1"/>
+                </a:solidFill>
+                <a:latin typeface="+mn-lt"/>
+                <a:ea typeface="+mn-ea"/>
+                <a:cs typeface="+mn-cs"/>
+              </a:defRPr>
+            </a:lvl9pPr>
+          </a:lstStyle>
+          <a:p>
+            <a:r>
+              <a:rPr lang="en-US" sz="4200" smtClean="0"/>
+              <a:t>Automatic export of log file on error:</a:t>
+            </a:r>
+          </a:p>
+          <a:p>
+            <a:pPr marL="0" indent="0">
+              <a:buFont typeface="Arial" panose="020B0604020202020204" pitchFamily="34" charset="0"/>
+              <a:buNone/>
+            </a:pPr>
+            <a:r>
+              <a:rPr lang="en-US" smtClean="0"/>
+              <a:t>onError: function(exportLog, suppressErrorAlerts, errorCallback) {</a:t>
+            </a:r>
+          </a:p>
+          <a:p>
+            <a:pPr marL="0" indent="0">
+              <a:buFont typeface="Arial" panose="020B0604020202020204" pitchFamily="34" charset="0"/>
+              <a:buNone/>
+            </a:pPr>
+            <a:r>
+              <a:rPr lang="en-US" smtClean="0"/>
+              <a:t>            var me = this,</a:t>
+            </a:r>
+          </a:p>
+          <a:p>
+            <a:pPr marL="0" indent="0">
+              <a:buFont typeface="Arial" panose="020B0604020202020204" pitchFamily="34" charset="0"/>
+              <a:buNone/>
+            </a:pPr>
+            <a:r>
+              <a:rPr lang="en-US" smtClean="0"/>
+              <a:t>                errorMessage = '';</a:t>
+            </a:r>
+          </a:p>
+          <a:p>
+            <a:pPr marL="0" indent="0">
+              <a:buFont typeface="Arial" panose="020B0604020202020204" pitchFamily="34" charset="0"/>
+              <a:buNone/>
+            </a:pPr>
+            <a:r>
+              <a:rPr lang="en-US" smtClean="0"/>
+              <a:t>            if (typeof errorCallback !== 'undefined') {</a:t>
+            </a:r>
+          </a:p>
+          <a:p>
+            <a:pPr marL="0" indent="0">
+              <a:buFont typeface="Arial" panose="020B0604020202020204" pitchFamily="34" charset="0"/>
+              <a:buNone/>
+            </a:pPr>
+            <a:r>
+              <a:rPr lang="en-US" smtClean="0"/>
+              <a:t>                window.onerror = errorCallback;</a:t>
+            </a:r>
+          </a:p>
+          <a:p>
+            <a:pPr marL="0" indent="0">
+              <a:buFont typeface="Arial" panose="020B0604020202020204" pitchFamily="34" charset="0"/>
+              <a:buNone/>
+            </a:pPr>
+            <a:r>
+              <a:rPr lang="en-US" smtClean="0"/>
+              <a:t>            } else if (exportLog &amp;&amp; typeof errorCallback === 'undefined') {</a:t>
+            </a:r>
+          </a:p>
+          <a:p>
+            <a:pPr marL="0" indent="0">
+              <a:buFont typeface="Arial" panose="020B0604020202020204" pitchFamily="34" charset="0"/>
+              <a:buNone/>
+            </a:pPr>
+            <a:r>
+              <a:rPr lang="en-US" smtClean="0"/>
+              <a:t>                window.onerror = function (errorMsg, url, lineNumber) {</a:t>
+            </a:r>
+          </a:p>
+          <a:p>
+            <a:pPr marL="0" indent="0">
+              <a:buFont typeface="Arial" panose="020B0604020202020204" pitchFamily="34" charset="0"/>
+              <a:buNone/>
+            </a:pPr>
+            <a:r>
+              <a:rPr lang="en-US" smtClean="0"/>
+              <a:t>                    errorMessage = errorMsg + ' at line: ' + lineNumber + ' in ' + url;</a:t>
+            </a:r>
+          </a:p>
+          <a:p>
+            <a:pPr marL="0" indent="0">
+              <a:buFont typeface="Arial" panose="020B0604020202020204" pitchFamily="34" charset="0"/>
+              <a:buNone/>
+            </a:pPr>
+            <a:r>
+              <a:rPr lang="en-US" smtClean="0"/>
+              <a:t>                    me.log(me.level.Error, errorMessage, me.location.All);</a:t>
+            </a:r>
+          </a:p>
+          <a:p>
+            <a:pPr marL="0" indent="0">
+              <a:buFont typeface="Arial" panose="020B0604020202020204" pitchFamily="34" charset="0"/>
+              <a:buNone/>
+            </a:pPr>
+            <a:r>
+              <a:rPr lang="en-US" smtClean="0"/>
+              <a:t>                    me.exportLog();</a:t>
+            </a:r>
+          </a:p>
+          <a:p>
+            <a:pPr marL="0" indent="0">
+              <a:buFont typeface="Arial" panose="020B0604020202020204" pitchFamily="34" charset="0"/>
+              <a:buNone/>
+            </a:pPr>
+            <a:r>
+              <a:rPr lang="en-US" smtClean="0"/>
+              <a:t>                    return suppressErrorAlerts;</a:t>
+            </a:r>
+          </a:p>
+          <a:p>
+            <a:pPr marL="0" indent="0">
+              <a:buFont typeface="Arial" panose="020B0604020202020204" pitchFamily="34" charset="0"/>
+              <a:buNone/>
+            </a:pPr>
+            <a:r>
+              <a:rPr lang="en-US" smtClean="0"/>
+              <a:t>                }</a:t>
+            </a:r>
+          </a:p>
+          <a:p>
+            <a:pPr marL="0" indent="0">
+              <a:buFont typeface="Arial" panose="020B0604020202020204" pitchFamily="34" charset="0"/>
+              <a:buNone/>
+            </a:pPr>
+            <a:r>
+              <a:rPr lang="en-US" smtClean="0"/>
+              <a:t>            } else {</a:t>
+            </a:r>
+          </a:p>
+          <a:p>
+            <a:pPr marL="0" indent="0">
+              <a:buFont typeface="Arial" panose="020B0604020202020204" pitchFamily="34" charset="0"/>
+              <a:buNone/>
+            </a:pPr>
+            <a:r>
+              <a:rPr lang="en-US" smtClean="0"/>
+              <a:t>                me.resetWindowErrorHandler();</a:t>
+            </a:r>
+          </a:p>
+          <a:p>
+            <a:pPr marL="0" indent="0">
+              <a:buFont typeface="Arial" panose="020B0604020202020204" pitchFamily="34" charset="0"/>
+              <a:buNone/>
+            </a:pPr>
+            <a:r>
+              <a:rPr lang="en-US" smtClean="0"/>
+              <a:t>            }</a:t>
+            </a:r>
+          </a:p>
+          <a:p>
+            <a:pPr marL="0" indent="0">
+              <a:buFont typeface="Arial" panose="020B0604020202020204" pitchFamily="34" charset="0"/>
+              <a:buNone/>
+            </a:pPr>
+            <a:r>
+              <a:rPr lang="en-US" smtClean="0"/>
+              <a:t>        }</a:t>
+            </a:r>
+            <a:endParaRPr lang="en-US" dirty="0"/>
+          </a:p>
+        </p:txBody>
+      </p:sp>
+      <p:sp>
+        <p:nvSpPr>
+          <p:cNvPr id="5" name="Title 1"/>
+          <p:cNvSpPr txBox="1">
+            <a:spLocks/>
+          </p:cNvSpPr>
+          <p:nvPr/>
+        </p:nvSpPr>
+        <p:spPr>
+          <a:xfrm>
+            <a:off x="847725" y="165101"/>
+            <a:ext cx="10515600" cy="884720"/>
+          </a:xfrm>
+          <a:prstGeom prst="rect">
+            <a:avLst/>
+          </a:prstGeom>
+        </p:spPr>
         <p:txBody>
           <a:bodyPr/>
-          <a:lstStyle/>
-          <a:p>
-            <a:r>
-              <a:rPr lang="en-US" dirty="0" smtClean="0"/>
+          <a:lstStyle>
+            <a:lvl1pPr algn="l" defTabSz="914400" rtl="0" eaLnBrk="1" latinLnBrk="0" hangingPunct="1">
+              <a:lnSpc>
+                <a:spcPct val="90000"/>
+              </a:lnSpc>
+              <a:spcBef>
+                <a:spcPct val="0"/>
+              </a:spcBef>
+              <a:buNone/>
+              <a:defRPr sz="4400" kern="1200">
+                <a:solidFill>
+                  <a:schemeClr val="tx1"/>
+                </a:solidFill>
+                <a:latin typeface="+mj-lt"/>
+                <a:ea typeface="+mj-ea"/>
+                <a:cs typeface="+mj-cs"/>
+              </a:defRPr>
+            </a:lvl1pPr>
+          </a:lstStyle>
+          <a:p>
+            <a:r>
+              <a:rPr lang="en-US" smtClean="0"/>
               <a:t>Implementation highlights</a:t>
             </a:r>
             <a:endParaRPr lang="en-US" dirty="0"/>
           </a:p>
         </p:txBody>
       </p:sp>
-      <p:sp>
-        <p:nvSpPr>
-          <p:cNvPr id="3" name="Content Placeholder 2"/>
-          <p:cNvSpPr>
-            <a:spLocks noGrp="1"/>
-          </p:cNvSpPr>
-          <p:nvPr>
-            <p:ph idx="1"/>
-          </p:nvPr>
-        </p:nvSpPr>
-        <p:spPr/>
-        <p:txBody>
-          <a:bodyPr>
-            <a:normAutofit fontScale="92500" lnSpcReduction="10000"/>
-          </a:bodyPr>
-          <a:lstStyle/>
-          <a:p>
-            <a:r>
-              <a:rPr lang="en-US" dirty="0" smtClean="0"/>
-              <a:t>Avoid using 3</a:t>
-            </a:r>
-            <a:r>
-              <a:rPr lang="en-US" baseline="30000" dirty="0" smtClean="0"/>
-              <a:t>rd</a:t>
-            </a:r>
-            <a:r>
-              <a:rPr lang="en-US" dirty="0" smtClean="0"/>
-              <a:t> party libraries for saving files on the client side by using blob </a:t>
-            </a:r>
-            <a:r>
-              <a:rPr lang="en-US" dirty="0" err="1" smtClean="0"/>
-              <a:t>urls</a:t>
-            </a:r>
-            <a:r>
-              <a:rPr lang="en-US" dirty="0" smtClean="0"/>
-              <a:t>:</a:t>
-            </a:r>
-          </a:p>
-          <a:p>
-            <a:pPr marL="0" indent="0">
-              <a:buNone/>
-            </a:pPr>
-            <a:r>
-              <a:rPr lang="en-US" dirty="0" err="1" smtClean="0"/>
-              <a:t>saveToDisk</a:t>
-            </a:r>
-            <a:r>
-              <a:rPr lang="en-US" dirty="0" smtClean="0"/>
-              <a:t>: function(content, filename) {</a:t>
-            </a:r>
-          </a:p>
-          <a:p>
-            <a:pPr marL="0" indent="0">
-              <a:buNone/>
-            </a:pPr>
-            <a:r>
-              <a:rPr lang="en-US" dirty="0" smtClean="0"/>
-              <a:t>            </a:t>
-            </a:r>
-            <a:r>
-              <a:rPr lang="en-US" dirty="0" err="1" smtClean="0"/>
-              <a:t>var</a:t>
-            </a:r>
-            <a:r>
-              <a:rPr lang="en-US" dirty="0" smtClean="0"/>
-              <a:t> a = </a:t>
-            </a:r>
-            <a:r>
-              <a:rPr lang="en-US" dirty="0" err="1" smtClean="0"/>
-              <a:t>document.createElement</a:t>
-            </a:r>
-            <a:r>
-              <a:rPr lang="en-US" dirty="0" smtClean="0"/>
-              <a:t>('a'),</a:t>
-            </a:r>
-          </a:p>
-          <a:p>
-            <a:pPr marL="0" indent="0">
-              <a:buNone/>
-            </a:pPr>
-            <a:r>
-              <a:rPr lang="en-US" dirty="0" smtClean="0"/>
-              <a:t>                blob = new Blob([content], {'type' : 'application/octet-stream'});</a:t>
-            </a:r>
-          </a:p>
-          <a:p>
-            <a:pPr marL="0" indent="0">
-              <a:buNone/>
-            </a:pPr>
-            <a:endParaRPr lang="en-US" dirty="0" smtClean="0"/>
-          </a:p>
-          <a:p>
-            <a:pPr marL="0" indent="0">
-              <a:buNone/>
-            </a:pPr>
-            <a:r>
-              <a:rPr lang="en-US" dirty="0" smtClean="0"/>
-              <a:t>            </a:t>
-            </a:r>
-            <a:r>
-              <a:rPr lang="en-US" dirty="0" err="1" smtClean="0"/>
-              <a:t>a.href</a:t>
-            </a:r>
-            <a:r>
-              <a:rPr lang="en-US" dirty="0" smtClean="0"/>
-              <a:t> = </a:t>
-            </a:r>
-            <a:r>
-              <a:rPr lang="en-US" dirty="0" err="1" smtClean="0"/>
-              <a:t>window.URL.createObjectURL</a:t>
-            </a:r>
-            <a:r>
-              <a:rPr lang="en-US" dirty="0" smtClean="0"/>
-              <a:t>(blob);</a:t>
-            </a:r>
-          </a:p>
-          <a:p>
-            <a:pPr marL="0" indent="0">
-              <a:buNone/>
-            </a:pPr>
-            <a:r>
-              <a:rPr lang="en-US" dirty="0" smtClean="0"/>
-              <a:t>            </a:t>
-            </a:r>
-            <a:r>
-              <a:rPr lang="en-US" dirty="0" err="1" smtClean="0"/>
-              <a:t>a.download</a:t>
-            </a:r>
-            <a:r>
-              <a:rPr lang="en-US" dirty="0" smtClean="0"/>
-              <a:t> = filename;</a:t>
-            </a:r>
-          </a:p>
-          <a:p>
-            <a:pPr marL="0" indent="0">
-              <a:buNone/>
-            </a:pPr>
-            <a:r>
-              <a:rPr lang="en-US" dirty="0" smtClean="0"/>
-              <a:t>            </a:t>
-            </a:r>
-            <a:r>
-              <a:rPr lang="en-US" dirty="0" err="1" smtClean="0"/>
-              <a:t>a.click</a:t>
-            </a:r>
-            <a:r>
-              <a:rPr lang="en-US" dirty="0" smtClean="0"/>
-              <a:t>();</a:t>
-            </a:r>
-          </a:p>
-          <a:p>
-            <a:pPr marL="0" indent="0">
-              <a:buNone/>
-            </a:pPr>
-            <a:r>
-              <a:rPr lang="en-US" dirty="0" smtClean="0"/>
-              <a:t>}</a:t>
-            </a:r>
-            <a:endParaRPr lang="en-US" dirty="0"/>
-          </a:p>
-        </p:txBody>
-      </p:sp>
     </p:spTree>
-    <p:extLst>
-      <p:ext uri="{BB962C8B-B14F-4D97-AF65-F5344CB8AC3E}">
-        <p14:creationId xmlns:p14="http://schemas.microsoft.com/office/powerpoint/2010/main" val="372949155"/>
-      </p:ext>
-    </p:extLst>
   </p:cSld>
   <p:clrMapOvr>
     <a:masterClrMapping/>
@@ -4649,22 +5062,46 @@
       </p:grpSpPr>
       <p:sp>
         <p:nvSpPr>
-          <p:cNvPr id="2" name="Title 1"/>
-          <p:cNvSpPr>
-            <a:spLocks noGrp="1"/>
-          </p:cNvSpPr>
-          <p:nvPr>
-            <p:ph type="title"/>
-          </p:nvPr>
-        </p:nvSpPr>
-        <p:spPr/>
+          <p:cNvPr id="4" name="Title 1"/>
+          <p:cNvSpPr txBox="1">
+            <a:spLocks/>
+          </p:cNvSpPr>
+          <p:nvPr/>
+        </p:nvSpPr>
+        <p:spPr>
+          <a:xfrm>
+            <a:off x="838200" y="193675"/>
+            <a:ext cx="10515600" cy="1325563"/>
+          </a:xfrm>
+          <a:prstGeom prst="rect">
+            <a:avLst/>
+          </a:prstGeom>
+        </p:spPr>
         <p:txBody>
           <a:bodyPr/>
-          <a:lstStyle/>
-          <a:p>
-            <a:r>
-              <a:rPr lang="en-US" dirty="0" smtClean="0"/>
-              <a:t>How is it different?</a:t>
+          <a:lstStyle>
+            <a:lvl1pPr algn="l" defTabSz="914400" rtl="0" eaLnBrk="1" latinLnBrk="0" hangingPunct="1">
+              <a:lnSpc>
+                <a:spcPct val="90000"/>
+              </a:lnSpc>
+              <a:spcBef>
+                <a:spcPct val="0"/>
+              </a:spcBef>
+              <a:buNone/>
+              <a:defRPr sz="4400" kern="1200">
+                <a:solidFill>
+                  <a:schemeClr val="tx1"/>
+                </a:solidFill>
+                <a:latin typeface="+mj-lt"/>
+                <a:ea typeface="+mj-ea"/>
+                <a:cs typeface="+mj-cs"/>
+              </a:defRPr>
+            </a:lvl1pPr>
+          </a:lstStyle>
+          <a:p>
+            <a:r>
+              <a:rPr lang="en-US" smtClean="0"/>
+              <a:t>Implementation highlights</a:t>
             </a:r>
             <a:endParaRPr lang="en-US" dirty="0"/>
           </a:p>
@@ -4672,69 +5109,284 @@
       </p:sp>
       <p:sp>
         <p:nvSpPr>
-          <p:cNvPr id="3" name="Content Placeholder 2"/>
-          <p:cNvSpPr>
-            <a:spLocks noGrp="1"/>
-          </p:cNvSpPr>
-          <p:nvPr>
-            <p:ph idx="1"/>
-          </p:nvPr>
-        </p:nvSpPr>
-        <p:spPr/>
-        <p:txBody>
-          <a:bodyPr/>
-          <a:lstStyle/>
-          <a:p>
-            <a:r>
-              <a:rPr lang="en-US" dirty="0" smtClean="0"/>
-              <a:t>There are other JavaScript logging libraries such as </a:t>
-            </a:r>
-            <a:r>
-              <a:rPr lang="en-US" dirty="0" err="1" smtClean="0"/>
-              <a:t>loglevel</a:t>
-            </a:r>
-            <a:r>
-              <a:rPr lang="en-US" dirty="0" smtClean="0"/>
-              <a:t>, log4js, log4javascript, but they either do not support saving the logs on the client’s machine or they need ActiveX, </a:t>
-            </a:r>
-            <a:r>
-              <a:rPr lang="en-US" dirty="0" err="1" smtClean="0"/>
-              <a:t>XPCom</a:t>
-            </a:r>
-            <a:r>
-              <a:rPr lang="en-US" dirty="0" smtClean="0"/>
-              <a:t>.</a:t>
-            </a:r>
-          </a:p>
-          <a:p>
-            <a:r>
-              <a:rPr lang="en-US" dirty="0" smtClean="0"/>
-              <a:t>134 lines of code (</a:t>
-            </a:r>
-            <a:r>
-              <a:rPr lang="en-US" dirty="0" err="1" smtClean="0"/>
-              <a:t>whitelines</a:t>
-            </a:r>
-            <a:r>
-              <a:rPr lang="en-US" dirty="0" smtClean="0"/>
-              <a:t> included) to answer several questions on stackoverflow.com</a:t>
-            </a:r>
-          </a:p>
-          <a:p>
-            <a:r>
-              <a:rPr lang="en-US" dirty="0" smtClean="0"/>
-              <a:t>1022 bytes minified and zipped</a:t>
+          <p:cNvPr id="5" name="Content Placeholder 2"/>
+          <p:cNvSpPr txBox="1">
+            <a:spLocks/>
+          </p:cNvSpPr>
+          <p:nvPr/>
+        </p:nvSpPr>
+        <p:spPr>
+          <a:xfrm>
+            <a:off x="838200" y="1654175"/>
+            <a:ext cx="10515600" cy="4351338"/>
+          </a:xfrm>
+          <a:prstGeom prst="rect">
+            <a:avLst/>
+          </a:prstGeom>
+        </p:spPr>
+        <p:txBody>
+          <a:bodyPr>
+            <a:normAutofit fontScale="92500" lnSpcReduction="10000"/>
+          </a:bodyPr>
+          <a:lstStyle>
+            <a:lvl1pPr marL="228600" indent="-228600" algn="l" defTabSz="914400" rtl="0" eaLnBrk="1" latinLnBrk="0" hangingPunct="1">
+              <a:lnSpc>
+                <a:spcPct val="90000"/>
+              </a:lnSpc>
+              <a:spcBef>
+                <a:spcPts val="1000"/>
+              </a:spcBef>
+              <a:buFont typeface="Arial" panose="020B0604020202020204" pitchFamily="34" charset="0"/>
+              <a:buChar char="•"/>
+              <a:defRPr sz="2800" kern="1200">
+                <a:solidFill>
+                  <a:schemeClr val="tx1"/>
+                </a:solidFill>
+                <a:latin typeface="+mn-lt"/>
+                <a:ea typeface="+mn-ea"/>
+                <a:cs typeface="+mn-cs"/>
+              </a:defRPr>
+            </a:lvl1pPr>
+            <a:lvl2pPr marL="685800" indent="-228600" algn="l" defTabSz="914400" rtl="0" eaLnBrk="1" latinLnBrk="0" hangingPunct="1">
+              <a:lnSpc>
+                <a:spcPct val="90000"/>
+              </a:lnSpc>
+              <a:spcBef>
+                <a:spcPts val="500"/>
+              </a:spcBef>
+              <a:buFont typeface="Arial" panose="020B0604020202020204" pitchFamily="34" charset="0"/>
+              <a:buChar char="•"/>
+              <a:defRPr sz="2400" kern="1200">
+                <a:solidFill>
+                  <a:schemeClr val="tx1"/>
+                </a:solidFill>
+                <a:latin typeface="+mn-lt"/>
+                <a:ea typeface="+mn-ea"/>
+                <a:cs typeface="+mn-cs"/>
+              </a:defRPr>
+            </a:lvl2pPr>
+            <a:lvl3pPr marL="1143000" indent="-228600" algn="l" defTabSz="914400" rtl="0" eaLnBrk="1" latinLnBrk="0" hangingPunct="1">
+              <a:lnSpc>
+                <a:spcPct val="90000"/>
+              </a:lnSpc>
+              <a:spcBef>
+                <a:spcPts val="500"/>
+              </a:spcBef>
+              <a:buFont typeface="Arial" panose="020B0604020202020204" pitchFamily="34" charset="0"/>
+              <a:buChar char="•"/>
+              <a:defRPr sz="2000" kern="1200">
+                <a:solidFill>
+                  <a:schemeClr val="tx1"/>
+                </a:solidFill>
+                <a:latin typeface="+mn-lt"/>
+                <a:ea typeface="+mn-ea"/>
+                <a:cs typeface="+mn-cs"/>
+              </a:defRPr>
+            </a:lvl3pPr>
+            <a:lvl4pPr marL="1600200" indent="-228600" algn="l" defTabSz="914400" rtl="0" eaLnBrk="1" latinLnBrk="0" hangingPunct="1">
+              <a:lnSpc>
+                <a:spcPct val="90000"/>
+              </a:lnSpc>
+              <a:spcBef>
+                <a:spcPts val="500"/>
+              </a:spcBef>
+              <a:buFont typeface="Arial" panose="020B0604020202020204" pitchFamily="34" charset="0"/>
+              <a:buChar char="•"/>
+              <a:defRPr sz="1800" kern="1200">
+                <a:solidFill>
+                  <a:schemeClr val="tx1"/>
+                </a:solidFill>
+                <a:latin typeface="+mn-lt"/>
+                <a:ea typeface="+mn-ea"/>
+                <a:cs typeface="+mn-cs"/>
+              </a:defRPr>
+            </a:lvl4pPr>
+            <a:lvl5pPr marL="2057400" indent="-228600" algn="l" defTabSz="914400" rtl="0" eaLnBrk="1" latinLnBrk="0" hangingPunct="1">
+              <a:lnSpc>
+                <a:spcPct val="90000"/>
+              </a:lnSpc>
+              <a:spcBef>
+                <a:spcPts val="500"/>
+              </a:spcBef>
+              <a:buFont typeface="Arial" panose="020B0604020202020204" pitchFamily="34" charset="0"/>
+              <a:buChar char="•"/>
+              <a:defRPr sz="1800" kern="1200">
+                <a:solidFill>
+                  <a:schemeClr val="tx1"/>
+                </a:solidFill>
+                <a:latin typeface="+mn-lt"/>
+                <a:ea typeface="+mn-ea"/>
+                <a:cs typeface="+mn-cs"/>
+              </a:defRPr>
+            </a:lvl5pPr>
+            <a:lvl6pPr marL="2514600" indent="-228600" algn="l" defTabSz="914400" rtl="0" eaLnBrk="1" latinLnBrk="0" hangingPunct="1">
+              <a:lnSpc>
+                <a:spcPct val="90000"/>
+              </a:lnSpc>
+              <a:spcBef>
+                <a:spcPts val="500"/>
+              </a:spcBef>
+              <a:buFont typeface="Arial" panose="020B0604020202020204" pitchFamily="34" charset="0"/>
+              <a:buChar char="•"/>
+              <a:defRPr sz="1800" kern="1200">
+                <a:solidFill>
+                  <a:schemeClr val="tx1"/>
+                </a:solidFill>
+                <a:latin typeface="+mn-lt"/>
+                <a:ea typeface="+mn-ea"/>
+                <a:cs typeface="+mn-cs"/>
+              </a:defRPr>
+            </a:lvl6pPr>
+            <a:lvl7pPr marL="2971800" indent="-228600" algn="l" defTabSz="914400" rtl="0" eaLnBrk="1" latinLnBrk="0" hangingPunct="1">
+              <a:lnSpc>
+                <a:spcPct val="90000"/>
+              </a:lnSpc>
+              <a:spcBef>
+                <a:spcPts val="500"/>
+              </a:spcBef>
+              <a:buFont typeface="Arial" panose="020B0604020202020204" pitchFamily="34" charset="0"/>
+              <a:buChar char="•"/>
+              <a:defRPr sz="1800" kern="1200">
+                <a:solidFill>
+                  <a:schemeClr val="tx1"/>
+                </a:solidFill>
+                <a:latin typeface="+mn-lt"/>
+                <a:ea typeface="+mn-ea"/>
+                <a:cs typeface="+mn-cs"/>
+              </a:defRPr>
+            </a:lvl7pPr>
+            <a:lvl8pPr marL="3429000" indent="-228600" algn="l" defTabSz="914400" rtl="0" eaLnBrk="1" latinLnBrk="0" hangingPunct="1">
+              <a:lnSpc>
+                <a:spcPct val="90000"/>
+              </a:lnSpc>
+              <a:spcBef>
+                <a:spcPts val="500"/>
+              </a:spcBef>
+              <a:buFont typeface="Arial" panose="020B0604020202020204" pitchFamily="34" charset="0"/>
+              <a:buChar char="•"/>
+              <a:defRPr sz="1800" kern="1200">
+                <a:solidFill>
+                  <a:schemeClr val="tx1"/>
+                </a:solidFill>
+                <a:latin typeface="+mn-lt"/>
+                <a:ea typeface="+mn-ea"/>
+                <a:cs typeface="+mn-cs"/>
+              </a:defRPr>
+            </a:lvl8pPr>
+            <a:lvl9pPr marL="3886200" indent="-228600" algn="l" defTabSz="914400" rtl="0" eaLnBrk="1" latinLnBrk="0" hangingPunct="1">
+              <a:lnSpc>
+                <a:spcPct val="90000"/>
+              </a:lnSpc>
+              <a:spcBef>
+                <a:spcPts val="500"/>
+              </a:spcBef>
+              <a:buFont typeface="Arial" panose="020B0604020202020204" pitchFamily="34" charset="0"/>
+              <a:buChar char="•"/>
+              <a:defRPr sz="1800" kern="1200">
+                <a:solidFill>
+                  <a:schemeClr val="tx1"/>
+                </a:solidFill>
+                <a:latin typeface="+mn-lt"/>
+                <a:ea typeface="+mn-ea"/>
+                <a:cs typeface="+mn-cs"/>
+              </a:defRPr>
+            </a:lvl9pPr>
+          </a:lstStyle>
+          <a:p>
+            <a:r>
+              <a:rPr lang="en-US" smtClean="0"/>
+              <a:t>Avoid using 3</a:t>
+            </a:r>
+            <a:r>
+              <a:rPr lang="en-US" baseline="30000" smtClean="0"/>
+              <a:t>rd</a:t>
+            </a:r>
+            <a:r>
+              <a:rPr lang="en-US" smtClean="0"/>
+              <a:t> party libraries for saving files on the client side by using blob urls:</a:t>
+            </a:r>
+          </a:p>
+          <a:p>
+            <a:pPr marL="0" indent="0">
+              <a:buFont typeface="Arial" panose="020B0604020202020204" pitchFamily="34" charset="0"/>
+              <a:buNone/>
+            </a:pPr>
+            <a:r>
+              <a:rPr lang="en-US" smtClean="0"/>
+              <a:t>saveToDisk: function(content, filename) {</a:t>
+            </a:r>
+          </a:p>
+          <a:p>
+            <a:pPr marL="0" indent="0">
+              <a:buFont typeface="Arial" panose="020B0604020202020204" pitchFamily="34" charset="0"/>
+              <a:buNone/>
+            </a:pPr>
+            <a:r>
+              <a:rPr lang="en-US" smtClean="0"/>
+              <a:t>            var a = document.createElement('a'),</a:t>
+            </a:r>
+          </a:p>
+          <a:p>
+            <a:pPr marL="0" indent="0">
+              <a:buFont typeface="Arial" panose="020B0604020202020204" pitchFamily="34" charset="0"/>
+              <a:buNone/>
+            </a:pPr>
+            <a:r>
+              <a:rPr lang="en-US" smtClean="0"/>
+              <a:t>                blob = new Blob([content], {'type' : 'application/octet-stream'});</a:t>
+            </a:r>
+          </a:p>
+          <a:p>
+            <a:pPr marL="0" indent="0">
+              <a:buFont typeface="Arial" panose="020B0604020202020204" pitchFamily="34" charset="0"/>
+              <a:buNone/>
+            </a:pPr>
+            <a:endParaRPr lang="en-US" smtClean="0"/>
+          </a:p>
+          <a:p>
+            <a:pPr marL="0" indent="0">
+              <a:buFont typeface="Arial" panose="020B0604020202020204" pitchFamily="34" charset="0"/>
+              <a:buNone/>
+            </a:pPr>
+            <a:r>
+              <a:rPr lang="en-US" smtClean="0"/>
+              <a:t>            a.href = window.URL.createObjectURL(blob);</a:t>
+            </a:r>
+          </a:p>
+          <a:p>
+            <a:pPr marL="0" indent="0">
+              <a:buFont typeface="Arial" panose="020B0604020202020204" pitchFamily="34" charset="0"/>
+              <a:buNone/>
+            </a:pPr>
+            <a:r>
+              <a:rPr lang="en-US" smtClean="0"/>
+              <a:t>            a.download = filename;</a:t>
+            </a:r>
+          </a:p>
+          <a:p>
+            <a:pPr marL="0" indent="0">
+              <a:buFont typeface="Arial" panose="020B0604020202020204" pitchFamily="34" charset="0"/>
+              <a:buNone/>
+            </a:pPr>
+            <a:r>
+              <a:rPr lang="en-US" smtClean="0"/>
+              <a:t>            a.click();</a:t>
+            </a:r>
+          </a:p>
+          <a:p>
+            <a:pPr marL="0" indent="0">
+              <a:buFont typeface="Arial" panose="020B0604020202020204" pitchFamily="34" charset="0"/>
+              <a:buNone/>
+            </a:pPr>
+            <a:r>
+              <a:rPr lang="en-US" smtClean="0"/>
+              <a:t>}</a:t>
             </a:r>
             <a:endParaRPr lang="en-US" dirty="0"/>
           </a:p>
         </p:txBody>
       </p:sp>
     </p:spTree>
-    <p:extLst>
-      <p:ext uri="{BB962C8B-B14F-4D97-AF65-F5344CB8AC3E}">
-        <p14:creationId xmlns:p14="http://schemas.microsoft.com/office/powerpoint/2010/main" val="3188559868"/>
-      </p:ext>
-    </p:extLst>
   </p:cSld>
   <p:clrMapOvr>
     <a:masterClrMapping/>
@@ -4768,205 +5420,256 @@
       </p:grpSpPr>
       <p:sp>
         <p:nvSpPr>
-          <p:cNvPr id="2" name="Title 1"/>
-          <p:cNvSpPr>
-            <a:spLocks noGrp="1"/>
-          </p:cNvSpPr>
-          <p:nvPr>
-            <p:ph type="title"/>
-          </p:nvPr>
-        </p:nvSpPr>
-        <p:spPr/>
-        <p:txBody>
-          <a:bodyPr/>
-          <a:lstStyle/>
-          <a:p>
-            <a:r>
-              <a:rPr lang="en-US" dirty="0" smtClean="0"/>
-              <a:t>Next steps</a:t>
-            </a:r>
-            <a:endParaRPr lang="en-US" dirty="0"/>
-          </a:p>
-        </p:txBody>
-      </p:sp>
-      <p:sp>
-        <p:nvSpPr>
-          <p:cNvPr id="5" name="TextBox 4"/>
-          <p:cNvSpPr txBox="1"/>
+          <p:cNvPr id="4" name="Title 1"/>
+          <p:cNvSpPr txBox="1">
+            <a:spLocks/>
+          </p:cNvSpPr>
           <p:nvPr/>
         </p:nvSpPr>
         <p:spPr>
           <a:xfrm>
-            <a:off x="940125" y="2465973"/>
-            <a:ext cx="7035800" cy="3662541"/>
-          </a:xfrm>
-          <a:prstGeom prst="rect">
-            <a:avLst/>
-          </a:prstGeom>
-          <a:noFill/>
-        </p:spPr>
-        <p:txBody>
-          <a:bodyPr wrap="square" rtlCol="0">
-            <a:spAutoFit/>
-          </a:bodyPr>
-          <a:lstStyle/>
-          <a:p>
-            <a:pPr marL="285750" indent="-285750">
-              <a:buFont typeface="Arial" panose="020B0604020202020204" pitchFamily="34" charset="0"/>
-              <a:buChar char="•"/>
-            </a:pPr>
-            <a:r>
-              <a:rPr lang="en-US" sz="2800" dirty="0" smtClean="0"/>
-              <a:t>Saving the logs directly on the server</a:t>
-            </a:r>
-          </a:p>
-          <a:p>
-            <a:pPr marL="285750" indent="-285750">
-              <a:buFont typeface="Arial" panose="020B0604020202020204" pitchFamily="34" charset="0"/>
-              <a:buChar char="•"/>
-            </a:pPr>
-            <a:r>
-              <a:rPr lang="en-US" sz="2800" dirty="0" smtClean="0"/>
-              <a:t>Set maximum number of recorded events</a:t>
-            </a:r>
-          </a:p>
-          <a:p>
-            <a:pPr marL="285750" indent="-285750">
-              <a:buFont typeface="Arial" panose="020B0604020202020204" pitchFamily="34" charset="0"/>
-              <a:buChar char="•"/>
-            </a:pPr>
-            <a:r>
-              <a:rPr lang="en-US" sz="2800" dirty="0" smtClean="0"/>
-              <a:t>Customize the generated file name</a:t>
-            </a:r>
-          </a:p>
-          <a:p>
-            <a:pPr marL="285750" indent="-285750">
-              <a:buFont typeface="Arial" panose="020B0604020202020204" pitchFamily="34" charset="0"/>
-              <a:buChar char="•"/>
-            </a:pPr>
-            <a:r>
-              <a:rPr lang="en-US" sz="2800" dirty="0" smtClean="0"/>
-              <a:t>Add </a:t>
-            </a:r>
-            <a:r>
-              <a:rPr lang="en-US" sz="2800" dirty="0" err="1" smtClean="0"/>
-              <a:t>stacktrace</a:t>
-            </a:r>
-            <a:endParaRPr lang="en-US" sz="2800" dirty="0" smtClean="0"/>
-          </a:p>
-          <a:p>
-            <a:pPr marL="285750" indent="-285750">
-              <a:buFont typeface="Arial" panose="020B0604020202020204" pitchFamily="34" charset="0"/>
-              <a:buChar char="•"/>
-            </a:pPr>
-            <a:r>
-              <a:rPr lang="en-US" sz="2800" dirty="0" smtClean="0"/>
-              <a:t>Use </a:t>
-            </a:r>
-            <a:r>
-              <a:rPr lang="en-US" sz="2800" dirty="0" err="1" smtClean="0"/>
-              <a:t>websockets</a:t>
-            </a:r>
-            <a:r>
-              <a:rPr lang="en-US" sz="2800" dirty="0" smtClean="0"/>
-              <a:t> to “supervise” </a:t>
-            </a:r>
-            <a:r>
-              <a:rPr lang="en-US" sz="2800" dirty="0" smtClean="0">
-                <a:sym typeface="Wingdings" panose="05000000000000000000" pitchFamily="2" charset="2"/>
-              </a:rPr>
-              <a:t></a:t>
-            </a:r>
-            <a:r>
-              <a:rPr lang="en-US" sz="2800" dirty="0" smtClean="0"/>
-              <a:t> your clients</a:t>
-            </a:r>
-          </a:p>
-          <a:p>
-            <a:pPr marL="285750" indent="-285750">
-              <a:buFont typeface="Arial" panose="020B0604020202020204" pitchFamily="34" charset="0"/>
-              <a:buChar char="•"/>
-            </a:pPr>
-            <a:r>
-              <a:rPr lang="en-US" sz="2800" dirty="0" smtClean="0"/>
-              <a:t>Feel free to contribute on </a:t>
-            </a:r>
-            <a:r>
-              <a:rPr lang="en-US" sz="2800" dirty="0" smtClean="0">
-                <a:hlinkClick r:id="rId2"/>
-              </a:rPr>
-              <a:t>https://github.com/bogdan-cornianu/logger</a:t>
-            </a:r>
-            <a:endParaRPr lang="en-US" sz="2800" dirty="0" smtClean="0"/>
-          </a:p>
-          <a:p>
-            <a:pPr marL="285750" indent="-285750">
-              <a:buFont typeface="Arial" panose="020B0604020202020204" pitchFamily="34" charset="0"/>
-              <a:buChar char="•"/>
-            </a:pPr>
-            <a:endParaRPr lang="en-US" dirty="0" smtClean="0"/>
-          </a:p>
-          <a:p>
-            <a:endParaRPr lang="en-US" dirty="0"/>
-          </a:p>
-        </p:txBody>
-      </p:sp>
-      <p:pic>
-        <p:nvPicPr>
-          <p:cNvPr id="6" name="Picture 5"/>
-          <p:cNvPicPr>
-            <a:picLocks noChangeAspect="1"/>
-          </p:cNvPicPr>
-          <p:nvPr/>
-        </p:nvPicPr>
-        <p:blipFill>
-          <a:blip r:embed="rId3">
-            <a:extLst>
-              <a:ext uri="{28A0092B-C50C-407E-A947-70E740481C1C}">
-                <a14:useLocalDpi xmlns:a14="http://schemas.microsoft.com/office/drawing/2010/main" val="0"/>
-              </a:ext>
-            </a:extLst>
-          </a:blip>
-          <a:stretch>
-            <a:fillRect/>
-          </a:stretch>
-        </p:blipFill>
-        <p:spPr>
-          <a:xfrm>
-            <a:off x="8145625" y="1690688"/>
-            <a:ext cx="3208175" cy="4437826"/>
+            <a:off x="838200" y="365126"/>
+            <a:ext cx="10515600" cy="1199342"/>
           </a:xfrm>
           <a:prstGeom prst="rect">
             <a:avLst/>
           </a:prstGeom>
         </p:spPr>
-      </p:pic>
-      <p:sp>
-        <p:nvSpPr>
-          <p:cNvPr id="7" name="Content Placeholder 6"/>
-          <p:cNvSpPr>
-            <a:spLocks noGrp="1"/>
-          </p:cNvSpPr>
-          <p:nvPr>
-            <p:ph idx="1"/>
-          </p:nvPr>
-        </p:nvSpPr>
-        <p:spPr/>
         <p:txBody>
           <a:bodyPr/>
-          <a:lstStyle/>
-          <a:p>
-            <a:endParaRPr lang="en-US"/>
+          <a:lstStyle>
+            <a:lvl1pPr algn="l" defTabSz="914400" rtl="0" eaLnBrk="1" latinLnBrk="0" hangingPunct="1">
+              <a:lnSpc>
+                <a:spcPct val="90000"/>
+              </a:lnSpc>
+              <a:spcBef>
+                <a:spcPct val="0"/>
+              </a:spcBef>
+              <a:buNone/>
+              <a:defRPr sz="4400" kern="1200">
+                <a:solidFill>
+                  <a:schemeClr val="tx1"/>
+                </a:solidFill>
+                <a:latin typeface="+mj-lt"/>
+                <a:ea typeface="+mj-ea"/>
+                <a:cs typeface="+mj-cs"/>
+              </a:defRPr>
+            </a:lvl1pPr>
+          </a:lstStyle>
+          <a:p>
+            <a:r>
+              <a:rPr lang="en-US" smtClean="0"/>
+              <a:t>How is it different?</a:t>
+            </a:r>
+            <a:endParaRPr lang="en-US" dirty="0"/>
+          </a:p>
+        </p:txBody>
+      </p:sp>
+      <p:sp>
+        <p:nvSpPr>
+          <p:cNvPr id="5" name="Content Placeholder 2"/>
+          <p:cNvSpPr txBox="1">
+            <a:spLocks/>
+          </p:cNvSpPr>
+          <p:nvPr/>
+        </p:nvSpPr>
+        <p:spPr>
+          <a:xfrm>
+            <a:off x="838200" y="1825625"/>
+            <a:ext cx="10515600" cy="3937000"/>
+          </a:xfrm>
+          <a:prstGeom prst="rect">
+            <a:avLst/>
+          </a:prstGeom>
+        </p:spPr>
+        <p:txBody>
+          <a:bodyPr/>
+          <a:lstStyle>
+            <a:lvl1pPr marL="228600" indent="-228600" algn="l" defTabSz="914400" rtl="0" eaLnBrk="1" latinLnBrk="0" hangingPunct="1">
+              <a:lnSpc>
+                <a:spcPct val="90000"/>
+              </a:lnSpc>
+              <a:spcBef>
+                <a:spcPts val="1000"/>
+              </a:spcBef>
+              <a:buFont typeface="Arial" panose="020B0604020202020204" pitchFamily="34" charset="0"/>
+              <a:buChar char="•"/>
+              <a:defRPr sz="2800" kern="1200">
+                <a:solidFill>
+                  <a:schemeClr val="tx1"/>
+                </a:solidFill>
+                <a:latin typeface="+mn-lt"/>
+                <a:ea typeface="+mn-ea"/>
+                <a:cs typeface="+mn-cs"/>
+              </a:defRPr>
+            </a:lvl1pPr>
+            <a:lvl2pPr marL="685800" indent="-228600" algn="l" defTabSz="914400" rtl="0" eaLnBrk="1" latinLnBrk="0" hangingPunct="1">
+              <a:lnSpc>
+                <a:spcPct val="90000"/>
+              </a:lnSpc>
+              <a:spcBef>
+                <a:spcPts val="500"/>
+              </a:spcBef>
+              <a:buFont typeface="Arial" panose="020B0604020202020204" pitchFamily="34" charset="0"/>
+              <a:buChar char="•"/>
+              <a:defRPr sz="2400" kern="1200">
+                <a:solidFill>
+                  <a:schemeClr val="tx1"/>
+                </a:solidFill>
+                <a:latin typeface="+mn-lt"/>
+                <a:ea typeface="+mn-ea"/>
+                <a:cs typeface="+mn-cs"/>
+              </a:defRPr>
+            </a:lvl2pPr>
+            <a:lvl3pPr marL="1143000" indent="-228600" algn="l" defTabSz="914400" rtl="0" eaLnBrk="1" latinLnBrk="0" hangingPunct="1">
+              <a:lnSpc>
+                <a:spcPct val="90000"/>
+              </a:lnSpc>
+              <a:spcBef>
+                <a:spcPts val="500"/>
+              </a:spcBef>
+              <a:buFont typeface="Arial" panose="020B0604020202020204" pitchFamily="34" charset="0"/>
+              <a:buChar char="•"/>
+              <a:defRPr sz="2000" kern="1200">
+                <a:solidFill>
+                  <a:schemeClr val="tx1"/>
+                </a:solidFill>
+                <a:latin typeface="+mn-lt"/>
+                <a:ea typeface="+mn-ea"/>
+                <a:cs typeface="+mn-cs"/>
+              </a:defRPr>
+            </a:lvl3pPr>
+            <a:lvl4pPr marL="1600200" indent="-228600" algn="l" defTabSz="914400" rtl="0" eaLnBrk="1" latinLnBrk="0" hangingPunct="1">
+              <a:lnSpc>
+                <a:spcPct val="90000"/>
+              </a:lnSpc>
+              <a:spcBef>
+                <a:spcPts val="500"/>
+              </a:spcBef>
+              <a:buFont typeface="Arial" panose="020B0604020202020204" pitchFamily="34" charset="0"/>
+              <a:buChar char="•"/>
+              <a:defRPr sz="1800" kern="1200">
+                <a:solidFill>
+                  <a:schemeClr val="tx1"/>
+                </a:solidFill>
+                <a:latin typeface="+mn-lt"/>
+                <a:ea typeface="+mn-ea"/>
+                <a:cs typeface="+mn-cs"/>
+              </a:defRPr>
+            </a:lvl4pPr>
+            <a:lvl5pPr marL="2057400" indent="-228600" algn="l" defTabSz="914400" rtl="0" eaLnBrk="1" latinLnBrk="0" hangingPunct="1">
+              <a:lnSpc>
+                <a:spcPct val="90000"/>
+              </a:lnSpc>
+              <a:spcBef>
+                <a:spcPts val="500"/>
+              </a:spcBef>
+              <a:buFont typeface="Arial" panose="020B0604020202020204" pitchFamily="34" charset="0"/>
+              <a:buChar char="•"/>
+              <a:defRPr sz="1800" kern="1200">
+                <a:solidFill>
+                  <a:schemeClr val="tx1"/>
+                </a:solidFill>
+                <a:latin typeface="+mn-lt"/>
+                <a:ea typeface="+mn-ea"/>
+                <a:cs typeface="+mn-cs"/>
+              </a:defRPr>
+            </a:lvl5pPr>
+            <a:lvl6pPr marL="2514600" indent="-228600" algn="l" defTabSz="914400" rtl="0" eaLnBrk="1" latinLnBrk="0" hangingPunct="1">
+              <a:lnSpc>
+                <a:spcPct val="90000"/>
+              </a:lnSpc>
+              <a:spcBef>
+                <a:spcPts val="500"/>
+              </a:spcBef>
+              <a:buFont typeface="Arial" panose="020B0604020202020204" pitchFamily="34" charset="0"/>
+              <a:buChar char="•"/>
+              <a:defRPr sz="1800" kern="1200">
+                <a:solidFill>
+                  <a:schemeClr val="tx1"/>
+                </a:solidFill>
+                <a:latin typeface="+mn-lt"/>
+                <a:ea typeface="+mn-ea"/>
+                <a:cs typeface="+mn-cs"/>
+              </a:defRPr>
+            </a:lvl6pPr>
+            <a:lvl7pPr marL="2971800" indent="-228600" algn="l" defTabSz="914400" rtl="0" eaLnBrk="1" latinLnBrk="0" hangingPunct="1">
+              <a:lnSpc>
+                <a:spcPct val="90000"/>
+              </a:lnSpc>
+              <a:spcBef>
+                <a:spcPts val="500"/>
+              </a:spcBef>
+              <a:buFont typeface="Arial" panose="020B0604020202020204" pitchFamily="34" charset="0"/>
+              <a:buChar char="•"/>
+              <a:defRPr sz="1800" kern="1200">
+                <a:solidFill>
+                  <a:schemeClr val="tx1"/>
+                </a:solidFill>
+                <a:latin typeface="+mn-lt"/>
+                <a:ea typeface="+mn-ea"/>
+                <a:cs typeface="+mn-cs"/>
+              </a:defRPr>
+            </a:lvl7pPr>
+            <a:lvl8pPr marL="3429000" indent="-228600" algn="l" defTabSz="914400" rtl="0" eaLnBrk="1" latinLnBrk="0" hangingPunct="1">
+              <a:lnSpc>
+                <a:spcPct val="90000"/>
+              </a:lnSpc>
+              <a:spcBef>
+                <a:spcPts val="500"/>
+              </a:spcBef>
+              <a:buFont typeface="Arial" panose="020B0604020202020204" pitchFamily="34" charset="0"/>
+              <a:buChar char="•"/>
+              <a:defRPr sz="1800" kern="1200">
+                <a:solidFill>
+                  <a:schemeClr val="tx1"/>
+                </a:solidFill>
+                <a:latin typeface="+mn-lt"/>
+                <a:ea typeface="+mn-ea"/>
+                <a:cs typeface="+mn-cs"/>
+              </a:defRPr>
+            </a:lvl8pPr>
+            <a:lvl9pPr marL="3886200" indent="-228600" algn="l" defTabSz="914400" rtl="0" eaLnBrk="1" latinLnBrk="0" hangingPunct="1">
+              <a:lnSpc>
+                <a:spcPct val="90000"/>
+              </a:lnSpc>
+              <a:spcBef>
+                <a:spcPts val="500"/>
+              </a:spcBef>
+              <a:buFont typeface="Arial" panose="020B0604020202020204" pitchFamily="34" charset="0"/>
+              <a:buChar char="•"/>
+              <a:defRPr sz="1800" kern="1200">
+                <a:solidFill>
+                  <a:schemeClr val="tx1"/>
+                </a:solidFill>
+                <a:latin typeface="+mn-lt"/>
+                <a:ea typeface="+mn-ea"/>
+                <a:cs typeface="+mn-cs"/>
+              </a:defRPr>
+            </a:lvl9pPr>
+          </a:lstStyle>
+          <a:p>
+            <a:r>
+              <a:rPr lang="en-US" smtClean="0"/>
+              <a:t>There are other JavaScript logging libraries such as loglevel, log4js, log4javascript, but they either do not support saving the logs on the client’s machine or they need ActiveX, XPCom.</a:t>
+            </a:r>
+          </a:p>
+          <a:p>
+            <a:r>
+              <a:rPr lang="en-US" smtClean="0"/>
+              <a:t>134 lines of code (whitelines included) to answer several questions on stackoverflow.com</a:t>
+            </a:r>
+          </a:p>
+          <a:p>
+            <a:r>
+              <a:rPr lang="en-US" smtClean="0"/>
+              <a:t>1022 bytes minified and zipped</a:t>
+            </a:r>
+            <a:endParaRPr lang="en-US" dirty="0"/>
           </a:p>
         </p:txBody>
       </p:sp>
     </p:spTree>
-    <p:extLst>
-      <p:ext uri="{BB962C8B-B14F-4D97-AF65-F5344CB8AC3E}">
-        <p14:creationId xmlns:p14="http://schemas.microsoft.com/office/powerpoint/2010/main" val="3095699303"/>
-      </p:ext>
-    </p:extLst>
   </p:cSld>
   <p:clrMapOvr>
     <a:masterClrMapping/>
@@ -5000,30 +5703,286 @@
       </p:grpSpPr>
       <p:sp>
         <p:nvSpPr>
-          <p:cNvPr id="2" name="Title 1"/>
-          <p:cNvSpPr>
-            <a:spLocks noGrp="1"/>
-          </p:cNvSpPr>
-          <p:nvPr>
-            <p:ph type="title"/>
-          </p:nvPr>
-        </p:nvSpPr>
-        <p:spPr/>
+          <p:cNvPr id="4" name="Title 1"/>
+          <p:cNvSpPr txBox="1">
+            <a:spLocks/>
+          </p:cNvSpPr>
+          <p:nvPr/>
+        </p:nvSpPr>
+        <p:spPr>
+          <a:xfrm>
+            <a:off x="857250" y="107950"/>
+            <a:ext cx="10515600" cy="1325563"/>
+          </a:xfrm>
+          <a:prstGeom prst="rect">
+            <a:avLst/>
+          </a:prstGeom>
+        </p:spPr>
         <p:txBody>
           <a:bodyPr/>
+          <a:lstStyle>
+            <a:lvl1pPr algn="l" defTabSz="914400" rtl="0" eaLnBrk="1" latinLnBrk="0" hangingPunct="1">
+              <a:lnSpc>
+                <a:spcPct val="90000"/>
+              </a:lnSpc>
+              <a:spcBef>
+                <a:spcPct val="0"/>
+              </a:spcBef>
+              <a:buNone/>
+              <a:defRPr sz="4400" kern="1200">
+                <a:solidFill>
+                  <a:schemeClr val="tx1"/>
+                </a:solidFill>
+                <a:latin typeface="+mj-lt"/>
+                <a:ea typeface="+mj-ea"/>
+                <a:cs typeface="+mj-cs"/>
+              </a:defRPr>
+            </a:lvl1pPr>
+          </a:lstStyle>
+          <a:p>
+            <a:r>
+              <a:rPr lang="en-US" smtClean="0"/>
+              <a:t>Next steps</a:t>
+            </a:r>
+            <a:endParaRPr lang="en-US" dirty="0"/>
+          </a:p>
+        </p:txBody>
+      </p:sp>
+      <p:sp>
+        <p:nvSpPr>
+          <p:cNvPr id="5" name="TextBox 4"/>
+          <p:cNvSpPr txBox="1"/>
+          <p:nvPr/>
+        </p:nvSpPr>
+        <p:spPr>
+          <a:xfrm>
+            <a:off x="959175" y="2208798"/>
+            <a:ext cx="7035800" cy="3662541"/>
+          </a:xfrm>
+          <a:prstGeom prst="rect">
+            <a:avLst/>
+          </a:prstGeom>
+          <a:noFill/>
+        </p:spPr>
+        <p:txBody>
+          <a:bodyPr wrap="square" rtlCol="0">
+            <a:spAutoFit/>
+          </a:bodyPr>
           <a:lstStyle/>
           <a:p>
-            <a:r>
-              <a:rPr lang="en-US" dirty="0" smtClean="0"/>
-              <a:t>Questions?</a:t>
-            </a:r>
+            <a:pPr marL="285750" indent="-285750">
+              <a:buFont typeface="Arial" panose="020B0604020202020204" pitchFamily="34" charset="0"/>
+              <a:buChar char="•"/>
+            </a:pPr>
+            <a:r>
+              <a:rPr lang="en-US" sz="2800" dirty="0" smtClean="0"/>
+              <a:t>Saving the logs directly on the server</a:t>
+            </a:r>
+          </a:p>
+          <a:p>
+            <a:pPr marL="285750" indent="-285750">
+              <a:buFont typeface="Arial" panose="020B0604020202020204" pitchFamily="34" charset="0"/>
+              <a:buChar char="•"/>
+            </a:pPr>
+            <a:r>
+              <a:rPr lang="en-US" sz="2800" dirty="0" smtClean="0"/>
+              <a:t>Set maximum number of recorded events</a:t>
+            </a:r>
+          </a:p>
+          <a:p>
+            <a:pPr marL="285750" indent="-285750">
+              <a:buFont typeface="Arial" panose="020B0604020202020204" pitchFamily="34" charset="0"/>
+              <a:buChar char="•"/>
+            </a:pPr>
+            <a:r>
+              <a:rPr lang="en-US" sz="2800" dirty="0" smtClean="0"/>
+              <a:t>Customize the generated file name</a:t>
+            </a:r>
+          </a:p>
+          <a:p>
+            <a:pPr marL="285750" indent="-285750">
+              <a:buFont typeface="Arial" panose="020B0604020202020204" pitchFamily="34" charset="0"/>
+              <a:buChar char="•"/>
+            </a:pPr>
+            <a:r>
+              <a:rPr lang="en-US" sz="2800" dirty="0" smtClean="0"/>
+              <a:t>Add </a:t>
+            </a:r>
+            <a:r>
+              <a:rPr lang="en-US" sz="2800" dirty="0" err="1" smtClean="0"/>
+              <a:t>stacktrace</a:t>
+            </a:r>
+            <a:endParaRPr lang="en-US" sz="2800" dirty="0" smtClean="0"/>
+          </a:p>
+          <a:p>
+            <a:pPr marL="285750" indent="-285750">
+              <a:buFont typeface="Arial" panose="020B0604020202020204" pitchFamily="34" charset="0"/>
+              <a:buChar char="•"/>
+            </a:pPr>
+            <a:r>
+              <a:rPr lang="en-US" sz="2800" dirty="0" smtClean="0"/>
+              <a:t>Use </a:t>
+            </a:r>
+            <a:r>
+              <a:rPr lang="en-US" sz="2800" dirty="0" err="1" smtClean="0"/>
+              <a:t>websockets</a:t>
+            </a:r>
+            <a:r>
+              <a:rPr lang="en-US" sz="2800" dirty="0" smtClean="0"/>
+              <a:t> to “supervise” </a:t>
+            </a:r>
+            <a:r>
+              <a:rPr lang="en-US" sz="2800" dirty="0" smtClean="0">
+                <a:sym typeface="Wingdings" panose="05000000000000000000" pitchFamily="2" charset="2"/>
+              </a:rPr>
+              <a:t></a:t>
+            </a:r>
+            <a:r>
+              <a:rPr lang="en-US" sz="2800" dirty="0" smtClean="0"/>
+              <a:t> your clients</a:t>
+            </a:r>
+          </a:p>
+          <a:p>
+            <a:pPr marL="285750" indent="-285750">
+              <a:buFont typeface="Arial" panose="020B0604020202020204" pitchFamily="34" charset="0"/>
+              <a:buChar char="•"/>
+            </a:pPr>
+            <a:r>
+              <a:rPr lang="en-US" sz="2800" dirty="0" smtClean="0"/>
+              <a:t>Feel free to contribute on </a:t>
+            </a:r>
+            <a:r>
+              <a:rPr lang="en-US" sz="2800" dirty="0" smtClean="0">
+                <a:hlinkClick r:id="rId2"/>
+              </a:rPr>
+              <a:t>https://github.com/bogdan-cornianu/logger</a:t>
+            </a:r>
+            <a:endParaRPr lang="en-US" sz="2800" dirty="0" smtClean="0"/>
+          </a:p>
+          <a:p>
+            <a:pPr marL="285750" indent="-285750">
+              <a:buFont typeface="Arial" panose="020B0604020202020204" pitchFamily="34" charset="0"/>
+              <a:buChar char="•"/>
+            </a:pPr>
+            <a:endParaRPr lang="en-US" dirty="0" smtClean="0"/>
+          </a:p>
+          <a:p>
             <a:endParaRPr lang="en-US" dirty="0"/>
           </a:p>
         </p:txBody>
       </p:sp>
       <p:pic>
         <p:nvPicPr>
-          <p:cNvPr id="4" name="Picture 3"/>
+          <p:cNvPr id="6" name="Picture 5"/>
+          <p:cNvPicPr>
+            <a:picLocks noChangeAspect="1"/>
+          </p:cNvPicPr>
+          <p:nvPr/>
+        </p:nvPicPr>
+        <p:blipFill>
+          <a:blip r:embed="rId3">
+            <a:extLst>
+              <a:ext uri="{28A0092B-C50C-407E-A947-70E740481C1C}">
+                <a14:useLocalDpi xmlns:a14="http://schemas.microsoft.com/office/drawing/2010/main" val="0"/>
+              </a:ext>
+            </a:extLst>
+          </a:blip>
+          <a:stretch>
+            <a:fillRect/>
+          </a:stretch>
+        </p:blipFill>
+        <p:spPr>
+          <a:xfrm>
+            <a:off x="8164675" y="1433513"/>
+            <a:ext cx="3208175" cy="4437826"/>
+          </a:xfrm>
+          <a:prstGeom prst="rect">
+            <a:avLst/>
+          </a:prstGeom>
+        </p:spPr>
+      </p:pic>
+    </p:spTree>
+  </p:cSld>
+  <p:clrMapOvr>
+    <a:masterClrMapping/>
+  </p:clrMapOvr>
+  <p:timing>
+    <p:tnLst>
+      <p:par>
+        <p:cTn id="1" dur="indefinite" restart="never" nodeType="tmRoot"/>
+      </p:par>
+    </p:tnLst>
+  </p:timing>
+</p:sld>
+</file>
+
+<file path=ppt/slides/slide17.xml><?xml version="1.0" encoding="utf-8"?>
+<p:sld xmlns:a="http://schemas.openxmlformats.org/drawingml/2006/main" xmlns:r="http://schemas.openxmlformats.org/officeDocument/2006/relationships" xmlns:p="http://schemas.openxmlformats.org/presentationml/2006/main">
+  <p:cSld>
+    <p:spTree>
+      <p:nvGrpSpPr>
+        <p:cNvPr id="1" name=""/>
+        <p:cNvGrpSpPr/>
+        <p:nvPr/>
+      </p:nvGrpSpPr>
+      <p:grpSpPr>
+        <a:xfrm>
+          <a:off x="0" y="0"/>
+          <a:ext cx="0" cy="0"/>
+          <a:chOff x="0" y="0"/>
+          <a:chExt cx="0" cy="0"/>
+        </a:xfrm>
+      </p:grpSpPr>
+      <p:sp>
+        <p:nvSpPr>
+          <p:cNvPr id="4" name="Title 1"/>
+          <p:cNvSpPr txBox="1">
+            <a:spLocks/>
+          </p:cNvSpPr>
+          <p:nvPr/>
+        </p:nvSpPr>
+        <p:spPr>
+          <a:xfrm>
+            <a:off x="838200" y="365125"/>
+            <a:ext cx="10515600" cy="1325563"/>
+          </a:xfrm>
+          <a:prstGeom prst="rect">
+            <a:avLst/>
+          </a:prstGeom>
+        </p:spPr>
+        <p:txBody>
+          <a:bodyPr/>
+          <a:lstStyle>
+            <a:lvl1pPr algn="l" defTabSz="914400" rtl="0" eaLnBrk="1" latinLnBrk="0" hangingPunct="1">
+              <a:lnSpc>
+                <a:spcPct val="90000"/>
+              </a:lnSpc>
+              <a:spcBef>
+                <a:spcPct val="0"/>
+              </a:spcBef>
+              <a:buNone/>
+              <a:defRPr sz="4400" kern="1200">
+                <a:solidFill>
+                  <a:schemeClr val="tx1"/>
+                </a:solidFill>
+                <a:latin typeface="+mj-lt"/>
+                <a:ea typeface="+mj-ea"/>
+                <a:cs typeface="+mj-cs"/>
+              </a:defRPr>
+            </a:lvl1pPr>
+          </a:lstStyle>
+          <a:p>
+            <a:r>
+              <a:rPr lang="en-US" smtClean="0"/>
+              <a:t>Questions?</a:t>
+            </a:r>
+            <a:endParaRPr lang="en-US" dirty="0"/>
+          </a:p>
+        </p:txBody>
+      </p:sp>
+      <p:pic>
+        <p:nvPicPr>
+          <p:cNvPr id="5" name="Picture 4"/>
           <p:cNvPicPr>
             <a:picLocks noChangeAspect="1"/>
           </p:cNvPicPr>
@@ -5052,11 +6011,6 @@
         </p:spPr>
       </p:pic>
     </p:spTree>
-    <p:extLst>
-      <p:ext uri="{BB962C8B-B14F-4D97-AF65-F5344CB8AC3E}">
-        <p14:creationId xmlns:p14="http://schemas.microsoft.com/office/powerpoint/2010/main" val="1293244312"/>
-      </p:ext>
-    </p:extLst>
   </p:cSld>
   <p:clrMapOvr>
     <a:masterClrMapping/>
@@ -5088,46 +6042,13 @@
           <a:chExt cx="0" cy="0"/>
         </a:xfrm>
       </p:grpSpPr>
-      <p:sp>
-        <p:nvSpPr>
-          <p:cNvPr id="2" name="Title 1"/>
-          <p:cNvSpPr>
-            <a:spLocks noGrp="1"/>
-          </p:cNvSpPr>
-          <p:nvPr>
-            <p:ph type="title"/>
-          </p:nvPr>
-        </p:nvSpPr>
-        <p:spPr>
-          <a:xfrm>
-            <a:off x="838200" y="365125"/>
-            <a:ext cx="10515600" cy="866775"/>
-          </a:xfrm>
-        </p:spPr>
-        <p:txBody>
-          <a:bodyPr>
-            <a:normAutofit/>
-          </a:bodyPr>
-          <a:lstStyle/>
-          <a:p>
-            <a:pPr algn="ctr"/>
-            <a:r>
-              <a:rPr lang="en-US" dirty="0" smtClean="0"/>
-              <a:t>Why?</a:t>
-            </a:r>
-            <a:endParaRPr lang="en-US" dirty="0"/>
-          </a:p>
-        </p:txBody>
-      </p:sp>
       <p:pic>
         <p:nvPicPr>
-          <p:cNvPr id="4" name="Content Placeholder 3"/>
+          <p:cNvPr id="4" name="Picture 3"/>
           <p:cNvPicPr>
-            <a:picLocks noGrp="1" noChangeAspect="1"/>
+            <a:picLocks noChangeAspect="1"/>
           </p:cNvPicPr>
-          <p:nvPr>
-            <p:ph idx="1"/>
-          </p:nvPr>
+          <p:nvPr/>
         </p:nvPicPr>
         <p:blipFill>
           <a:blip r:embed="rId2">
@@ -5143,9 +6064,12 @@
         </p:blipFill>
         <p:spPr>
           <a:xfrm>
-            <a:off x="1930400" y="1231900"/>
-            <a:ext cx="8331200" cy="4279900"/>
+            <a:off x="3397250" y="1235075"/>
+            <a:ext cx="5067300" cy="4514850"/>
           </a:xfrm>
+          <a:prstGeom prst="rect">
+            <a:avLst/>
+          </a:prstGeom>
         </p:spPr>
       </p:pic>
       <p:sp>
@@ -5156,8 +6080,8 @@
         </p:nvSpPr>
         <p:spPr>
           <a:xfrm>
-            <a:off x="1587500" y="5778500"/>
-            <a:ext cx="8674100" cy="369332"/>
+            <a:off x="977900" y="135434"/>
+            <a:ext cx="9906000" cy="769441"/>
           </a:xfrm>
           <a:prstGeom prst="rect">
             <a:avLst/>
@@ -5172,19 +6096,14 @@
           <a:p>
             <a:pPr algn="ctr"/>
             <a:r>
-              <a:rPr lang="en-US" dirty="0" smtClean="0"/>
-              <a:t>Even “funnier” if you can’t take one down!</a:t>
-            </a:r>
-            <a:endParaRPr lang="en-US" dirty="0"/>
+              <a:rPr lang="en-US" sz="4400" dirty="0" smtClean="0"/>
+              <a:t>Why?</a:t>
+            </a:r>
+            <a:endParaRPr lang="en-US" sz="4400" dirty="0"/>
           </a:p>
         </p:txBody>
       </p:sp>
     </p:spTree>
-    <p:extLst>
-      <p:ext uri="{BB962C8B-B14F-4D97-AF65-F5344CB8AC3E}">
-        <p14:creationId xmlns:p14="http://schemas.microsoft.com/office/powerpoint/2010/main" val="152454701"/>
-      </p:ext>
-    </p:extLst>
   </p:cSld>
   <p:clrMapOvr>
     <a:masterClrMapping/>
@@ -5218,23 +6137,49 @@
       </p:grpSpPr>
       <p:sp>
         <p:nvSpPr>
-          <p:cNvPr id="2" name="Title 1"/>
-          <p:cNvSpPr>
-            <a:spLocks noGrp="1"/>
-          </p:cNvSpPr>
-          <p:nvPr>
-            <p:ph type="title"/>
-          </p:nvPr>
-        </p:nvSpPr>
-        <p:spPr/>
-        <p:txBody>
-          <a:bodyPr/>
-          <a:lstStyle/>
+          <p:cNvPr id="4" name="Title 1"/>
+          <p:cNvSpPr txBox="1">
+            <a:spLocks/>
+          </p:cNvSpPr>
+          <p:nvPr/>
+        </p:nvSpPr>
+        <p:spPr>
+          <a:xfrm>
+            <a:off x="838200" y="365125"/>
+            <a:ext cx="10515600" cy="866775"/>
+          </a:xfrm>
+          <a:prstGeom prst="rect">
+            <a:avLst/>
+          </a:prstGeom>
+        </p:spPr>
+        <p:txBody>
+          <a:bodyPr>
+            <a:normAutofit/>
+          </a:bodyPr>
+          <a:lstStyle>
+            <a:lvl1pPr algn="l" defTabSz="914400" rtl="0" eaLnBrk="1" latinLnBrk="0" hangingPunct="1">
+              <a:lnSpc>
+                <a:spcPct val="90000"/>
+              </a:lnSpc>
+              <a:spcBef>
+                <a:spcPct val="0"/>
+              </a:spcBef>
+              <a:buNone/>
+              <a:defRPr sz="4400" kern="1200">
+                <a:solidFill>
+                  <a:schemeClr val="tx1"/>
+                </a:solidFill>
+                <a:latin typeface="+mj-lt"/>
+                <a:ea typeface="+mj-ea"/>
+                <a:cs typeface="+mj-cs"/>
+              </a:defRPr>
+            </a:lvl1pPr>
+          </a:lstStyle>
           <a:p>
             <a:pPr algn="ctr"/>
             <a:r>
-              <a:rPr lang="en-US" dirty="0" smtClean="0"/>
-              <a:t>“Black Box bug fixing” on client side</a:t>
+              <a:rPr lang="en-US" smtClean="0"/>
+              <a:t>Why?</a:t>
             </a:r>
             <a:endParaRPr lang="en-US" dirty="0"/>
           </a:p>
@@ -5242,13 +6187,11 @@
       </p:sp>
       <p:pic>
         <p:nvPicPr>
-          <p:cNvPr id="4" name="Content Placeholder 3"/>
+          <p:cNvPr id="5" name="Content Placeholder 3"/>
           <p:cNvPicPr>
-            <a:picLocks noGrp="1" noChangeAspect="1"/>
+            <a:picLocks noChangeAspect="1"/>
           </p:cNvPicPr>
-          <p:nvPr>
-            <p:ph idx="1"/>
-          </p:nvPr>
+          <p:nvPr/>
         </p:nvPicPr>
         <p:blipFill>
           <a:blip r:embed="rId2">
@@ -5264,21 +6207,24 @@
         </p:blipFill>
         <p:spPr>
           <a:xfrm>
-            <a:off x="3225800" y="1690688"/>
-            <a:ext cx="5486400" cy="3986784"/>
+            <a:off x="1930400" y="1231900"/>
+            <a:ext cx="8331200" cy="4279900"/>
           </a:xfrm>
+          <a:prstGeom prst="rect">
+            <a:avLst/>
+          </a:prstGeom>
         </p:spPr>
       </p:pic>
       <p:sp>
         <p:nvSpPr>
-          <p:cNvPr id="5" name="TextBox 4"/>
+          <p:cNvPr id="6" name="TextBox 5"/>
           <p:cNvSpPr txBox="1"/>
           <p:nvPr/>
         </p:nvSpPr>
         <p:spPr>
           <a:xfrm>
-            <a:off x="3111500" y="5816600"/>
-            <a:ext cx="5969000" cy="369332"/>
+            <a:off x="1587500" y="5513460"/>
+            <a:ext cx="8674100" cy="369332"/>
           </a:xfrm>
           <a:prstGeom prst="rect">
             <a:avLst/>
@@ -5291,32 +6237,16 @@
           </a:bodyPr>
           <a:lstStyle/>
           <a:p>
+            <a:pPr algn="ctr"/>
             <a:r>
               <a:rPr lang="en-US" dirty="0" smtClean="0"/>
-              <a:t>“Uncaught </a:t>
-            </a:r>
-            <a:r>
-              <a:rPr lang="en-US" dirty="0" err="1"/>
-              <a:t>TypeError</a:t>
-            </a:r>
-            <a:r>
-              <a:rPr lang="en-US" dirty="0"/>
-              <a:t>: object is not a </a:t>
-            </a:r>
-            <a:r>
-              <a:rPr lang="en-US" dirty="0" smtClean="0"/>
-              <a:t>function” does not help</a:t>
+              <a:t>Even “funnier” if you can’t take one down!</a:t>
             </a:r>
             <a:endParaRPr lang="en-US" dirty="0"/>
           </a:p>
         </p:txBody>
       </p:sp>
     </p:spTree>
-    <p:extLst>
-      <p:ext uri="{BB962C8B-B14F-4D97-AF65-F5344CB8AC3E}">
-        <p14:creationId xmlns:p14="http://schemas.microsoft.com/office/powerpoint/2010/main" val="3803016004"/>
-      </p:ext>
-    </p:extLst>
   </p:cSld>
   <p:clrMapOvr>
     <a:masterClrMapping/>
@@ -5350,23 +6280,47 @@
       </p:grpSpPr>
       <p:sp>
         <p:nvSpPr>
-          <p:cNvPr id="2" name="Title 1"/>
-          <p:cNvSpPr>
-            <a:spLocks noGrp="1"/>
-          </p:cNvSpPr>
-          <p:nvPr>
-            <p:ph type="title"/>
-          </p:nvPr>
-        </p:nvSpPr>
-        <p:spPr/>
+          <p:cNvPr id="4" name="Title 1"/>
+          <p:cNvSpPr txBox="1">
+            <a:spLocks/>
+          </p:cNvSpPr>
+          <p:nvPr/>
+        </p:nvSpPr>
+        <p:spPr>
+          <a:xfrm>
+            <a:off x="923925" y="165100"/>
+            <a:ext cx="10515600" cy="1325563"/>
+          </a:xfrm>
+          <a:prstGeom prst="rect">
+            <a:avLst/>
+          </a:prstGeom>
+        </p:spPr>
         <p:txBody>
           <a:bodyPr/>
-          <a:lstStyle/>
+          <a:lstStyle>
+            <a:lvl1pPr algn="l" defTabSz="914400" rtl="0" eaLnBrk="1" latinLnBrk="0" hangingPunct="1">
+              <a:lnSpc>
+                <a:spcPct val="90000"/>
+              </a:lnSpc>
+              <a:spcBef>
+                <a:spcPct val="0"/>
+              </a:spcBef>
+              <a:buNone/>
+              <a:defRPr sz="4400" kern="1200">
+                <a:solidFill>
+                  <a:schemeClr val="tx1"/>
+                </a:solidFill>
+                <a:latin typeface="+mj-lt"/>
+                <a:ea typeface="+mj-ea"/>
+                <a:cs typeface="+mj-cs"/>
+              </a:defRPr>
+            </a:lvl1pPr>
+          </a:lstStyle>
           <a:p>
             <a:pPr algn="ctr"/>
             <a:r>
-              <a:rPr lang="en-US" dirty="0" smtClean="0"/>
-              <a:t>Enter client side logging</a:t>
+              <a:rPr lang="en-US" smtClean="0"/>
+              <a:t>“Black Box bug fixing” on client side</a:t>
             </a:r>
             <a:endParaRPr lang="en-US" dirty="0"/>
           </a:p>
@@ -5374,16 +6328,14 @@
       </p:sp>
       <p:pic>
         <p:nvPicPr>
-          <p:cNvPr id="4" name="Content Placeholder 3"/>
+          <p:cNvPr id="5" name="Content Placeholder 3"/>
           <p:cNvPicPr>
-            <a:picLocks noGrp="1" noChangeAspect="1"/>
+            <a:picLocks noChangeAspect="1"/>
           </p:cNvPicPr>
-          <p:nvPr>
-            <p:ph idx="1"/>
-          </p:nvPr>
+          <p:nvPr/>
         </p:nvPicPr>
         <p:blipFill>
-          <a:blip r:embed="rId2" cstate="print">
+          <a:blip r:embed="rId2">
             <a:extLst>
               <a:ext uri="{28A0092B-C50C-407E-A947-70E740481C1C}">
                 <a14:useLocalDpi xmlns:a14="http://schemas.microsoft.com/office/drawing/2010/main" val="0"/>
@@ -5396,17 +6348,57 @@
         </p:blipFill>
         <p:spPr>
           <a:xfrm>
-            <a:off x="4101084" y="1831371"/>
-            <a:ext cx="3989832" cy="3617723"/>
+            <a:off x="3311525" y="1490663"/>
+            <a:ext cx="5486400" cy="3986784"/>
           </a:xfrm>
+          <a:prstGeom prst="rect">
+            <a:avLst/>
+          </a:prstGeom>
         </p:spPr>
       </p:pic>
+      <p:sp>
+        <p:nvSpPr>
+          <p:cNvPr id="6" name="TextBox 5"/>
+          <p:cNvSpPr txBox="1"/>
+          <p:nvPr/>
+        </p:nvSpPr>
+        <p:spPr>
+          <a:xfrm>
+            <a:off x="3197225" y="5496283"/>
+            <a:ext cx="5969000" cy="369332"/>
+          </a:xfrm>
+          <a:prstGeom prst="rect">
+            <a:avLst/>
+          </a:prstGeom>
+          <a:noFill/>
+        </p:spPr>
+        <p:txBody>
+          <a:bodyPr wrap="square" rtlCol="0">
+            <a:spAutoFit/>
+          </a:bodyPr>
+          <a:lstStyle/>
+          <a:p>
+            <a:r>
+              <a:rPr lang="en-US" b="1" dirty="0" smtClean="0"/>
+              <a:t>“Uncaught </a:t>
+            </a:r>
+            <a:r>
+              <a:rPr lang="en-US" b="1" dirty="0" err="1"/>
+              <a:t>TypeError</a:t>
+            </a:r>
+            <a:r>
+              <a:rPr lang="en-US" b="1" dirty="0"/>
+              <a:t>: object is not a </a:t>
+            </a:r>
+            <a:r>
+              <a:rPr lang="en-US" b="1" dirty="0" smtClean="0"/>
+              <a:t>function” does not help</a:t>
+            </a:r>
+            <a:endParaRPr lang="en-US" b="1" dirty="0"/>
+          </a:p>
+        </p:txBody>
+      </p:sp>
     </p:spTree>
-    <p:extLst>
-      <p:ext uri="{BB962C8B-B14F-4D97-AF65-F5344CB8AC3E}">
-        <p14:creationId xmlns:p14="http://schemas.microsoft.com/office/powerpoint/2010/main" val="4172260352"/>
-      </p:ext>
-    </p:extLst>
   </p:cSld>
   <p:clrMapOvr>
     <a:masterClrMapping/>
@@ -5440,22 +6432,47 @@
       </p:grpSpPr>
       <p:sp>
         <p:nvSpPr>
-          <p:cNvPr id="2" name="Title 1"/>
-          <p:cNvSpPr>
-            <a:spLocks noGrp="1"/>
-          </p:cNvSpPr>
-          <p:nvPr>
-            <p:ph type="title"/>
-          </p:nvPr>
-        </p:nvSpPr>
-        <p:spPr/>
+          <p:cNvPr id="4" name="Title 1"/>
+          <p:cNvSpPr txBox="1">
+            <a:spLocks/>
+          </p:cNvSpPr>
+          <p:nvPr/>
+        </p:nvSpPr>
+        <p:spPr>
+          <a:xfrm>
+            <a:off x="838200" y="365125"/>
+            <a:ext cx="10515600" cy="1325563"/>
+          </a:xfrm>
+          <a:prstGeom prst="rect">
+            <a:avLst/>
+          </a:prstGeom>
+        </p:spPr>
         <p:txBody>
           <a:bodyPr/>
-          <a:lstStyle/>
-          <a:p>
-            <a:r>
-              <a:rPr lang="en-US" dirty="0" smtClean="0"/>
-              <a:t>What the client sees</a:t>
+          <a:lstStyle>
+            <a:lvl1pPr algn="l" defTabSz="914400" rtl="0" eaLnBrk="1" latinLnBrk="0" hangingPunct="1">
+              <a:lnSpc>
+                <a:spcPct val="90000"/>
+              </a:lnSpc>
+              <a:spcBef>
+                <a:spcPct val="0"/>
+              </a:spcBef>
+              <a:buNone/>
+              <a:defRPr sz="4400" kern="1200">
+                <a:solidFill>
+                  <a:schemeClr val="tx1"/>
+                </a:solidFill>
+                <a:latin typeface="+mj-lt"/>
+                <a:ea typeface="+mj-ea"/>
+                <a:cs typeface="+mj-cs"/>
+              </a:defRPr>
+            </a:lvl1pPr>
+          </a:lstStyle>
+          <a:p>
+            <a:pPr algn="ctr"/>
+            <a:r>
+              <a:rPr lang="en-US" smtClean="0"/>
+              <a:t>Enter client side logging</a:t>
             </a:r>
             <a:endParaRPr lang="en-US" dirty="0"/>
           </a:p>
@@ -5463,16 +6480,14 @@
       </p:sp>
       <p:pic>
         <p:nvPicPr>
-          <p:cNvPr id="4" name="Content Placeholder 3"/>
+          <p:cNvPr id="5" name="Content Placeholder 3"/>
           <p:cNvPicPr>
-            <a:picLocks noGrp="1" noChangeAspect="1"/>
+            <a:picLocks noChangeAspect="1"/>
           </p:cNvPicPr>
-          <p:nvPr>
-            <p:ph idx="1"/>
-          </p:nvPr>
+          <p:nvPr/>
         </p:nvPicPr>
         <p:blipFill>
-          <a:blip r:embed="rId2">
+          <a:blip r:embed="rId2" cstate="print">
             <a:extLst>
               <a:ext uri="{28A0092B-C50C-407E-A947-70E740481C1C}">
                 <a14:useLocalDpi xmlns:a14="http://schemas.microsoft.com/office/drawing/2010/main" val="0"/>
@@ -5485,17 +6500,15 @@
         </p:blipFill>
         <p:spPr>
           <a:xfrm>
-            <a:off x="1804569" y="1930400"/>
-            <a:ext cx="8851091" cy="2631406"/>
+            <a:off x="4101084" y="1831371"/>
+            <a:ext cx="3989832" cy="3617723"/>
           </a:xfrm>
+          <a:prstGeom prst="rect">
+            <a:avLst/>
+          </a:prstGeom>
         </p:spPr>
       </p:pic>
     </p:spTree>
-    <p:extLst>
-      <p:ext uri="{BB962C8B-B14F-4D97-AF65-F5344CB8AC3E}">
-        <p14:creationId xmlns:p14="http://schemas.microsoft.com/office/powerpoint/2010/main" val="4065810561"/>
-      </p:ext>
-    </p:extLst>
   </p:cSld>
   <p:clrMapOvr>
     <a:masterClrMapping/>
@@ -5529,87 +6542,82 @@
       </p:grpSpPr>
       <p:sp>
         <p:nvSpPr>
-          <p:cNvPr id="2" name="Title 1"/>
-          <p:cNvSpPr>
-            <a:spLocks noGrp="1"/>
-          </p:cNvSpPr>
-          <p:nvPr>
-            <p:ph type="title"/>
-          </p:nvPr>
-        </p:nvSpPr>
-        <p:spPr/>
-        <p:txBody>
-          <a:bodyPr/>
-          <a:lstStyle/>
-          <a:p>
-            <a:r>
-              <a:rPr lang="en-US" dirty="0" smtClean="0"/>
-              <a:t>What you see</a:t>
-            </a:r>
-            <a:endParaRPr lang="en-US" dirty="0"/>
-          </a:p>
-        </p:txBody>
-      </p:sp>
-      <p:sp>
-        <p:nvSpPr>
-          <p:cNvPr id="5" name="TextBox 4"/>
-          <p:cNvSpPr txBox="1"/>
+          <p:cNvPr id="4" name="Title 1"/>
+          <p:cNvSpPr txBox="1">
+            <a:spLocks/>
+          </p:cNvSpPr>
           <p:nvPr/>
         </p:nvSpPr>
         <p:spPr>
           <a:xfrm>
-            <a:off x="838200" y="1690688"/>
-            <a:ext cx="10668000" cy="1754326"/>
+            <a:off x="838200" y="365125"/>
+            <a:ext cx="10515600" cy="1325563"/>
           </a:xfrm>
           <a:prstGeom prst="rect">
             <a:avLst/>
           </a:prstGeom>
-          <a:noFill/>
         </p:spPr>
         <p:txBody>
-          <a:bodyPr wrap="square" rtlCol="0">
-            <a:spAutoFit/>
-          </a:bodyPr>
-          <a:lstStyle/>
-          <a:p>
-            <a:r>
-              <a:rPr lang="en-US" dirty="0" smtClean="0"/>
-              <a:t>[Tue Mar 04 2014 17:40:16 GMT+0200 (GTB Standard Time)] [ERROR]&gt; error message</a:t>
-            </a:r>
-          </a:p>
-          <a:p>
-            <a:r>
-              <a:rPr lang="en-US" dirty="0" smtClean="0"/>
-              <a:t>[Tue Mar 04 2014 17:40:28 GMT+0200 (GTB Standard Time)] [ERROR]&gt; second error message</a:t>
-            </a:r>
-          </a:p>
-          <a:p>
-            <a:r>
-              <a:rPr lang="en-US" dirty="0" smtClean="0"/>
-              <a:t>[Tue Mar 04 2014 17:40:38 GMT+0200 (GTB Standard Time)] [WARN]&gt; a warning message</a:t>
-            </a:r>
-          </a:p>
-          <a:p>
-            <a:r>
-              <a:rPr lang="en-US" dirty="0" smtClean="0"/>
-              <a:t>[Tue Mar 04 2014 17:40:48 GMT+0200 (GTB Standard Time)] [INFO]&gt; an information message</a:t>
-            </a:r>
-          </a:p>
-          <a:p>
-            <a:r>
-              <a:rPr lang="en-US" dirty="0" smtClean="0"/>
-              <a:t>[Tue Mar 04 2014 17:48:40 GMT+0200 (GTB Standard Time)] [ERROR]&gt; Uncaught Error: JS ERROR. at line 19 in http://localhost:8080/logger/main.html</a:t>
+          <a:bodyPr/>
+          <a:lstStyle>
+            <a:lvl1pPr algn="l" defTabSz="914400" rtl="0" eaLnBrk="1" latinLnBrk="0" hangingPunct="1">
+              <a:lnSpc>
+                <a:spcPct val="90000"/>
+              </a:lnSpc>
+              <a:spcBef>
+                <a:spcPct val="0"/>
+              </a:spcBef>
+              <a:buNone/>
+              <a:defRPr sz="4400" kern="1200">
+                <a:solidFill>
+                  <a:schemeClr val="tx1"/>
+                </a:solidFill>
+                <a:latin typeface="+mj-lt"/>
+                <a:ea typeface="+mj-ea"/>
+                <a:cs typeface="+mj-cs"/>
+              </a:defRPr>
+            </a:lvl1pPr>
+          </a:lstStyle>
+          <a:p>
+            <a:r>
+              <a:rPr lang="en-US" smtClean="0"/>
+              <a:t>What the client sees</a:t>
             </a:r>
             <a:endParaRPr lang="en-US" dirty="0"/>
           </a:p>
         </p:txBody>
       </p:sp>
+      <p:pic>
+        <p:nvPicPr>
+          <p:cNvPr id="5" name="Content Placeholder 3"/>
+          <p:cNvPicPr>
+            <a:picLocks noChangeAspect="1"/>
+          </p:cNvPicPr>
+          <p:nvPr/>
+        </p:nvPicPr>
+        <p:blipFill>
+          <a:blip r:embed="rId2">
+            <a:extLst>
+              <a:ext uri="{28A0092B-C50C-407E-A947-70E740481C1C}">
+                <a14:useLocalDpi xmlns:a14="http://schemas.microsoft.com/office/drawing/2010/main" val="0"/>
+              </a:ext>
+            </a:extLst>
+          </a:blip>
+          <a:stretch>
+            <a:fillRect/>
+          </a:stretch>
+        </p:blipFill>
+        <p:spPr>
+          <a:xfrm>
+            <a:off x="1804569" y="1930400"/>
+            <a:ext cx="8851091" cy="2631406"/>
+          </a:xfrm>
+          <a:prstGeom prst="rect">
+            <a:avLst/>
+          </a:prstGeom>
+        </p:spPr>
+      </p:pic>
     </p:spTree>
-    <p:extLst>
-      <p:ext uri="{BB962C8B-B14F-4D97-AF65-F5344CB8AC3E}">
-        <p14:creationId xmlns:p14="http://schemas.microsoft.com/office/powerpoint/2010/main" val="539774842"/>
-      </p:ext>
-    </p:extLst>
   </p:cSld>
   <p:clrMapOvr>
     <a:masterClrMapping/>
@@ -5643,87 +6651,106 @@
       </p:grpSpPr>
       <p:sp>
         <p:nvSpPr>
-          <p:cNvPr id="3" name="Content Placeholder 2"/>
-          <p:cNvSpPr>
-            <a:spLocks noGrp="1"/>
-          </p:cNvSpPr>
-          <p:nvPr>
-            <p:ph idx="1"/>
-          </p:nvPr>
-        </p:nvSpPr>
-        <p:spPr>
-          <a:xfrm>
-            <a:off x="838200" y="1825625"/>
-            <a:ext cx="10515600" cy="777875"/>
-          </a:xfrm>
-        </p:spPr>
-        <p:txBody>
-          <a:bodyPr>
-            <a:normAutofit/>
-          </a:bodyPr>
-          <a:lstStyle/>
-          <a:p>
-            <a:pPr marL="0" indent="0" algn="ctr">
-              <a:buNone/>
-            </a:pPr>
-            <a:r>
-              <a:rPr lang="en-US" sz="3600" dirty="0" smtClean="0"/>
-              <a:t>&lt;script type="text/</a:t>
-            </a:r>
-            <a:r>
-              <a:rPr lang="en-US" sz="3600" dirty="0" err="1" smtClean="0"/>
-              <a:t>javascript</a:t>
-            </a:r>
-            <a:r>
-              <a:rPr lang="en-US" sz="3600" dirty="0" smtClean="0"/>
-              <a:t>" </a:t>
-            </a:r>
-            <a:r>
-              <a:rPr lang="en-US" sz="3600" dirty="0" err="1" smtClean="0"/>
-              <a:t>src</a:t>
-            </a:r>
-            <a:r>
-              <a:rPr lang="en-US" sz="3600" dirty="0" smtClean="0"/>
-              <a:t>="Logger.js"&gt;&lt;/script&gt;</a:t>
-            </a:r>
-            <a:endParaRPr lang="en-US" sz="3600" dirty="0"/>
-          </a:p>
-        </p:txBody>
-      </p:sp>
-      <p:sp>
-        <p:nvSpPr>
-          <p:cNvPr id="6" name="Title 1"/>
-          <p:cNvSpPr>
-            <a:spLocks noGrp="1"/>
-          </p:cNvSpPr>
-          <p:nvPr>
-            <p:ph type="title"/>
-          </p:nvPr>
+          <p:cNvPr id="4" name="Title 1"/>
+          <p:cNvSpPr txBox="1">
+            <a:spLocks/>
+          </p:cNvSpPr>
+          <p:nvPr/>
         </p:nvSpPr>
         <p:spPr>
           <a:xfrm>
             <a:off x="838200" y="365125"/>
             <a:ext cx="10515600" cy="1325563"/>
           </a:xfrm>
+          <a:prstGeom prst="rect">
+            <a:avLst/>
+          </a:prstGeom>
         </p:spPr>
         <p:txBody>
           <a:bodyPr/>
+          <a:lstStyle>
+            <a:lvl1pPr algn="l" defTabSz="914400" rtl="0" eaLnBrk="1" latinLnBrk="0" hangingPunct="1">
+              <a:lnSpc>
+                <a:spcPct val="90000"/>
+              </a:lnSpc>
+              <a:spcBef>
+                <a:spcPct val="0"/>
+              </a:spcBef>
+              <a:buNone/>
+              <a:defRPr sz="4400" kern="1200">
+                <a:solidFill>
+                  <a:schemeClr val="tx1"/>
+                </a:solidFill>
+                <a:latin typeface="+mj-lt"/>
+                <a:ea typeface="+mj-ea"/>
+                <a:cs typeface="+mj-cs"/>
+              </a:defRPr>
+            </a:lvl1pPr>
+          </a:lstStyle>
+          <a:p>
+            <a:r>
+              <a:rPr lang="en-US" smtClean="0"/>
+              <a:t>What you see</a:t>
+            </a:r>
+            <a:endParaRPr lang="en-US" dirty="0"/>
+          </a:p>
+        </p:txBody>
+      </p:sp>
+      <p:sp>
+        <p:nvSpPr>
+          <p:cNvPr id="5" name="TextBox 4"/>
+          <p:cNvSpPr txBox="1"/>
+          <p:nvPr/>
+        </p:nvSpPr>
+        <p:spPr>
+          <a:xfrm>
+            <a:off x="838200" y="1690688"/>
+            <a:ext cx="10668000" cy="1938992"/>
+          </a:xfrm>
+          <a:prstGeom prst="rect">
+            <a:avLst/>
+          </a:prstGeom>
+          <a:noFill/>
+        </p:spPr>
+        <p:txBody>
+          <a:bodyPr wrap="square" rtlCol="0">
+            <a:spAutoFit/>
+          </a:bodyPr>
           <a:lstStyle/>
           <a:p>
             <a:r>
-              <a:rPr lang="en-US" dirty="0" smtClean="0"/>
-              <a:t>How to use it</a:t>
-            </a:r>
-            <a:endParaRPr lang="en-US" dirty="0"/>
+              <a:rPr lang="en-US" sz="2000" dirty="0" smtClean="0"/>
+              <a:t>[Tue Mar 04 2014 17:40:16 GMT+0200 (GTB Standard Time)] [ERROR]&gt; error message</a:t>
+            </a:r>
+          </a:p>
+          <a:p>
+            <a:r>
+              <a:rPr lang="en-US" sz="2000" dirty="0" smtClean="0"/>
+              <a:t>[Tue Mar 04 2014 17:40:28 GMT+0200 (GTB Standard Time)] [ERROR]&gt; second error message</a:t>
+            </a:r>
+          </a:p>
+          <a:p>
+            <a:r>
+              <a:rPr lang="en-US" sz="2000" dirty="0" smtClean="0"/>
+              <a:t>[Tue Mar 04 2014 17:40:38 GMT+0200 (GTB Standard Time)] [WARN]&gt; a warning message</a:t>
+            </a:r>
+          </a:p>
+          <a:p>
+            <a:r>
+              <a:rPr lang="en-US" sz="2000" dirty="0" smtClean="0"/>
+              <a:t>[Tue Mar 04 2014 17:40:48 GMT+0200 (GTB Standard Time)] [INFO]&gt; an information message</a:t>
+            </a:r>
+          </a:p>
+          <a:p>
+            <a:r>
+              <a:rPr lang="en-US" sz="2000" dirty="0" smtClean="0"/>
+              <a:t>[Tue Mar 04 2014 17:48:40 GMT+0200 (GTB Standard Time)] [ERROR]&gt; Uncaught Error: JS ERROR. at line 19 in http://localhost:8080/logger/main.html</a:t>
+            </a:r>
+            <a:endParaRPr lang="en-US" sz="2000" dirty="0"/>
           </a:p>
         </p:txBody>
       </p:sp>
     </p:spTree>
-    <p:extLst>
-      <p:ext uri="{BB962C8B-B14F-4D97-AF65-F5344CB8AC3E}">
-        <p14:creationId xmlns:p14="http://schemas.microsoft.com/office/powerpoint/2010/main" val="2095049560"/>
-      </p:ext>
-    </p:extLst>
   </p:cSld>
   <p:clrMapOvr>
     <a:masterClrMapping/>
@@ -5757,126 +6784,250 @@
       </p:grpSpPr>
       <p:sp>
         <p:nvSpPr>
-          <p:cNvPr id="2" name="Title 1"/>
-          <p:cNvSpPr>
-            <a:spLocks noGrp="1"/>
-          </p:cNvSpPr>
-          <p:nvPr>
-            <p:ph type="title"/>
-          </p:nvPr>
-        </p:nvSpPr>
-        <p:spPr/>
+          <p:cNvPr id="4" name="Content Placeholder 2"/>
+          <p:cNvSpPr txBox="1">
+            <a:spLocks/>
+          </p:cNvSpPr>
+          <p:nvPr/>
+        </p:nvSpPr>
+        <p:spPr>
+          <a:xfrm>
+            <a:off x="838200" y="1825625"/>
+            <a:ext cx="10515600" cy="777875"/>
+          </a:xfrm>
+          <a:prstGeom prst="rect">
+            <a:avLst/>
+          </a:prstGeom>
+        </p:spPr>
+        <p:txBody>
+          <a:bodyPr>
+            <a:normAutofit/>
+          </a:bodyPr>
+          <a:lstStyle>
+            <a:lvl1pPr marL="228600" indent="-228600" algn="l" defTabSz="914400" rtl="0" eaLnBrk="1" latinLnBrk="0" hangingPunct="1">
+              <a:lnSpc>
+                <a:spcPct val="90000"/>
+              </a:lnSpc>
+              <a:spcBef>
+                <a:spcPts val="1000"/>
+              </a:spcBef>
+              <a:buFont typeface="Arial" panose="020B0604020202020204" pitchFamily="34" charset="0"/>
+              <a:buChar char="•"/>
+              <a:defRPr sz="2800" kern="1200">
+                <a:solidFill>
+                  <a:schemeClr val="tx1"/>
+                </a:solidFill>
+                <a:latin typeface="+mn-lt"/>
+                <a:ea typeface="+mn-ea"/>
+                <a:cs typeface="+mn-cs"/>
+              </a:defRPr>
+            </a:lvl1pPr>
+            <a:lvl2pPr marL="685800" indent="-228600" algn="l" defTabSz="914400" rtl="0" eaLnBrk="1" latinLnBrk="0" hangingPunct="1">
+              <a:lnSpc>
+                <a:spcPct val="90000"/>
+              </a:lnSpc>
+              <a:spcBef>
+                <a:spcPts val="500"/>
+              </a:spcBef>
+              <a:buFont typeface="Arial" panose="020B0604020202020204" pitchFamily="34" charset="0"/>
+              <a:buChar char="•"/>
+              <a:defRPr sz="2400" kern="1200">
+                <a:solidFill>
+                  <a:schemeClr val="tx1"/>
+                </a:solidFill>
+                <a:latin typeface="+mn-lt"/>
+                <a:ea typeface="+mn-ea"/>
+                <a:cs typeface="+mn-cs"/>
+              </a:defRPr>
+            </a:lvl2pPr>
+            <a:lvl3pPr marL="1143000" indent="-228600" algn="l" defTabSz="914400" rtl="0" eaLnBrk="1" latinLnBrk="0" hangingPunct="1">
+              <a:lnSpc>
+                <a:spcPct val="90000"/>
+              </a:lnSpc>
+              <a:spcBef>
+                <a:spcPts val="500"/>
+              </a:spcBef>
+              <a:buFont typeface="Arial" panose="020B0604020202020204" pitchFamily="34" charset="0"/>
+              <a:buChar char="•"/>
+              <a:defRPr sz="2000" kern="1200">
+                <a:solidFill>
+                  <a:schemeClr val="tx1"/>
+                </a:solidFill>
+                <a:latin typeface="+mn-lt"/>
+                <a:ea typeface="+mn-ea"/>
+                <a:cs typeface="+mn-cs"/>
+              </a:defRPr>
+            </a:lvl3pPr>
+            <a:lvl4pPr marL="1600200" indent="-228600" algn="l" defTabSz="914400" rtl="0" eaLnBrk="1" latinLnBrk="0" hangingPunct="1">
+              <a:lnSpc>
+                <a:spcPct val="90000"/>
+              </a:lnSpc>
+              <a:spcBef>
+                <a:spcPts val="500"/>
+              </a:spcBef>
+              <a:buFont typeface="Arial" panose="020B0604020202020204" pitchFamily="34" charset="0"/>
+              <a:buChar char="•"/>
+              <a:defRPr sz="1800" kern="1200">
+                <a:solidFill>
+                  <a:schemeClr val="tx1"/>
+                </a:solidFill>
+                <a:latin typeface="+mn-lt"/>
+                <a:ea typeface="+mn-ea"/>
+                <a:cs typeface="+mn-cs"/>
+              </a:defRPr>
+            </a:lvl4pPr>
+            <a:lvl5pPr marL="2057400" indent="-228600" algn="l" defTabSz="914400" rtl="0" eaLnBrk="1" latinLnBrk="0" hangingPunct="1">
+              <a:lnSpc>
+                <a:spcPct val="90000"/>
+              </a:lnSpc>
+              <a:spcBef>
+                <a:spcPts val="500"/>
+              </a:spcBef>
+              <a:buFont typeface="Arial" panose="020B0604020202020204" pitchFamily="34" charset="0"/>
+              <a:buChar char="•"/>
+              <a:defRPr sz="1800" kern="1200">
+                <a:solidFill>
+                  <a:schemeClr val="tx1"/>
+                </a:solidFill>
+                <a:latin typeface="+mn-lt"/>
+                <a:ea typeface="+mn-ea"/>
+                <a:cs typeface="+mn-cs"/>
+              </a:defRPr>
+            </a:lvl5pPr>
+            <a:lvl6pPr marL="2514600" indent="-228600" algn="l" defTabSz="914400" rtl="0" eaLnBrk="1" latinLnBrk="0" hangingPunct="1">
+              <a:lnSpc>
+                <a:spcPct val="90000"/>
+              </a:lnSpc>
+              <a:spcBef>
+                <a:spcPts val="500"/>
+              </a:spcBef>
+              <a:buFont typeface="Arial" panose="020B0604020202020204" pitchFamily="34" charset="0"/>
+              <a:buChar char="•"/>
+              <a:defRPr sz="1800" kern="1200">
+                <a:solidFill>
+                  <a:schemeClr val="tx1"/>
+                </a:solidFill>
+                <a:latin typeface="+mn-lt"/>
+                <a:ea typeface="+mn-ea"/>
+                <a:cs typeface="+mn-cs"/>
+              </a:defRPr>
+            </a:lvl6pPr>
+            <a:lvl7pPr marL="2971800" indent="-228600" algn="l" defTabSz="914400" rtl="0" eaLnBrk="1" latinLnBrk="0" hangingPunct="1">
+              <a:lnSpc>
+                <a:spcPct val="90000"/>
+              </a:lnSpc>
+              <a:spcBef>
+                <a:spcPts val="500"/>
+              </a:spcBef>
+              <a:buFont typeface="Arial" panose="020B0604020202020204" pitchFamily="34" charset="0"/>
+              <a:buChar char="•"/>
+              <a:defRPr sz="1800" kern="1200">
+                <a:solidFill>
+                  <a:schemeClr val="tx1"/>
+                </a:solidFill>
+                <a:latin typeface="+mn-lt"/>
+                <a:ea typeface="+mn-ea"/>
+                <a:cs typeface="+mn-cs"/>
+              </a:defRPr>
+            </a:lvl7pPr>
+            <a:lvl8pPr marL="3429000" indent="-228600" algn="l" defTabSz="914400" rtl="0" eaLnBrk="1" latinLnBrk="0" hangingPunct="1">
+              <a:lnSpc>
+                <a:spcPct val="90000"/>
+              </a:lnSpc>
+              <a:spcBef>
+                <a:spcPts val="500"/>
+              </a:spcBef>
+              <a:buFont typeface="Arial" panose="020B0604020202020204" pitchFamily="34" charset="0"/>
+              <a:buChar char="•"/>
+              <a:defRPr sz="1800" kern="1200">
+                <a:solidFill>
+                  <a:schemeClr val="tx1"/>
+                </a:solidFill>
+                <a:latin typeface="+mn-lt"/>
+                <a:ea typeface="+mn-ea"/>
+                <a:cs typeface="+mn-cs"/>
+              </a:defRPr>
+            </a:lvl8pPr>
+            <a:lvl9pPr marL="3886200" indent="-228600" algn="l" defTabSz="914400" rtl="0" eaLnBrk="1" latinLnBrk="0" hangingPunct="1">
+              <a:lnSpc>
+                <a:spcPct val="90000"/>
+              </a:lnSpc>
+              <a:spcBef>
+                <a:spcPts val="500"/>
+              </a:spcBef>
+              <a:buFont typeface="Arial" panose="020B0604020202020204" pitchFamily="34" charset="0"/>
+              <a:buChar char="•"/>
+              <a:defRPr sz="1800" kern="1200">
+                <a:solidFill>
+                  <a:schemeClr val="tx1"/>
+                </a:solidFill>
+                <a:latin typeface="+mn-lt"/>
+                <a:ea typeface="+mn-ea"/>
+                <a:cs typeface="+mn-cs"/>
+              </a:defRPr>
+            </a:lvl9pPr>
+          </a:lstStyle>
+          <a:p>
+            <a:pPr marL="0" indent="0" algn="ctr">
+              <a:buFont typeface="Arial" panose="020B0604020202020204" pitchFamily="34" charset="0"/>
+              <a:buNone/>
+            </a:pPr>
+            <a:r>
+              <a:rPr lang="en-US" sz="3600" smtClean="0"/>
+              <a:t>&lt;script type="text/javascript" src="Logger.js"&gt;&lt;/script&gt;</a:t>
+            </a:r>
+            <a:endParaRPr lang="en-US" sz="3600" dirty="0"/>
+          </a:p>
+        </p:txBody>
+      </p:sp>
+      <p:sp>
+        <p:nvSpPr>
+          <p:cNvPr id="5" name="Title 1"/>
+          <p:cNvSpPr txBox="1">
+            <a:spLocks/>
+          </p:cNvSpPr>
+          <p:nvPr/>
+        </p:nvSpPr>
+        <p:spPr>
+          <a:xfrm>
+            <a:off x="838200" y="365125"/>
+            <a:ext cx="10515600" cy="1325563"/>
+          </a:xfrm>
+          <a:prstGeom prst="rect">
+            <a:avLst/>
+          </a:prstGeom>
+        </p:spPr>
         <p:txBody>
           <a:bodyPr/>
-          <a:lstStyle/>
-          <a:p>
-            <a:r>
-              <a:rPr lang="en-US" dirty="0" smtClean="0"/>
+          <a:lstStyle>
+            <a:lvl1pPr algn="l" defTabSz="914400" rtl="0" eaLnBrk="1" latinLnBrk="0" hangingPunct="1">
+              <a:lnSpc>
+                <a:spcPct val="90000"/>
+              </a:lnSpc>
+              <a:spcBef>
+                <a:spcPct val="0"/>
+              </a:spcBef>
+              <a:buNone/>
+              <a:defRPr sz="4400" kern="1200">
+                <a:solidFill>
+                  <a:schemeClr val="tx1"/>
+                </a:solidFill>
+                <a:latin typeface="+mj-lt"/>
+                <a:ea typeface="+mj-ea"/>
+                <a:cs typeface="+mj-cs"/>
+              </a:defRPr>
+            </a:lvl1pPr>
+          </a:lstStyle>
+          <a:p>
+            <a:r>
+              <a:rPr lang="en-US" smtClean="0"/>
               <a:t>How to use it</a:t>
             </a:r>
             <a:endParaRPr lang="en-US" dirty="0"/>
           </a:p>
         </p:txBody>
       </p:sp>
-      <p:sp>
-        <p:nvSpPr>
-          <p:cNvPr id="3" name="Content Placeholder 2"/>
-          <p:cNvSpPr>
-            <a:spLocks noGrp="1"/>
-          </p:cNvSpPr>
-          <p:nvPr>
-            <p:ph idx="1"/>
-          </p:nvPr>
-        </p:nvSpPr>
-        <p:spPr/>
-        <p:txBody>
-          <a:bodyPr/>
-          <a:lstStyle/>
-          <a:p>
-            <a:r>
-              <a:rPr lang="en-US" dirty="0"/>
-              <a:t>Logger.log(</a:t>
-            </a:r>
-            <a:r>
-              <a:rPr lang="en-US" dirty="0" err="1"/>
-              <a:t>Logger.level.Error</a:t>
-            </a:r>
-            <a:r>
-              <a:rPr lang="en-US" dirty="0"/>
-              <a:t>, "error message", </a:t>
-            </a:r>
-            <a:r>
-              <a:rPr lang="en-US" dirty="0" err="1"/>
-              <a:t>Logger.location.All</a:t>
-            </a:r>
-            <a:r>
-              <a:rPr lang="en-US" dirty="0"/>
-              <a:t>);</a:t>
-            </a:r>
-          </a:p>
-          <a:p>
-            <a:r>
-              <a:rPr lang="en-US" dirty="0" err="1"/>
-              <a:t>Logger.error</a:t>
-            </a:r>
-            <a:r>
-              <a:rPr lang="en-US" dirty="0"/>
-              <a:t>("second error message", </a:t>
-            </a:r>
-            <a:r>
-              <a:rPr lang="en-US" dirty="0" err="1" smtClean="0"/>
-              <a:t>Logger.location.Console</a:t>
-            </a:r>
-            <a:r>
-              <a:rPr lang="en-US" dirty="0" smtClean="0"/>
-              <a:t>);</a:t>
-            </a:r>
-            <a:endParaRPr lang="en-US" dirty="0"/>
-          </a:p>
-          <a:p>
-            <a:r>
-              <a:rPr lang="en-US" dirty="0" err="1"/>
-              <a:t>Logger.warn</a:t>
-            </a:r>
-            <a:r>
-              <a:rPr lang="en-US" dirty="0"/>
-              <a:t>("a warning message", </a:t>
-            </a:r>
-            <a:r>
-              <a:rPr lang="en-US" dirty="0" err="1" smtClean="0"/>
-              <a:t>Logger.location.LocalStorage</a:t>
-            </a:r>
-            <a:r>
-              <a:rPr lang="en-US" dirty="0" smtClean="0"/>
-              <a:t>);</a:t>
-            </a:r>
-            <a:endParaRPr lang="en-US" dirty="0"/>
-          </a:p>
-          <a:p>
-            <a:r>
-              <a:rPr lang="en-US" dirty="0"/>
-              <a:t>Logger.info("an information message", </a:t>
-            </a:r>
-            <a:r>
-              <a:rPr lang="en-US" dirty="0" err="1"/>
-              <a:t>Logger.location.All</a:t>
-            </a:r>
-            <a:r>
-              <a:rPr lang="en-US" dirty="0"/>
-              <a:t>);</a:t>
-            </a:r>
-          </a:p>
-          <a:p>
-            <a:endParaRPr lang="en-US" dirty="0"/>
-          </a:p>
-        </p:txBody>
-      </p:sp>
     </p:spTree>
-    <p:extLst>
-      <p:ext uri="{BB962C8B-B14F-4D97-AF65-F5344CB8AC3E}">
-        <p14:creationId xmlns:p14="http://schemas.microsoft.com/office/powerpoint/2010/main" val="1150319005"/>
-      </p:ext>
-    </p:extLst>
   </p:cSld>
   <p:clrMapOvr>
     <a:masterClrMapping/>
@@ -5910,39 +7061,256 @@
       </p:grpSpPr>
       <p:sp>
         <p:nvSpPr>
-          <p:cNvPr id="3" name="Content Placeholder 2"/>
-          <p:cNvSpPr>
-            <a:spLocks noGrp="1"/>
-          </p:cNvSpPr>
-          <p:nvPr>
-            <p:ph idx="1"/>
-          </p:nvPr>
+          <p:cNvPr id="4" name="Title 1"/>
+          <p:cNvSpPr txBox="1">
+            <a:spLocks/>
+          </p:cNvSpPr>
+          <p:nvPr/>
+        </p:nvSpPr>
+        <p:spPr>
+          <a:xfrm>
+            <a:off x="838200" y="365125"/>
+            <a:ext cx="10515600" cy="1208047"/>
+          </a:xfrm>
+          <a:prstGeom prst="rect">
+            <a:avLst/>
+          </a:prstGeom>
+        </p:spPr>
+        <p:txBody>
+          <a:bodyPr/>
+          <a:lstStyle>
+            <a:lvl1pPr algn="l" defTabSz="914400" rtl="0" eaLnBrk="1" latinLnBrk="0" hangingPunct="1">
+              <a:lnSpc>
+                <a:spcPct val="90000"/>
+              </a:lnSpc>
+              <a:spcBef>
+                <a:spcPct val="0"/>
+              </a:spcBef>
+              <a:buNone/>
+              <a:defRPr sz="4400" kern="1200">
+                <a:solidFill>
+                  <a:schemeClr val="tx1"/>
+                </a:solidFill>
+                <a:latin typeface="+mj-lt"/>
+                <a:ea typeface="+mj-ea"/>
+                <a:cs typeface="+mj-cs"/>
+              </a:defRPr>
+            </a:lvl1pPr>
+          </a:lstStyle>
+          <a:p>
+            <a:r>
+              <a:rPr lang="en-US" smtClean="0"/>
+              <a:t>How to use it</a:t>
+            </a:r>
+            <a:endParaRPr lang="en-US" dirty="0"/>
+          </a:p>
+        </p:txBody>
+      </p:sp>
+      <p:sp>
+        <p:nvSpPr>
+          <p:cNvPr id="5" name="Content Placeholder 2"/>
+          <p:cNvSpPr txBox="1">
+            <a:spLocks/>
+          </p:cNvSpPr>
+          <p:nvPr/>
         </p:nvSpPr>
         <p:spPr>
           <a:xfrm>
             <a:off x="838200" y="1825625"/>
-            <a:ext cx="8382000" cy="1311275"/>
+            <a:ext cx="10515600" cy="3965575"/>
           </a:xfrm>
+          <a:prstGeom prst="rect">
+            <a:avLst/>
+          </a:prstGeom>
         </p:spPr>
         <p:txBody>
           <a:bodyPr/>
-          <a:lstStyle/>
-          <a:p>
-            <a:r>
-              <a:rPr lang="en-US" dirty="0" err="1"/>
-              <a:t>Logger.getEvents</a:t>
-            </a:r>
-            <a:r>
-              <a:rPr lang="en-US" dirty="0"/>
-              <a:t>(</a:t>
-            </a:r>
-            <a:r>
-              <a:rPr lang="en-US" dirty="0" err="1"/>
-              <a:t>Logger.level.All</a:t>
-            </a:r>
-            <a:r>
-              <a:rPr lang="en-US" dirty="0"/>
-              <a:t>);</a:t>
+          <a:lstStyle>
+            <a:lvl1pPr marL="228600" indent="-228600" algn="l" defTabSz="914400" rtl="0" eaLnBrk="1" latinLnBrk="0" hangingPunct="1">
+              <a:lnSpc>
+                <a:spcPct val="90000"/>
+              </a:lnSpc>
+              <a:spcBef>
+                <a:spcPts val="1000"/>
+              </a:spcBef>
+              <a:buFont typeface="Arial" panose="020B0604020202020204" pitchFamily="34" charset="0"/>
+              <a:buChar char="•"/>
+              <a:defRPr sz="2800" kern="1200">
+                <a:solidFill>
+                  <a:schemeClr val="tx1"/>
+                </a:solidFill>
+                <a:latin typeface="+mn-lt"/>
+                <a:ea typeface="+mn-ea"/>
+                <a:cs typeface="+mn-cs"/>
+              </a:defRPr>
+            </a:lvl1pPr>
+            <a:lvl2pPr marL="685800" indent="-228600" algn="l" defTabSz="914400" rtl="0" eaLnBrk="1" latinLnBrk="0" hangingPunct="1">
+              <a:lnSpc>
+                <a:spcPct val="90000"/>
+              </a:lnSpc>
+              <a:spcBef>
+                <a:spcPts val="500"/>
+              </a:spcBef>
+              <a:buFont typeface="Arial" panose="020B0604020202020204" pitchFamily="34" charset="0"/>
+              <a:buChar char="•"/>
+              <a:defRPr sz="2400" kern="1200">
+                <a:solidFill>
+                  <a:schemeClr val="tx1"/>
+                </a:solidFill>
+                <a:latin typeface="+mn-lt"/>
+                <a:ea typeface="+mn-ea"/>
+                <a:cs typeface="+mn-cs"/>
+              </a:defRPr>
+            </a:lvl2pPr>
+            <a:lvl3pPr marL="1143000" indent="-228600" algn="l" defTabSz="914400" rtl="0" eaLnBrk="1" latinLnBrk="0" hangingPunct="1">
+              <a:lnSpc>
+                <a:spcPct val="90000"/>
+              </a:lnSpc>
+              <a:spcBef>
+                <a:spcPts val="500"/>
+              </a:spcBef>
+              <a:buFont typeface="Arial" panose="020B0604020202020204" pitchFamily="34" charset="0"/>
+              <a:buChar char="•"/>
+              <a:defRPr sz="2000" kern="1200">
+                <a:solidFill>
+                  <a:schemeClr val="tx1"/>
+                </a:solidFill>
+                <a:latin typeface="+mn-lt"/>
+                <a:ea typeface="+mn-ea"/>
+                <a:cs typeface="+mn-cs"/>
+              </a:defRPr>
+            </a:lvl3pPr>
+            <a:lvl4pPr marL="1600200" indent="-228600" algn="l" defTabSz="914400" rtl="0" eaLnBrk="1" latinLnBrk="0" hangingPunct="1">
+              <a:lnSpc>
+                <a:spcPct val="90000"/>
+              </a:lnSpc>
+              <a:spcBef>
+                <a:spcPts val="500"/>
+              </a:spcBef>
+              <a:buFont typeface="Arial" panose="020B0604020202020204" pitchFamily="34" charset="0"/>
+              <a:buChar char="•"/>
+              <a:defRPr sz="1800" kern="1200">
+                <a:solidFill>
+                  <a:schemeClr val="tx1"/>
+                </a:solidFill>
+                <a:latin typeface="+mn-lt"/>
+                <a:ea typeface="+mn-ea"/>
+                <a:cs typeface="+mn-cs"/>
+              </a:defRPr>
+            </a:lvl4pPr>
+            <a:lvl5pPr marL="2057400" indent="-228600" algn="l" defTabSz="914400" rtl="0" eaLnBrk="1" latinLnBrk="0" hangingPunct="1">
+              <a:lnSpc>
+                <a:spcPct val="90000"/>
+              </a:lnSpc>
+              <a:spcBef>
+                <a:spcPts val="500"/>
+              </a:spcBef>
+              <a:buFont typeface="Arial" panose="020B0604020202020204" pitchFamily="34" charset="0"/>
+              <a:buChar char="•"/>
+              <a:defRPr sz="1800" kern="1200">
+                <a:solidFill>
+                  <a:schemeClr val="tx1"/>
+                </a:solidFill>
+                <a:latin typeface="+mn-lt"/>
+                <a:ea typeface="+mn-ea"/>
+                <a:cs typeface="+mn-cs"/>
+              </a:defRPr>
+            </a:lvl5pPr>
+            <a:lvl6pPr marL="2514600" indent="-228600" algn="l" defTabSz="914400" rtl="0" eaLnBrk="1" latinLnBrk="0" hangingPunct="1">
+              <a:lnSpc>
+                <a:spcPct val="90000"/>
+              </a:lnSpc>
+              <a:spcBef>
+                <a:spcPts val="500"/>
+              </a:spcBef>
+              <a:buFont typeface="Arial" panose="020B0604020202020204" pitchFamily="34" charset="0"/>
+              <a:buChar char="•"/>
+              <a:defRPr sz="1800" kern="1200">
+                <a:solidFill>
+                  <a:schemeClr val="tx1"/>
+                </a:solidFill>
+                <a:latin typeface="+mn-lt"/>
+                <a:ea typeface="+mn-ea"/>
+                <a:cs typeface="+mn-cs"/>
+              </a:defRPr>
+            </a:lvl6pPr>
+            <a:lvl7pPr marL="2971800" indent="-228600" algn="l" defTabSz="914400" rtl="0" eaLnBrk="1" latinLnBrk="0" hangingPunct="1">
+              <a:lnSpc>
+                <a:spcPct val="90000"/>
+              </a:lnSpc>
+              <a:spcBef>
+                <a:spcPts val="500"/>
+              </a:spcBef>
+              <a:buFont typeface="Arial" panose="020B0604020202020204" pitchFamily="34" charset="0"/>
+              <a:buChar char="•"/>
+              <a:defRPr sz="1800" kern="1200">
+                <a:solidFill>
+                  <a:schemeClr val="tx1"/>
+                </a:solidFill>
+                <a:latin typeface="+mn-lt"/>
+                <a:ea typeface="+mn-ea"/>
+                <a:cs typeface="+mn-cs"/>
+              </a:defRPr>
+            </a:lvl7pPr>
+            <a:lvl8pPr marL="3429000" indent="-228600" algn="l" defTabSz="914400" rtl="0" eaLnBrk="1" latinLnBrk="0" hangingPunct="1">
+              <a:lnSpc>
+                <a:spcPct val="90000"/>
+              </a:lnSpc>
+              <a:spcBef>
+                <a:spcPts val="500"/>
+              </a:spcBef>
+              <a:buFont typeface="Arial" panose="020B0604020202020204" pitchFamily="34" charset="0"/>
+              <a:buChar char="•"/>
+              <a:defRPr sz="1800" kern="1200">
+                <a:solidFill>
+                  <a:schemeClr val="tx1"/>
+                </a:solidFill>
+                <a:latin typeface="+mn-lt"/>
+                <a:ea typeface="+mn-ea"/>
+                <a:cs typeface="+mn-cs"/>
+              </a:defRPr>
+            </a:lvl8pPr>
+            <a:lvl9pPr marL="3886200" indent="-228600" algn="l" defTabSz="914400" rtl="0" eaLnBrk="1" latinLnBrk="0" hangingPunct="1">
+              <a:lnSpc>
+                <a:spcPct val="90000"/>
+              </a:lnSpc>
+              <a:spcBef>
+                <a:spcPts val="500"/>
+              </a:spcBef>
+              <a:buFont typeface="Arial" panose="020B0604020202020204" pitchFamily="34" charset="0"/>
+              <a:buChar char="•"/>
+              <a:defRPr sz="1800" kern="1200">
+                <a:solidFill>
+                  <a:schemeClr val="tx1"/>
+                </a:solidFill>
+                <a:latin typeface="+mn-lt"/>
+                <a:ea typeface="+mn-ea"/>
+                <a:cs typeface="+mn-cs"/>
+              </a:defRPr>
+            </a:lvl9pPr>
+          </a:lstStyle>
+          <a:p>
+            <a:r>
+              <a:rPr lang="en-US" smtClean="0"/>
+              <a:t>Logger.log(Logger.level.Error, "error message", Logger.location.All);</a:t>
+            </a:r>
+          </a:p>
+          <a:p>
+            <a:r>
+              <a:rPr lang="en-US" smtClean="0"/>
+              <a:t>Logger.error("second error message", Logger.location.Console);</a:t>
+            </a:r>
+          </a:p>
+          <a:p>
+            <a:r>
+              <a:rPr lang="en-US" smtClean="0"/>
+              <a:t>Logger.warn("a warning message", Logger.location.LocalStorage);</a:t>
+            </a:r>
+          </a:p>
+          <a:p>
+            <a:r>
+              <a:rPr lang="en-US" smtClean="0"/>
+              <a:t>Logger.info("an information message", Logger.location.All);</a:t>
             </a:r>
           </a:p>
           <a:p>
@@ -5950,35 +7318,7 @@
           </a:p>
         </p:txBody>
       </p:sp>
-      <p:sp>
-        <p:nvSpPr>
-          <p:cNvPr id="4" name="Title 1"/>
-          <p:cNvSpPr>
-            <a:spLocks noGrp="1"/>
-          </p:cNvSpPr>
-          <p:nvPr>
-            <p:ph type="title"/>
-          </p:nvPr>
-        </p:nvSpPr>
-        <p:spPr/>
-        <p:txBody>
-          <a:bodyPr/>
-          <a:lstStyle/>
-          <a:p>
-            <a:r>
-              <a:rPr lang="en-US" dirty="0" smtClean="0"/>
-              <a:t>How to use it</a:t>
-            </a:r>
-            <a:endParaRPr lang="en-US" dirty="0"/>
-          </a:p>
-        </p:txBody>
-      </p:sp>
     </p:spTree>
-    <p:extLst>
-      <p:ext uri="{BB962C8B-B14F-4D97-AF65-F5344CB8AC3E}">
-        <p14:creationId xmlns:p14="http://schemas.microsoft.com/office/powerpoint/2010/main" val="1196075274"/>
-      </p:ext>
-    </p:extLst>
   </p:cSld>
   <p:clrMapOvr>
     <a:masterClrMapping/>
